--- a/spring13/slides13/ranvar-bigger-number.pptx
+++ b/spring13/slides13/ranvar-bigger-number.pptx
@@ -5,25 +5,30 @@
     <p:sldMasterId id="2147483648" r:id="rId1"/>
   </p:sldMasterIdLst>
   <p:notesMasterIdLst>
-    <p:notesMasterId r:id="rId15"/>
+    <p:notesMasterId r:id="rId20"/>
   </p:notesMasterIdLst>
   <p:handoutMasterIdLst>
-    <p:handoutMasterId r:id="rId16"/>
+    <p:handoutMasterId r:id="rId21"/>
   </p:handoutMasterIdLst>
   <p:sldIdLst>
     <p:sldId id="257" r:id="rId2"/>
     <p:sldId id="258" r:id="rId3"/>
     <p:sldId id="259" r:id="rId4"/>
-    <p:sldId id="260" r:id="rId5"/>
-    <p:sldId id="261" r:id="rId6"/>
-    <p:sldId id="262" r:id="rId7"/>
-    <p:sldId id="263" r:id="rId8"/>
-    <p:sldId id="288" r:id="rId9"/>
-    <p:sldId id="367" r:id="rId10"/>
-    <p:sldId id="368" r:id="rId11"/>
-    <p:sldId id="265" r:id="rId12"/>
-    <p:sldId id="267" r:id="rId13"/>
-    <p:sldId id="370" r:id="rId14"/>
+    <p:sldId id="372" r:id="rId5"/>
+    <p:sldId id="260" r:id="rId6"/>
+    <p:sldId id="261" r:id="rId7"/>
+    <p:sldId id="373" r:id="rId8"/>
+    <p:sldId id="262" r:id="rId9"/>
+    <p:sldId id="263" r:id="rId10"/>
+    <p:sldId id="288" r:id="rId11"/>
+    <p:sldId id="367" r:id="rId12"/>
+    <p:sldId id="374" r:id="rId13"/>
+    <p:sldId id="375" r:id="rId14"/>
+    <p:sldId id="265" r:id="rId15"/>
+    <p:sldId id="376" r:id="rId16"/>
+    <p:sldId id="267" r:id="rId17"/>
+    <p:sldId id="370" r:id="rId18"/>
+    <p:sldId id="371" r:id="rId19"/>
   </p:sldIdLst>
   <p:sldSz cx="9144000" cy="6858000" type="screen4x3"/>
   <p:notesSz cx="9601200" cy="7315200"/>
@@ -1119,6 +1124,279 @@
       </p:grpSpPr>
       <p:sp>
         <p:nvSpPr>
+          <p:cNvPr id="53250" name="Rectangle 7"/>
+          <p:cNvSpPr>
+            <a:spLocks noGrp="1" noChangeArrowheads="1"/>
+          </p:cNvSpPr>
+          <p:nvPr>
+            <p:ph type="sldNum" sz="quarter" idx="5"/>
+          </p:nvPr>
+        </p:nvSpPr>
+        <p:spPr>
+          <a:noFill/>
+        </p:spPr>
+        <p:txBody>
+          <a:bodyPr/>
+          <a:lstStyle/>
+          <a:p>
+            <a:fld id="{4608C89F-0EC1-4547-8A57-DE125A4D0833}" type="slidenum">
+              <a:rPr lang="en-US" smtClean="0"/>
+              <a:pPr/>
+              <a:t>11</a:t>
+            </a:fld>
+            <a:endParaRPr lang="en-US" smtClean="0"/>
+          </a:p>
+        </p:txBody>
+      </p:sp>
+      <p:sp>
+        <p:nvSpPr>
+          <p:cNvPr id="53251" name="Rectangle 2"/>
+          <p:cNvSpPr>
+            <a:spLocks noGrp="1" noRot="1" noChangeAspect="1" noChangeArrowheads="1" noTextEdit="1"/>
+          </p:cNvSpPr>
+          <p:nvPr>
+            <p:ph type="sldImg"/>
+          </p:nvPr>
+        </p:nvSpPr>
+        <p:spPr>
+          <a:xfrm>
+            <a:off x="2973388" y="549275"/>
+            <a:ext cx="3659187" cy="2743200"/>
+          </a:xfrm>
+          <a:ln/>
+        </p:spPr>
+      </p:sp>
+      <p:sp>
+        <p:nvSpPr>
+          <p:cNvPr id="53252" name="Rectangle 3"/>
+          <p:cNvSpPr>
+            <a:spLocks noGrp="1" noChangeArrowheads="1"/>
+          </p:cNvSpPr>
+          <p:nvPr>
+            <p:ph type="body" idx="1"/>
+          </p:nvPr>
+        </p:nvSpPr>
+        <p:spPr>
+          <a:noFill/>
+          <a:ln/>
+        </p:spPr>
+        <p:txBody>
+          <a:bodyPr/>
+          <a:lstStyle/>
+          <a:p>
+            <a:endParaRPr lang="en-US" smtClean="0"/>
+          </a:p>
+        </p:txBody>
+      </p:sp>
+    </p:spTree>
+  </p:cSld>
+  <p:clrMapOvr>
+    <a:masterClrMapping/>
+  </p:clrMapOvr>
+</p:notes>
+</file>
+
+<file path=ppt/notesSlides/notesSlide12.xml><?xml version="1.0" encoding="utf-8"?>
+<p:notes xmlns:a="http://schemas.openxmlformats.org/drawingml/2006/main" xmlns:r="http://schemas.openxmlformats.org/officeDocument/2006/relationships" xmlns:p="http://schemas.openxmlformats.org/presentationml/2006/main">
+  <p:cSld>
+    <p:spTree>
+      <p:nvGrpSpPr>
+        <p:cNvPr id="1" name=""/>
+        <p:cNvGrpSpPr/>
+        <p:nvPr/>
+      </p:nvGrpSpPr>
+      <p:grpSpPr>
+        <a:xfrm>
+          <a:off x="0" y="0"/>
+          <a:ext cx="0" cy="0"/>
+          <a:chOff x="0" y="0"/>
+          <a:chExt cx="0" cy="0"/>
+        </a:xfrm>
+      </p:grpSpPr>
+      <p:sp>
+        <p:nvSpPr>
+          <p:cNvPr id="53250" name="Rectangle 7"/>
+          <p:cNvSpPr>
+            <a:spLocks noGrp="1" noChangeArrowheads="1"/>
+          </p:cNvSpPr>
+          <p:nvPr>
+            <p:ph type="sldNum" sz="quarter" idx="5"/>
+          </p:nvPr>
+        </p:nvSpPr>
+        <p:spPr>
+          <a:noFill/>
+        </p:spPr>
+        <p:txBody>
+          <a:bodyPr/>
+          <a:lstStyle/>
+          <a:p>
+            <a:fld id="{4608C89F-0EC1-4547-8A57-DE125A4D0833}" type="slidenum">
+              <a:rPr lang="en-US" smtClean="0"/>
+              <a:pPr/>
+              <a:t>12</a:t>
+            </a:fld>
+            <a:endParaRPr lang="en-US" smtClean="0"/>
+          </a:p>
+        </p:txBody>
+      </p:sp>
+      <p:sp>
+        <p:nvSpPr>
+          <p:cNvPr id="53251" name="Rectangle 2"/>
+          <p:cNvSpPr>
+            <a:spLocks noGrp="1" noRot="1" noChangeAspect="1" noChangeArrowheads="1" noTextEdit="1"/>
+          </p:cNvSpPr>
+          <p:nvPr>
+            <p:ph type="sldImg"/>
+          </p:nvPr>
+        </p:nvSpPr>
+        <p:spPr>
+          <a:xfrm>
+            <a:off x="2973388" y="549275"/>
+            <a:ext cx="3659187" cy="2743200"/>
+          </a:xfrm>
+          <a:ln/>
+        </p:spPr>
+      </p:sp>
+      <p:sp>
+        <p:nvSpPr>
+          <p:cNvPr id="53252" name="Rectangle 3"/>
+          <p:cNvSpPr>
+            <a:spLocks noGrp="1" noChangeArrowheads="1"/>
+          </p:cNvSpPr>
+          <p:nvPr>
+            <p:ph type="body" idx="1"/>
+          </p:nvPr>
+        </p:nvSpPr>
+        <p:spPr>
+          <a:noFill/>
+          <a:ln/>
+        </p:spPr>
+        <p:txBody>
+          <a:bodyPr/>
+          <a:lstStyle/>
+          <a:p>
+            <a:endParaRPr lang="en-US" smtClean="0"/>
+          </a:p>
+        </p:txBody>
+      </p:sp>
+    </p:spTree>
+  </p:cSld>
+  <p:clrMapOvr>
+    <a:masterClrMapping/>
+  </p:clrMapOvr>
+</p:notes>
+</file>
+
+<file path=ppt/notesSlides/notesSlide13.xml><?xml version="1.0" encoding="utf-8"?>
+<p:notes xmlns:a="http://schemas.openxmlformats.org/drawingml/2006/main" xmlns:r="http://schemas.openxmlformats.org/officeDocument/2006/relationships" xmlns:p="http://schemas.openxmlformats.org/presentationml/2006/main">
+  <p:cSld>
+    <p:spTree>
+      <p:nvGrpSpPr>
+        <p:cNvPr id="1" name=""/>
+        <p:cNvGrpSpPr/>
+        <p:nvPr/>
+      </p:nvGrpSpPr>
+      <p:grpSpPr>
+        <a:xfrm>
+          <a:off x="0" y="0"/>
+          <a:ext cx="0" cy="0"/>
+          <a:chOff x="0" y="0"/>
+          <a:chExt cx="0" cy="0"/>
+        </a:xfrm>
+      </p:grpSpPr>
+      <p:sp>
+        <p:nvSpPr>
+          <p:cNvPr id="53250" name="Rectangle 7"/>
+          <p:cNvSpPr>
+            <a:spLocks noGrp="1" noChangeArrowheads="1"/>
+          </p:cNvSpPr>
+          <p:nvPr>
+            <p:ph type="sldNum" sz="quarter" idx="5"/>
+          </p:nvPr>
+        </p:nvSpPr>
+        <p:spPr>
+          <a:noFill/>
+        </p:spPr>
+        <p:txBody>
+          <a:bodyPr/>
+          <a:lstStyle/>
+          <a:p>
+            <a:fld id="{4608C89F-0EC1-4547-8A57-DE125A4D0833}" type="slidenum">
+              <a:rPr lang="en-US" smtClean="0"/>
+              <a:pPr/>
+              <a:t>13</a:t>
+            </a:fld>
+            <a:endParaRPr lang="en-US" smtClean="0"/>
+          </a:p>
+        </p:txBody>
+      </p:sp>
+      <p:sp>
+        <p:nvSpPr>
+          <p:cNvPr id="53251" name="Rectangle 2"/>
+          <p:cNvSpPr>
+            <a:spLocks noGrp="1" noRot="1" noChangeAspect="1" noChangeArrowheads="1" noTextEdit="1"/>
+          </p:cNvSpPr>
+          <p:nvPr>
+            <p:ph type="sldImg"/>
+          </p:nvPr>
+        </p:nvSpPr>
+        <p:spPr>
+          <a:xfrm>
+            <a:off x="2973388" y="549275"/>
+            <a:ext cx="3659187" cy="2743200"/>
+          </a:xfrm>
+          <a:ln/>
+        </p:spPr>
+      </p:sp>
+      <p:sp>
+        <p:nvSpPr>
+          <p:cNvPr id="53252" name="Rectangle 3"/>
+          <p:cNvSpPr>
+            <a:spLocks noGrp="1" noChangeArrowheads="1"/>
+          </p:cNvSpPr>
+          <p:nvPr>
+            <p:ph type="body" idx="1"/>
+          </p:nvPr>
+        </p:nvSpPr>
+        <p:spPr>
+          <a:noFill/>
+          <a:ln/>
+        </p:spPr>
+        <p:txBody>
+          <a:bodyPr/>
+          <a:lstStyle/>
+          <a:p>
+            <a:endParaRPr lang="en-US" smtClean="0"/>
+          </a:p>
+        </p:txBody>
+      </p:sp>
+    </p:spTree>
+  </p:cSld>
+  <p:clrMapOvr>
+    <a:masterClrMapping/>
+  </p:clrMapOvr>
+</p:notes>
+</file>
+
+<file path=ppt/notesSlides/notesSlide14.xml><?xml version="1.0" encoding="utf-8"?>
+<p:notes xmlns:a="http://schemas.openxmlformats.org/drawingml/2006/main" xmlns:r="http://schemas.openxmlformats.org/officeDocument/2006/relationships" xmlns:p="http://schemas.openxmlformats.org/presentationml/2006/main">
+  <p:cSld>
+    <p:spTree>
+      <p:nvGrpSpPr>
+        <p:cNvPr id="1" name=""/>
+        <p:cNvGrpSpPr/>
+        <p:nvPr/>
+      </p:nvGrpSpPr>
+      <p:grpSpPr>
+        <a:xfrm>
+          <a:off x="0" y="0"/>
+          <a:ext cx="0" cy="0"/>
+          <a:chOff x="0" y="0"/>
+          <a:chExt cx="0" cy="0"/>
+        </a:xfrm>
+      </p:grpSpPr>
+      <p:sp>
+        <p:nvSpPr>
           <p:cNvPr id="54274" name="Rectangle 7"/>
           <p:cNvSpPr>
             <a:spLocks noGrp="1" noChangeArrowheads="1"/>
@@ -1137,7 +1415,7 @@
             <a:fld id="{16FA44C9-DEE3-4123-B243-27C2B35E23EF}" type="slidenum">
               <a:rPr lang="en-US" smtClean="0"/>
               <a:pPr/>
-              <a:t>11</a:t>
+              <a:t>14</a:t>
             </a:fld>
             <a:endParaRPr lang="en-US" smtClean="0"/>
           </a:p>
@@ -1192,7 +1470,99 @@
 </p:notes>
 </file>
 
-<file path=ppt/notesSlides/notesSlide12.xml><?xml version="1.0" encoding="utf-8"?>
+<file path=ppt/notesSlides/notesSlide15.xml><?xml version="1.0" encoding="utf-8"?>
+<p:notes xmlns:a="http://schemas.openxmlformats.org/drawingml/2006/main" xmlns:r="http://schemas.openxmlformats.org/officeDocument/2006/relationships" xmlns:p="http://schemas.openxmlformats.org/presentationml/2006/main">
+  <p:cSld>
+    <p:spTree>
+      <p:nvGrpSpPr>
+        <p:cNvPr id="1" name=""/>
+        <p:cNvGrpSpPr/>
+        <p:nvPr/>
+      </p:nvGrpSpPr>
+      <p:grpSpPr>
+        <a:xfrm>
+          <a:off x="0" y="0"/>
+          <a:ext cx="0" cy="0"/>
+          <a:chOff x="0" y="0"/>
+          <a:chExt cx="0" cy="0"/>
+        </a:xfrm>
+      </p:grpSpPr>
+      <p:sp>
+        <p:nvSpPr>
+          <p:cNvPr id="54274" name="Rectangle 7"/>
+          <p:cNvSpPr>
+            <a:spLocks noGrp="1" noChangeArrowheads="1"/>
+          </p:cNvSpPr>
+          <p:nvPr>
+            <p:ph type="sldNum" sz="quarter" idx="5"/>
+          </p:nvPr>
+        </p:nvSpPr>
+        <p:spPr>
+          <a:noFill/>
+        </p:spPr>
+        <p:txBody>
+          <a:bodyPr/>
+          <a:lstStyle/>
+          <a:p>
+            <a:fld id="{16FA44C9-DEE3-4123-B243-27C2B35E23EF}" type="slidenum">
+              <a:rPr lang="en-US" smtClean="0"/>
+              <a:pPr/>
+              <a:t>15</a:t>
+            </a:fld>
+            <a:endParaRPr lang="en-US" smtClean="0"/>
+          </a:p>
+        </p:txBody>
+      </p:sp>
+      <p:sp>
+        <p:nvSpPr>
+          <p:cNvPr id="54275" name="Rectangle 2"/>
+          <p:cNvSpPr>
+            <a:spLocks noGrp="1" noRot="1" noChangeAspect="1" noChangeArrowheads="1" noTextEdit="1"/>
+          </p:cNvSpPr>
+          <p:nvPr>
+            <p:ph type="sldImg"/>
+          </p:nvPr>
+        </p:nvSpPr>
+        <p:spPr>
+          <a:xfrm>
+            <a:off x="2973388" y="549275"/>
+            <a:ext cx="3659187" cy="2743200"/>
+          </a:xfrm>
+          <a:ln/>
+        </p:spPr>
+      </p:sp>
+      <p:sp>
+        <p:nvSpPr>
+          <p:cNvPr id="54276" name="Rectangle 3"/>
+          <p:cNvSpPr>
+            <a:spLocks noGrp="1" noChangeArrowheads="1"/>
+          </p:cNvSpPr>
+          <p:nvPr>
+            <p:ph type="body" idx="1"/>
+          </p:nvPr>
+        </p:nvSpPr>
+        <p:spPr>
+          <a:noFill/>
+          <a:ln/>
+        </p:spPr>
+        <p:txBody>
+          <a:bodyPr/>
+          <a:lstStyle/>
+          <a:p>
+            <a:pPr eaLnBrk="1" hangingPunct="1"/>
+            <a:endParaRPr lang="en-US" smtClean="0"/>
+          </a:p>
+        </p:txBody>
+      </p:sp>
+    </p:spTree>
+  </p:cSld>
+  <p:clrMapOvr>
+    <a:masterClrMapping/>
+  </p:clrMapOvr>
+</p:notes>
+</file>
+
+<file path=ppt/notesSlides/notesSlide16.xml><?xml version="1.0" encoding="utf-8"?>
 <p:notes xmlns:a="http://schemas.openxmlformats.org/drawingml/2006/main" xmlns:r="http://schemas.openxmlformats.org/officeDocument/2006/relationships" xmlns:p="http://schemas.openxmlformats.org/presentationml/2006/main">
   <p:cSld>
     <p:spTree>
@@ -1229,7 +1599,7 @@
             <a:fld id="{CCF6D73D-881C-4C15-8768-B3D24FF458CB}" type="slidenum">
               <a:rPr lang="en-US" smtClean="0"/>
               <a:pPr/>
-              <a:t>12</a:t>
+              <a:t>16</a:t>
             </a:fld>
             <a:endParaRPr lang="en-US" smtClean="0"/>
           </a:p>
@@ -1284,7 +1654,7 @@
 </p:notes>
 </file>
 
-<file path=ppt/notesSlides/notesSlide13.xml><?xml version="1.0" encoding="utf-8"?>
+<file path=ppt/notesSlides/notesSlide17.xml><?xml version="1.0" encoding="utf-8"?>
 <p:notes xmlns:a="http://schemas.openxmlformats.org/drawingml/2006/main" xmlns:r="http://schemas.openxmlformats.org/officeDocument/2006/relationships" xmlns:p="http://schemas.openxmlformats.org/presentationml/2006/main">
   <p:cSld>
     <p:spTree>
@@ -1321,7 +1691,7 @@
             <a:fld id="{CCF6D73D-881C-4C15-8768-B3D24FF458CB}" type="slidenum">
               <a:rPr lang="en-US" smtClean="0"/>
               <a:pPr/>
-              <a:t>13</a:t>
+              <a:t>17</a:t>
             </a:fld>
             <a:endParaRPr lang="en-US" smtClean="0"/>
           </a:p>
@@ -1348,6 +1718,98 @@
       <p:sp>
         <p:nvSpPr>
           <p:cNvPr id="55300" name="Rectangle 3"/>
+          <p:cNvSpPr>
+            <a:spLocks noGrp="1" noChangeArrowheads="1"/>
+          </p:cNvSpPr>
+          <p:nvPr>
+            <p:ph type="body" idx="1"/>
+          </p:nvPr>
+        </p:nvSpPr>
+        <p:spPr>
+          <a:noFill/>
+          <a:ln/>
+        </p:spPr>
+        <p:txBody>
+          <a:bodyPr/>
+          <a:lstStyle/>
+          <a:p>
+            <a:pPr eaLnBrk="1" hangingPunct="1"/>
+            <a:endParaRPr lang="en-US" smtClean="0"/>
+          </a:p>
+        </p:txBody>
+      </p:sp>
+    </p:spTree>
+  </p:cSld>
+  <p:clrMapOvr>
+    <a:masterClrMapping/>
+  </p:clrMapOvr>
+</p:notes>
+</file>
+
+<file path=ppt/notesSlides/notesSlide18.xml><?xml version="1.0" encoding="utf-8"?>
+<p:notes xmlns:a="http://schemas.openxmlformats.org/drawingml/2006/main" xmlns:r="http://schemas.openxmlformats.org/officeDocument/2006/relationships" xmlns:p="http://schemas.openxmlformats.org/presentationml/2006/main">
+  <p:cSld>
+    <p:spTree>
+      <p:nvGrpSpPr>
+        <p:cNvPr id="1" name=""/>
+        <p:cNvGrpSpPr/>
+        <p:nvPr/>
+      </p:nvGrpSpPr>
+      <p:grpSpPr>
+        <a:xfrm>
+          <a:off x="0" y="0"/>
+          <a:ext cx="0" cy="0"/>
+          <a:chOff x="0" y="0"/>
+          <a:chExt cx="0" cy="0"/>
+        </a:xfrm>
+      </p:grpSpPr>
+      <p:sp>
+        <p:nvSpPr>
+          <p:cNvPr id="56322" name="Rectangle 7"/>
+          <p:cNvSpPr>
+            <a:spLocks noGrp="1" noChangeArrowheads="1"/>
+          </p:cNvSpPr>
+          <p:nvPr>
+            <p:ph type="sldNum" sz="quarter" idx="5"/>
+          </p:nvPr>
+        </p:nvSpPr>
+        <p:spPr>
+          <a:noFill/>
+        </p:spPr>
+        <p:txBody>
+          <a:bodyPr/>
+          <a:lstStyle/>
+          <a:p>
+            <a:fld id="{9CF3396C-60EE-461A-A552-CDEB6E7090F5}" type="slidenum">
+              <a:rPr lang="en-US" smtClean="0"/>
+              <a:pPr/>
+              <a:t>18</a:t>
+            </a:fld>
+            <a:endParaRPr lang="en-US" smtClean="0"/>
+          </a:p>
+        </p:txBody>
+      </p:sp>
+      <p:sp>
+        <p:nvSpPr>
+          <p:cNvPr id="56323" name="Rectangle 2"/>
+          <p:cNvSpPr>
+            <a:spLocks noGrp="1" noRot="1" noChangeAspect="1" noChangeArrowheads="1" noTextEdit="1"/>
+          </p:cNvSpPr>
+          <p:nvPr>
+            <p:ph type="sldImg"/>
+          </p:nvPr>
+        </p:nvSpPr>
+        <p:spPr>
+          <a:xfrm>
+            <a:off x="2973388" y="549275"/>
+            <a:ext cx="3659187" cy="2743200"/>
+          </a:xfrm>
+          <a:ln/>
+        </p:spPr>
+      </p:sp>
+      <p:sp>
+        <p:nvSpPr>
+          <p:cNvPr id="56324" name="Rectangle 3"/>
           <p:cNvSpPr>
             <a:spLocks noGrp="1" noChangeArrowheads="1"/>
           </p:cNvSpPr>
@@ -1579,6 +2041,98 @@
       </p:grpSpPr>
       <p:sp>
         <p:nvSpPr>
+          <p:cNvPr id="48130" name="Rectangle 7"/>
+          <p:cNvSpPr>
+            <a:spLocks noGrp="1" noChangeArrowheads="1"/>
+          </p:cNvSpPr>
+          <p:nvPr>
+            <p:ph type="sldNum" sz="quarter" idx="5"/>
+          </p:nvPr>
+        </p:nvSpPr>
+        <p:spPr>
+          <a:noFill/>
+        </p:spPr>
+        <p:txBody>
+          <a:bodyPr/>
+          <a:lstStyle/>
+          <a:p>
+            <a:fld id="{7AA93040-C9BB-4244-A038-D6243EFD48EF}" type="slidenum">
+              <a:rPr lang="en-US" smtClean="0"/>
+              <a:pPr/>
+              <a:t>4</a:t>
+            </a:fld>
+            <a:endParaRPr lang="en-US" smtClean="0"/>
+          </a:p>
+        </p:txBody>
+      </p:sp>
+      <p:sp>
+        <p:nvSpPr>
+          <p:cNvPr id="48131" name="Rectangle 2"/>
+          <p:cNvSpPr>
+            <a:spLocks noGrp="1" noRot="1" noChangeAspect="1" noChangeArrowheads="1" noTextEdit="1"/>
+          </p:cNvSpPr>
+          <p:nvPr>
+            <p:ph type="sldImg"/>
+          </p:nvPr>
+        </p:nvSpPr>
+        <p:spPr>
+          <a:xfrm>
+            <a:off x="2973388" y="549275"/>
+            <a:ext cx="3659187" cy="2743200"/>
+          </a:xfrm>
+          <a:ln/>
+        </p:spPr>
+      </p:sp>
+      <p:sp>
+        <p:nvSpPr>
+          <p:cNvPr id="48132" name="Rectangle 3"/>
+          <p:cNvSpPr>
+            <a:spLocks noGrp="1" noChangeArrowheads="1"/>
+          </p:cNvSpPr>
+          <p:nvPr>
+            <p:ph type="body" idx="1"/>
+          </p:nvPr>
+        </p:nvSpPr>
+        <p:spPr>
+          <a:noFill/>
+          <a:ln/>
+        </p:spPr>
+        <p:txBody>
+          <a:bodyPr/>
+          <a:lstStyle/>
+          <a:p>
+            <a:pPr eaLnBrk="1" hangingPunct="1"/>
+            <a:endParaRPr lang="en-US" smtClean="0"/>
+          </a:p>
+        </p:txBody>
+      </p:sp>
+    </p:spTree>
+  </p:cSld>
+  <p:clrMapOvr>
+    <a:masterClrMapping/>
+  </p:clrMapOvr>
+</p:notes>
+</file>
+
+<file path=ppt/notesSlides/notesSlide5.xml><?xml version="1.0" encoding="utf-8"?>
+<p:notes xmlns:a="http://schemas.openxmlformats.org/drawingml/2006/main" xmlns:r="http://schemas.openxmlformats.org/officeDocument/2006/relationships" xmlns:p="http://schemas.openxmlformats.org/presentationml/2006/main">
+  <p:cSld>
+    <p:spTree>
+      <p:nvGrpSpPr>
+        <p:cNvPr id="1" name=""/>
+        <p:cNvGrpSpPr/>
+        <p:nvPr/>
+      </p:nvGrpSpPr>
+      <p:grpSpPr>
+        <a:xfrm>
+          <a:off x="0" y="0"/>
+          <a:ext cx="0" cy="0"/>
+          <a:chOff x="0" y="0"/>
+          <a:chExt cx="0" cy="0"/>
+        </a:xfrm>
+      </p:grpSpPr>
+      <p:sp>
+        <p:nvSpPr>
           <p:cNvPr id="49154" name="Rectangle 7"/>
           <p:cNvSpPr>
             <a:spLocks noGrp="1" noChangeArrowheads="1"/>
@@ -1597,7 +2151,7 @@
             <a:fld id="{DC558E70-3EA5-46FB-B03F-50B57ABFC759}" type="slidenum">
               <a:rPr lang="en-US" smtClean="0"/>
               <a:pPr/>
-              <a:t>4</a:t>
+              <a:t>5</a:t>
             </a:fld>
             <a:endParaRPr lang="en-US" smtClean="0"/>
           </a:p>
@@ -1652,7 +2206,7 @@
 </p:notes>
 </file>
 
-<file path=ppt/notesSlides/notesSlide5.xml><?xml version="1.0" encoding="utf-8"?>
+<file path=ppt/notesSlides/notesSlide6.xml><?xml version="1.0" encoding="utf-8"?>
 <p:notes xmlns:a="http://schemas.openxmlformats.org/drawingml/2006/main" xmlns:r="http://schemas.openxmlformats.org/officeDocument/2006/relationships" xmlns:p="http://schemas.openxmlformats.org/presentationml/2006/main">
   <p:cSld>
     <p:spTree>
@@ -1689,7 +2243,7 @@
             <a:fld id="{863EF558-0D7D-4CD5-B512-C290E9305ABE}" type="slidenum">
               <a:rPr lang="en-US" smtClean="0"/>
               <a:pPr/>
-              <a:t>5</a:t>
+              <a:t>6</a:t>
             </a:fld>
             <a:endParaRPr lang="en-US" smtClean="0"/>
           </a:p>
@@ -1744,7 +2298,99 @@
 </p:notes>
 </file>
 
-<file path=ppt/notesSlides/notesSlide6.xml><?xml version="1.0" encoding="utf-8"?>
+<file path=ppt/notesSlides/notesSlide7.xml><?xml version="1.0" encoding="utf-8"?>
+<p:notes xmlns:a="http://schemas.openxmlformats.org/drawingml/2006/main" xmlns:r="http://schemas.openxmlformats.org/officeDocument/2006/relationships" xmlns:p="http://schemas.openxmlformats.org/presentationml/2006/main">
+  <p:cSld>
+    <p:spTree>
+      <p:nvGrpSpPr>
+        <p:cNvPr id="1" name=""/>
+        <p:cNvGrpSpPr/>
+        <p:nvPr/>
+      </p:nvGrpSpPr>
+      <p:grpSpPr>
+        <a:xfrm>
+          <a:off x="0" y="0"/>
+          <a:ext cx="0" cy="0"/>
+          <a:chOff x="0" y="0"/>
+          <a:chExt cx="0" cy="0"/>
+        </a:xfrm>
+      </p:grpSpPr>
+      <p:sp>
+        <p:nvSpPr>
+          <p:cNvPr id="50178" name="Rectangle 7"/>
+          <p:cNvSpPr>
+            <a:spLocks noGrp="1" noChangeArrowheads="1"/>
+          </p:cNvSpPr>
+          <p:nvPr>
+            <p:ph type="sldNum" sz="quarter" idx="5"/>
+          </p:nvPr>
+        </p:nvSpPr>
+        <p:spPr>
+          <a:noFill/>
+        </p:spPr>
+        <p:txBody>
+          <a:bodyPr/>
+          <a:lstStyle/>
+          <a:p>
+            <a:fld id="{863EF558-0D7D-4CD5-B512-C290E9305ABE}" type="slidenum">
+              <a:rPr lang="en-US" smtClean="0"/>
+              <a:pPr/>
+              <a:t>7</a:t>
+            </a:fld>
+            <a:endParaRPr lang="en-US" smtClean="0"/>
+          </a:p>
+        </p:txBody>
+      </p:sp>
+      <p:sp>
+        <p:nvSpPr>
+          <p:cNvPr id="50179" name="Rectangle 2"/>
+          <p:cNvSpPr>
+            <a:spLocks noGrp="1" noRot="1" noChangeAspect="1" noChangeArrowheads="1" noTextEdit="1"/>
+          </p:cNvSpPr>
+          <p:nvPr>
+            <p:ph type="sldImg"/>
+          </p:nvPr>
+        </p:nvSpPr>
+        <p:spPr>
+          <a:xfrm>
+            <a:off x="2973388" y="549275"/>
+            <a:ext cx="3659187" cy="2743200"/>
+          </a:xfrm>
+          <a:ln/>
+        </p:spPr>
+      </p:sp>
+      <p:sp>
+        <p:nvSpPr>
+          <p:cNvPr id="50180" name="Rectangle 3"/>
+          <p:cNvSpPr>
+            <a:spLocks noGrp="1" noChangeArrowheads="1"/>
+          </p:cNvSpPr>
+          <p:nvPr>
+            <p:ph type="body" idx="1"/>
+          </p:nvPr>
+        </p:nvSpPr>
+        <p:spPr>
+          <a:noFill/>
+          <a:ln/>
+        </p:spPr>
+        <p:txBody>
+          <a:bodyPr/>
+          <a:lstStyle/>
+          <a:p>
+            <a:pPr eaLnBrk="1" hangingPunct="1"/>
+            <a:endParaRPr lang="en-US" smtClean="0"/>
+          </a:p>
+        </p:txBody>
+      </p:sp>
+    </p:spTree>
+  </p:cSld>
+  <p:clrMapOvr>
+    <a:masterClrMapping/>
+  </p:clrMapOvr>
+</p:notes>
+</file>
+
+<file path=ppt/notesSlides/notesSlide8.xml><?xml version="1.0" encoding="utf-8"?>
 <p:notes xmlns:a="http://schemas.openxmlformats.org/drawingml/2006/main" xmlns:r="http://schemas.openxmlformats.org/officeDocument/2006/relationships" xmlns:p="http://schemas.openxmlformats.org/presentationml/2006/main">
   <p:cSld>
     <p:spTree>
@@ -1781,7 +2427,7 @@
             <a:fld id="{E8377C33-B589-47FA-BBE9-8332920E388E}" type="slidenum">
               <a:rPr lang="en-US" smtClean="0"/>
               <a:pPr/>
-              <a:t>6</a:t>
+              <a:t>8</a:t>
             </a:fld>
             <a:endParaRPr lang="en-US" smtClean="0"/>
           </a:p>
@@ -1836,7 +2482,7 @@
 </p:notes>
 </file>
 
-<file path=ppt/notesSlides/notesSlide7.xml><?xml version="1.0" encoding="utf-8"?>
+<file path=ppt/notesSlides/notesSlide9.xml><?xml version="1.0" encoding="utf-8"?>
 <p:notes xmlns:a="http://schemas.openxmlformats.org/drawingml/2006/main" xmlns:r="http://schemas.openxmlformats.org/officeDocument/2006/relationships" xmlns:p="http://schemas.openxmlformats.org/presentationml/2006/main">
   <p:cSld>
     <p:spTree>
@@ -1873,7 +2519,7 @@
             <a:fld id="{16BE8130-4383-4706-B13E-8AF1C61CFF84}" type="slidenum">
               <a:rPr lang="en-US" smtClean="0"/>
               <a:pPr/>
-              <a:t>7</a:t>
+              <a:t>9</a:t>
             </a:fld>
             <a:endParaRPr lang="en-US" smtClean="0"/>
           </a:p>
@@ -1916,188 +2562,6 @@
           <a:lstStyle/>
           <a:p>
             <a:pPr eaLnBrk="1" hangingPunct="1"/>
-            <a:endParaRPr lang="en-US" smtClean="0"/>
-          </a:p>
-        </p:txBody>
-      </p:sp>
-    </p:spTree>
-  </p:cSld>
-  <p:clrMapOvr>
-    <a:masterClrMapping/>
-  </p:clrMapOvr>
-</p:notes>
-</file>
-
-<file path=ppt/notesSlides/notesSlide8.xml><?xml version="1.0" encoding="utf-8"?>
-<p:notes xmlns:a="http://schemas.openxmlformats.org/drawingml/2006/main" xmlns:r="http://schemas.openxmlformats.org/officeDocument/2006/relationships" xmlns:p="http://schemas.openxmlformats.org/presentationml/2006/main">
-  <p:cSld>
-    <p:spTree>
-      <p:nvGrpSpPr>
-        <p:cNvPr id="1" name=""/>
-        <p:cNvGrpSpPr/>
-        <p:nvPr/>
-      </p:nvGrpSpPr>
-      <p:grpSpPr>
-        <a:xfrm>
-          <a:off x="0" y="0"/>
-          <a:ext cx="0" cy="0"/>
-          <a:chOff x="0" y="0"/>
-          <a:chExt cx="0" cy="0"/>
-        </a:xfrm>
-      </p:grpSpPr>
-      <p:sp>
-        <p:nvSpPr>
-          <p:cNvPr id="53250" name="Rectangle 7"/>
-          <p:cNvSpPr>
-            <a:spLocks noGrp="1" noChangeArrowheads="1"/>
-          </p:cNvSpPr>
-          <p:nvPr>
-            <p:ph type="sldNum" sz="quarter" idx="5"/>
-          </p:nvPr>
-        </p:nvSpPr>
-        <p:spPr>
-          <a:noFill/>
-        </p:spPr>
-        <p:txBody>
-          <a:bodyPr/>
-          <a:lstStyle/>
-          <a:p>
-            <a:fld id="{4608C89F-0EC1-4547-8A57-DE125A4D0833}" type="slidenum">
-              <a:rPr lang="en-US" smtClean="0"/>
-              <a:pPr/>
-              <a:t>8</a:t>
-            </a:fld>
-            <a:endParaRPr lang="en-US" smtClean="0"/>
-          </a:p>
-        </p:txBody>
-      </p:sp>
-      <p:sp>
-        <p:nvSpPr>
-          <p:cNvPr id="53251" name="Rectangle 2"/>
-          <p:cNvSpPr>
-            <a:spLocks noGrp="1" noRot="1" noChangeAspect="1" noChangeArrowheads="1" noTextEdit="1"/>
-          </p:cNvSpPr>
-          <p:nvPr>
-            <p:ph type="sldImg"/>
-          </p:nvPr>
-        </p:nvSpPr>
-        <p:spPr>
-          <a:xfrm>
-            <a:off x="2973388" y="549275"/>
-            <a:ext cx="3659187" cy="2743200"/>
-          </a:xfrm>
-          <a:ln/>
-        </p:spPr>
-      </p:sp>
-      <p:sp>
-        <p:nvSpPr>
-          <p:cNvPr id="53252" name="Rectangle 3"/>
-          <p:cNvSpPr>
-            <a:spLocks noGrp="1" noChangeArrowheads="1"/>
-          </p:cNvSpPr>
-          <p:nvPr>
-            <p:ph type="body" idx="1"/>
-          </p:nvPr>
-        </p:nvSpPr>
-        <p:spPr>
-          <a:noFill/>
-          <a:ln/>
-        </p:spPr>
-        <p:txBody>
-          <a:bodyPr/>
-          <a:lstStyle/>
-          <a:p>
-            <a:endParaRPr lang="en-US" smtClean="0"/>
-          </a:p>
-        </p:txBody>
-      </p:sp>
-    </p:spTree>
-  </p:cSld>
-  <p:clrMapOvr>
-    <a:masterClrMapping/>
-  </p:clrMapOvr>
-</p:notes>
-</file>
-
-<file path=ppt/notesSlides/notesSlide9.xml><?xml version="1.0" encoding="utf-8"?>
-<p:notes xmlns:a="http://schemas.openxmlformats.org/drawingml/2006/main" xmlns:r="http://schemas.openxmlformats.org/officeDocument/2006/relationships" xmlns:p="http://schemas.openxmlformats.org/presentationml/2006/main">
-  <p:cSld>
-    <p:spTree>
-      <p:nvGrpSpPr>
-        <p:cNvPr id="1" name=""/>
-        <p:cNvGrpSpPr/>
-        <p:nvPr/>
-      </p:nvGrpSpPr>
-      <p:grpSpPr>
-        <a:xfrm>
-          <a:off x="0" y="0"/>
-          <a:ext cx="0" cy="0"/>
-          <a:chOff x="0" y="0"/>
-          <a:chExt cx="0" cy="0"/>
-        </a:xfrm>
-      </p:grpSpPr>
-      <p:sp>
-        <p:nvSpPr>
-          <p:cNvPr id="53250" name="Rectangle 7"/>
-          <p:cNvSpPr>
-            <a:spLocks noGrp="1" noChangeArrowheads="1"/>
-          </p:cNvSpPr>
-          <p:nvPr>
-            <p:ph type="sldNum" sz="quarter" idx="5"/>
-          </p:nvPr>
-        </p:nvSpPr>
-        <p:spPr>
-          <a:noFill/>
-        </p:spPr>
-        <p:txBody>
-          <a:bodyPr/>
-          <a:lstStyle/>
-          <a:p>
-            <a:fld id="{4608C89F-0EC1-4547-8A57-DE125A4D0833}" type="slidenum">
-              <a:rPr lang="en-US" smtClean="0"/>
-              <a:pPr/>
-              <a:t>9</a:t>
-            </a:fld>
-            <a:endParaRPr lang="en-US" smtClean="0"/>
-          </a:p>
-        </p:txBody>
-      </p:sp>
-      <p:sp>
-        <p:nvSpPr>
-          <p:cNvPr id="53251" name="Rectangle 2"/>
-          <p:cNvSpPr>
-            <a:spLocks noGrp="1" noRot="1" noChangeAspect="1" noChangeArrowheads="1" noTextEdit="1"/>
-          </p:cNvSpPr>
-          <p:nvPr>
-            <p:ph type="sldImg"/>
-          </p:nvPr>
-        </p:nvSpPr>
-        <p:spPr>
-          <a:xfrm>
-            <a:off x="2973388" y="549275"/>
-            <a:ext cx="3659187" cy="2743200"/>
-          </a:xfrm>
-          <a:ln/>
-        </p:spPr>
-      </p:sp>
-      <p:sp>
-        <p:nvSpPr>
-          <p:cNvPr id="53252" name="Rectangle 3"/>
-          <p:cNvSpPr>
-            <a:spLocks noGrp="1" noChangeArrowheads="1"/>
-          </p:cNvSpPr>
-          <p:nvPr>
-            <p:ph type="body" idx="1"/>
-          </p:nvPr>
-        </p:nvSpPr>
-        <p:spPr>
-          <a:noFill/>
-          <a:ln/>
-        </p:spPr>
-        <p:txBody>
-          <a:bodyPr/>
-          <a:lstStyle/>
-          <a:p>
             <a:endParaRPr lang="en-US" smtClean="0"/>
           </a:p>
         </p:txBody>
@@ -2244,11 +2708,11 @@
             </a:pPr>
             <a:r>
               <a:rPr lang="en-US" dirty="0" err="1" smtClean="0"/>
-              <a:t>lec</a:t>
+              <a:t>ranvarbigger</a:t>
             </a:r>
             <a:r>
               <a:rPr lang="en-US" dirty="0" smtClean="0"/>
-              <a:t> 12W.</a:t>
+              <a:t>.</a:t>
             </a:r>
             <a:fld id="{FC9265C7-2444-489D-860F-86AAC4235083}" type="slidenum">
               <a:rPr lang="en-US" smtClean="0"/>
@@ -2266,6 +2730,9 @@
   <p:clrMapOvr>
     <a:masterClrMapping/>
   </p:clrMapOvr>
+  <p:transition xmlns:p14="http://schemas.microsoft.com/office/powerpoint/2010/main" spd="slow" advClick="0">
+    <p:fade/>
+  </p:transition>
 </p:sldLayout>
 </file>
 
@@ -2416,11 +2883,11 @@
             </a:pPr>
             <a:r>
               <a:rPr lang="en-US" dirty="0" err="1" smtClean="0"/>
-              <a:t>lec</a:t>
+              <a:t>ranvarbigger</a:t>
             </a:r>
             <a:r>
               <a:rPr lang="en-US" dirty="0" smtClean="0"/>
-              <a:t> 12W.</a:t>
+              <a:t>.</a:t>
             </a:r>
             <a:fld id="{7886A709-CED2-48A3-8616-B2655C008ECB}" type="slidenum">
               <a:rPr lang="en-US" smtClean="0"/>
@@ -2438,6 +2905,9 @@
   <p:clrMapOvr>
     <a:masterClrMapping/>
   </p:clrMapOvr>
+  <p:transition xmlns:p14="http://schemas.microsoft.com/office/powerpoint/2010/main" spd="slow" advClick="0">
+    <p:fade/>
+  </p:transition>
 </p:sldLayout>
 </file>
 
@@ -2509,11 +2979,11 @@
             </a:pPr>
             <a:r>
               <a:rPr lang="en-US" dirty="0" err="1" smtClean="0"/>
-              <a:t>lec</a:t>
+              <a:t>ranvarbigger</a:t>
             </a:r>
             <a:r>
               <a:rPr lang="en-US" dirty="0" smtClean="0"/>
-              <a:t> 12W.</a:t>
+              <a:t>.</a:t>
             </a:r>
             <a:fld id="{9B55653B-1858-43BF-A49A-533C730B553F}" type="slidenum">
               <a:rPr lang="en-US" smtClean="0"/>
@@ -2531,6 +3001,9 @@
   <p:clrMapOvr>
     <a:masterClrMapping/>
   </p:clrMapOvr>
+  <p:transition xmlns:p14="http://schemas.microsoft.com/office/powerpoint/2010/main" spd="slow" advClick="0">
+    <p:fade/>
+  </p:transition>
 </p:sldLayout>
 </file>
 
@@ -2575,11 +3048,11 @@
             </a:pPr>
             <a:r>
               <a:rPr lang="en-US" dirty="0" err="1" smtClean="0"/>
-              <a:t>lec</a:t>
+              <a:t>ranvarbigger</a:t>
             </a:r>
             <a:r>
               <a:rPr lang="en-US" dirty="0" smtClean="0"/>
-              <a:t> 12W.</a:t>
+              <a:t>.</a:t>
             </a:r>
             <a:fld id="{4E62291C-8AD8-4AE0-8F6D-A8437E91FB33}" type="slidenum">
               <a:rPr lang="en-US" smtClean="0"/>
@@ -2597,6 +3070,9 @@
   <p:clrMapOvr>
     <a:masterClrMapping/>
   </p:clrMapOvr>
+  <p:transition xmlns:p14="http://schemas.microsoft.com/office/powerpoint/2010/main" spd="slow" advClick="0">
+    <p:fade/>
+  </p:transition>
 </p:sldLayout>
 </file>
 
@@ -2783,11 +3259,11 @@
             </a:pPr>
             <a:r>
               <a:rPr lang="en-US" dirty="0" err="1" smtClean="0"/>
-              <a:t>lec</a:t>
+              <a:t>ranvarbigger</a:t>
             </a:r>
             <a:r>
               <a:rPr lang="en-US" dirty="0" smtClean="0"/>
-              <a:t> 12W.</a:t>
+              <a:t>.</a:t>
             </a:r>
             <a:fld id="{7886A709-CED2-48A3-8616-B2655C008ECB}" type="slidenum">
               <a:rPr lang="en-US" smtClean="0"/>
@@ -2883,7 +3359,7 @@
                 <a:uFillTx/>
                 <a:latin typeface="Comic Sans MS" pitchFamily="66" charset="0"/>
               </a:rPr>
-              <a:t>Albert R Meyer           May 2, 2012</a:t>
+              <a:t>Albert R Meyer           May 9, 2013</a:t>
             </a:r>
             <a:endParaRPr kumimoji="0" lang="en-US" sz="1200" b="0" i="0" u="none" strike="noStrike" kern="1200" cap="none" spc="0" normalizeH="0" baseline="0" noProof="0" dirty="0">
               <a:ln>
@@ -2933,6 +3409,9 @@
     <p:sldLayoutId id="2147483809" r:id="rId3"/>
     <p:sldLayoutId id="2147483810" r:id="rId4"/>
   </p:sldLayoutIdLst>
+  <p:transition xmlns:p14="http://schemas.microsoft.com/office/powerpoint/2010/main" spd="slow" advClick="0">
+    <p:fade/>
+  </p:transition>
   <p:timing>
     <p:tnLst>
       <p:par>
@@ -3341,12 +3820,12 @@
               <a:defRPr/>
             </a:pPr>
             <a:r>
-              <a:rPr lang="en-US" dirty="0" err="1"/>
-              <a:t>lec</a:t>
+              <a:rPr lang="en-US" dirty="0" err="1" smtClean="0"/>
+              <a:t>ranvarbigger</a:t>
             </a:r>
             <a:r>
               <a:rPr lang="en-US" dirty="0" smtClean="0"/>
-              <a:t> 12W.</a:t>
+              <a:t>.</a:t>
             </a:r>
             <a:fld id="{E4635AA4-CD52-4E2F-88C8-055AD69B0D4E}" type="slidenum">
               <a:rPr lang="en-US" smtClean="0"/>
@@ -3504,9 +3983,14 @@
   <p:clrMapOvr>
     <a:masterClrMapping/>
   </p:clrMapOvr>
-  <p:transition xmlns:p14="http://schemas.microsoft.com/office/powerpoint/2010/main">
-    <p:fade/>
-  </p:transition>
+  <mc:AlternateContent xmlns:mc="http://schemas.openxmlformats.org/markup-compatibility/2006" xmlns:p14="http://schemas.microsoft.com/office/powerpoint/2010/main">
+    <mc:Choice Requires="p14">
+      <p:transition p14:dur="0" advClick="0"/>
+    </mc:Choice>
+    <mc:Fallback xmlns="">
+      <p:transition xmlns:p14="http://schemas.microsoft.com/office/powerpoint/2010/main" advClick="0"/>
+    </mc:Fallback>
+  </mc:AlternateContent>
   <p:timing>
     <p:tnLst>
       <p:par>
@@ -3528,7 +4012,7 @@
                             </p:stCondLst>
                             <p:childTnLst>
                               <p:par>
-                                <p:cTn id="5" presetID="9" presetClass="entr" presetSubtype="0" fill="hold" nodeType="clickEffect">
+                                <p:cTn id="5" presetID="10" presetClass="entr" presetSubtype="0" fill="hold" nodeType="clickEffect">
                                   <p:stCondLst>
                                     <p:cond delay="0"/>
                                   </p:stCondLst>
@@ -3555,7 +4039,7 @@
                                         <p:strVal val="visible"/>
                                       </p:to>
                                     </p:set>
-                                    <p:animEffect transition="in" filter="dissolve">
+                                    <p:animEffect transition="in" filter="fade">
                                       <p:cBhvr>
                                         <p:cTn id="7" dur="500"/>
                                         <p:tgtEl>
@@ -3602,7 +4086,7 @@
 </file>
 
 <file path=ppt/slides/slide10.xml><?xml version="1.0" encoding="utf-8"?>
-<p:sld xmlns:a="http://schemas.openxmlformats.org/drawingml/2006/main" xmlns:r="http://schemas.openxmlformats.org/officeDocument/2006/relationships" xmlns:p="http://schemas.openxmlformats.org/presentationml/2006/main">
+<p:sld xmlns:a="http://schemas.openxmlformats.org/drawingml/2006/main" xmlns:r="http://schemas.openxmlformats.org/officeDocument/2006/relationships" xmlns:p="http://schemas.openxmlformats.org/presentationml/2006/main" show="0">
   <p:cSld>
     <p:spTree>
       <p:nvGrpSpPr>
@@ -3659,6 +4143,7 @@
             </a:r>
             <a:r>
               <a:rPr lang="en-US" sz="4800" dirty="0" smtClean="0">
+                <a:latin typeface="Comic Sans MS"/>
                 <a:cs typeface="Comic Sans MS"/>
                 <a:sym typeface="Euclid Symbol" pitchFamily="18" charset="2"/>
               </a:rPr>
@@ -3721,14 +4206,16 @@
               <a:buNone/>
             </a:pPr>
             <a:r>
-              <a:rPr lang="en-US" sz="4800" dirty="0" err="1" smtClean="0">
-                <a:solidFill>
-                  <a:srgbClr val="0000FF"/>
+              <a:rPr lang="en-US" sz="4800" dirty="0" smtClean="0">
+                <a:solidFill>
+                  <a:schemeClr val="accent1">
+                    <a:lumMod val="10000"/>
+                  </a:schemeClr>
                 </a:solidFill>
                 <a:latin typeface="Comic Sans MS"/>
                 <a:cs typeface="Comic Sans MS"/>
               </a:rPr>
-              <a:t>Pr</a:t>
+              <a:t>by</a:t>
             </a:r>
             <a:r>
               <a:rPr lang="en-US" sz="4800" dirty="0" smtClean="0">
@@ -3738,27 +4225,430 @@
                 <a:latin typeface="Comic Sans MS"/>
                 <a:cs typeface="Comic Sans MS"/>
               </a:rPr>
-              <a:t>[Team </a:t>
+              <a:t> </a:t>
             </a:r>
             <a:r>
               <a:rPr lang="en-US" sz="4800" dirty="0" smtClean="0">
                 <a:solidFill>
-                  <a:srgbClr val="0000FF"/>
+                  <a:srgbClr val="9B2894"/>
                 </a:solidFill>
                 <a:latin typeface="Comic Sans MS"/>
                 <a:cs typeface="Comic Sans MS"/>
               </a:rPr>
-              <a:t>2 </a:t>
-            </a:r>
+              <a:t>Law of Total Probability</a:t>
+            </a:r>
+            <a:endParaRPr lang="en-US" sz="4400" dirty="0" smtClean="0">
+              <a:solidFill>
+                <a:srgbClr val="9B2894"/>
+              </a:solidFill>
+              <a:latin typeface="Comic Sans MS"/>
+              <a:cs typeface="Comic Sans MS"/>
+            </a:endParaRPr>
+          </a:p>
+        </p:txBody>
+      </p:sp>
+      <p:pic>
+        <p:nvPicPr>
+          <p:cNvPr id="4098" name="Object 9"/>
+          <p:cNvPicPr>
+            <a:picLocks noChangeAspect="1" noChangeArrowheads="1"/>
+          </p:cNvPicPr>
+          <p:nvPr/>
+        </p:nvPicPr>
+        <p:blipFill>
+          <a:blip r:embed="rId3"/>
+          <a:srcRect/>
+          <a:stretch>
+            <a:fillRect/>
+          </a:stretch>
+        </p:blipFill>
+        <p:spPr bwMode="auto">
+          <a:xfrm>
+            <a:off x="3022600" y="3073400"/>
+            <a:ext cx="914400" cy="220663"/>
+          </a:xfrm>
+          <a:prstGeom prst="rect">
+            <a:avLst/>
+          </a:prstGeom>
+          <a:noFill/>
+        </p:spPr>
+      </p:pic>
+      <p:sp>
+        <p:nvSpPr>
+          <p:cNvPr id="10" name="Rectangle 2"/>
+          <p:cNvSpPr txBox="1">
+            <a:spLocks noChangeArrowheads="1"/>
+          </p:cNvSpPr>
+          <p:nvPr/>
+        </p:nvSpPr>
+        <p:spPr bwMode="auto">
+          <a:xfrm>
+            <a:off x="1143000" y="228600"/>
+            <a:ext cx="7543800" cy="1143000"/>
+          </a:xfrm>
+          <a:prstGeom prst="rect">
+            <a:avLst/>
+          </a:prstGeom>
+          <a:noFill/>
+          <a:ln w="9525">
+            <a:noFill/>
+            <a:miter lim="800000"/>
+            <a:headEnd/>
+            <a:tailEnd/>
+          </a:ln>
+        </p:spPr>
+        <p:txBody>
+          <a:bodyPr vert="horz" wrap="square" lIns="91440" tIns="45720" rIns="91440" bIns="45720" numCol="1" anchor="ctr" anchorCtr="0" compatLnSpc="1">
+            <a:prstTxWarp prst="textNoShape">
+              <a:avLst/>
+            </a:prstTxWarp>
+          </a:bodyPr>
+          <a:lstStyle/>
+          <a:p>
+            <a:pPr marL="0" marR="0" lvl="0" indent="0" algn="ctr" defTabSz="914400" rtl="0" eaLnBrk="1" fontAlgn="base" latinLnBrk="0" hangingPunct="1">
+              <a:lnSpc>
+                <a:spcPct val="100000"/>
+              </a:lnSpc>
+              <a:spcBef>
+                <a:spcPct val="0"/>
+              </a:spcBef>
+              <a:spcAft>
+                <a:spcPct val="0"/>
+              </a:spcAft>
+              <a:buClrTx/>
+              <a:buSzTx/>
+              <a:buFontTx/>
+              <a:buNone/>
+              <a:tabLst/>
+              <a:defRPr/>
+            </a:pPr>
+            <a:r>
+              <a:rPr kumimoji="0" lang="en-US" sz="4000" b="1" i="0" u="none" strike="noStrike" kern="0" cap="none" spc="0" normalizeH="0" baseline="0" noProof="0" dirty="0" smtClean="0">
+                <a:ln>
+                  <a:noFill/>
+                </a:ln>
+                <a:solidFill>
+                  <a:schemeClr val="tx2"/>
+                </a:solidFill>
+                <a:effectLst/>
+                <a:uLnTx/>
+                <a:uFillTx/>
+                <a:latin typeface="+mj-lt"/>
+                <a:ea typeface="+mj-ea"/>
+                <a:cs typeface="+mj-cs"/>
+              </a:rPr>
+              <a:t>Analysis of </a:t>
+            </a:r>
+            <a:r>
+              <a:rPr kumimoji="0" lang="en-US" sz="4000" b="1" i="0" u="none" strike="noStrike" kern="0" cap="none" spc="0" normalizeH="0" baseline="0" noProof="0" dirty="0" smtClean="0">
+                <a:ln>
+                  <a:noFill/>
+                </a:ln>
+                <a:solidFill>
+                  <a:srgbClr val="006600"/>
+                </a:solidFill>
+                <a:effectLst/>
+                <a:uLnTx/>
+                <a:uFillTx/>
+                <a:latin typeface="+mj-lt"/>
+                <a:ea typeface="+mj-ea"/>
+                <a:cs typeface="+mj-cs"/>
+              </a:rPr>
+              <a:t>Team 2</a:t>
+            </a:r>
+            <a:r>
+              <a:rPr kumimoji="0" lang="en-US" sz="4000" b="1" i="0" u="none" strike="noStrike" kern="0" cap="none" spc="0" normalizeH="0" baseline="0" noProof="0" dirty="0" smtClean="0">
+                <a:ln>
+                  <a:noFill/>
+                </a:ln>
+                <a:solidFill>
+                  <a:schemeClr val="tx2"/>
+                </a:solidFill>
+                <a:effectLst/>
+                <a:uLnTx/>
+                <a:uFillTx/>
+                <a:latin typeface="+mj-lt"/>
+                <a:ea typeface="+mj-ea"/>
+                <a:cs typeface="+mj-cs"/>
+              </a:rPr>
+              <a:t> Strategy</a:t>
+            </a:r>
+          </a:p>
+        </p:txBody>
+      </p:sp>
+      <p:sp>
+        <p:nvSpPr>
+          <p:cNvPr id="7" name="Slide Number Placeholder 6"/>
+          <p:cNvSpPr>
+            <a:spLocks noGrp="1" noChangeArrowheads="1"/>
+          </p:cNvSpPr>
+          <p:nvPr>
+            <p:ph type="sldNum" sz="quarter" idx="4294967295"/>
+          </p:nvPr>
+        </p:nvSpPr>
+        <p:spPr bwMode="auto">
+          <a:xfrm>
+            <a:off x="7554913" y="6577965"/>
+            <a:ext cx="1527175" cy="244475"/>
+          </a:xfrm>
+          <a:prstGeom prst="rect">
+            <a:avLst/>
+          </a:prstGeom>
+          <a:noFill/>
+          <a:ln w="9525">
+            <a:noFill/>
+            <a:miter lim="800000"/>
+            <a:headEnd/>
+            <a:tailEnd/>
+          </a:ln>
+          <a:effectLst/>
+        </p:spPr>
+        <p:txBody>
+          <a:bodyPr vert="horz" wrap="square" lIns="91440" tIns="45720" rIns="91440" bIns="45720" numCol="1" anchor="t" anchorCtr="0" compatLnSpc="1">
+            <a:prstTxWarp prst="textNoShape">
+              <a:avLst/>
+            </a:prstTxWarp>
+          </a:bodyPr>
+          <a:lstStyle>
+            <a:lvl1pPr algn="r">
+              <a:defRPr sz="1200">
+                <a:latin typeface="+mn-lt"/>
+              </a:defRPr>
+            </a:lvl1pPr>
+          </a:lstStyle>
+          <a:p>
+            <a:pPr>
+              <a:defRPr/>
+            </a:pPr>
+            <a:r>
+              <a:rPr lang="en-US" dirty="0" err="1" smtClean="0"/>
+              <a:t>ranvarbigger</a:t>
+            </a:r>
+            <a:r>
+              <a:rPr lang="en-US" dirty="0" smtClean="0"/>
+              <a:t>.</a:t>
+            </a:r>
+            <a:fld id="{7886A709-CED2-48A3-8616-B2655C008ECB}" type="slidenum">
+              <a:rPr lang="en-US" smtClean="0"/>
+              <a:pPr>
+                <a:defRPr/>
+              </a:pPr>
+              <a:t>10</a:t>
+            </a:fld>
+            <a:endParaRPr lang="en-US" dirty="0"/>
+          </a:p>
+        </p:txBody>
+      </p:sp>
+    </p:spTree>
+  </p:cSld>
+  <p:clrMapOvr>
+    <a:masterClrMapping/>
+  </p:clrMapOvr>
+  <p:transition xmlns:p14="http://schemas.microsoft.com/office/powerpoint/2010/main" spd="slow" advClick="0">
+    <p:fade/>
+  </p:transition>
+  <p:timing>
+    <p:tnLst>
+      <p:par>
+        <p:cTn xmlns:p14="http://schemas.microsoft.com/office/powerpoint/2010/main" id="1" dur="indefinite" restart="never" nodeType="tmRoot">
+          <p:childTnLst>
+            <p:seq concurrent="1" nextAc="seek">
+              <p:cTn id="2" dur="indefinite" nodeType="mainSeq">
+                <p:childTnLst>
+                  <p:par>
+                    <p:cTn id="3" fill="hold">
+                      <p:stCondLst>
+                        <p:cond delay="indefinite"/>
+                      </p:stCondLst>
+                      <p:childTnLst>
+                        <p:par>
+                          <p:cTn id="4" fill="hold">
+                            <p:stCondLst>
+                              <p:cond delay="0"/>
+                            </p:stCondLst>
+                            <p:childTnLst>
+                              <p:par>
+                                <p:cTn id="5" presetID="10" presetClass="entr" presetSubtype="0" fill="hold" nodeType="clickEffect">
+                                  <p:stCondLst>
+                                    <p:cond delay="0"/>
+                                  </p:stCondLst>
+                                  <p:childTnLst>
+                                    <p:set>
+                                      <p:cBhvr>
+                                        <p:cTn id="6" dur="1" fill="hold">
+                                          <p:stCondLst>
+                                            <p:cond delay="0"/>
+                                          </p:stCondLst>
+                                        </p:cTn>
+                                        <p:tgtEl>
+                                          <p:spTgt spid="138243">
+                                            <p:txEl>
+                                              <p:pRg st="1" end="1"/>
+                                            </p:txEl>
+                                          </p:spTgt>
+                                        </p:tgtEl>
+                                        <p:attrNameLst>
+                                          <p:attrName>style.visibility</p:attrName>
+                                        </p:attrNameLst>
+                                      </p:cBhvr>
+                                      <p:to>
+                                        <p:strVal val="visible"/>
+                                      </p:to>
+                                    </p:set>
+                                    <p:animEffect transition="in" filter="fade">
+                                      <p:cBhvr>
+                                        <p:cTn id="7" dur="500"/>
+                                        <p:tgtEl>
+                                          <p:spTgt spid="138243">
+                                            <p:txEl>
+                                              <p:pRg st="1" end="1"/>
+                                            </p:txEl>
+                                          </p:spTgt>
+                                        </p:tgtEl>
+                                      </p:cBhvr>
+                                    </p:animEffect>
+                                  </p:childTnLst>
+                                </p:cTn>
+                              </p:par>
+                            </p:childTnLst>
+                          </p:cTn>
+                        </p:par>
+                      </p:childTnLst>
+                    </p:cTn>
+                  </p:par>
+                  <p:par>
+                    <p:cTn id="8" fill="hold">
+                      <p:stCondLst>
+                        <p:cond delay="indefinite"/>
+                      </p:stCondLst>
+                      <p:childTnLst>
+                        <p:par>
+                          <p:cTn id="9" fill="hold">
+                            <p:stCondLst>
+                              <p:cond delay="0"/>
+                            </p:stCondLst>
+                            <p:childTnLst>
+                              <p:par>
+                                <p:cTn id="10" presetID="10" presetClass="entr" presetSubtype="0" fill="hold" nodeType="clickEffect">
+                                  <p:stCondLst>
+                                    <p:cond delay="0"/>
+                                  </p:stCondLst>
+                                  <p:childTnLst>
+                                    <p:set>
+                                      <p:cBhvr>
+                                        <p:cTn id="11" dur="1" fill="hold">
+                                          <p:stCondLst>
+                                            <p:cond delay="0"/>
+                                          </p:stCondLst>
+                                        </p:cTn>
+                                        <p:tgtEl>
+                                          <p:spTgt spid="138243">
+                                            <p:txEl>
+                                              <p:pRg st="2" end="2"/>
+                                            </p:txEl>
+                                          </p:spTgt>
+                                        </p:tgtEl>
+                                        <p:attrNameLst>
+                                          <p:attrName>style.visibility</p:attrName>
+                                        </p:attrNameLst>
+                                      </p:cBhvr>
+                                      <p:to>
+                                        <p:strVal val="visible"/>
+                                      </p:to>
+                                    </p:set>
+                                    <p:animEffect transition="in" filter="fade">
+                                      <p:cBhvr>
+                                        <p:cTn id="12" dur="500"/>
+                                        <p:tgtEl>
+                                          <p:spTgt spid="138243">
+                                            <p:txEl>
+                                              <p:pRg st="2" end="2"/>
+                                            </p:txEl>
+                                          </p:spTgt>
+                                        </p:tgtEl>
+                                      </p:cBhvr>
+                                    </p:animEffect>
+                                  </p:childTnLst>
+                                </p:cTn>
+                              </p:par>
+                            </p:childTnLst>
+                          </p:cTn>
+                        </p:par>
+                      </p:childTnLst>
+                    </p:cTn>
+                  </p:par>
+                </p:childTnLst>
+              </p:cTn>
+              <p:prevCondLst>
+                <p:cond evt="onPrev" delay="0">
+                  <p:tgtEl>
+                    <p:sldTgt/>
+                  </p:tgtEl>
+                </p:cond>
+              </p:prevCondLst>
+              <p:nextCondLst>
+                <p:cond evt="onNext" delay="0">
+                  <p:tgtEl>
+                    <p:sldTgt/>
+                  </p:tgtEl>
+                </p:cond>
+              </p:nextCondLst>
+            </p:seq>
+          </p:childTnLst>
+        </p:cTn>
+      </p:par>
+    </p:tnLst>
+  </p:timing>
+</p:sld>
+</file>
+
+<file path=ppt/slides/slide11.xml><?xml version="1.0" encoding="utf-8"?>
+<p:sld xmlns:a="http://schemas.openxmlformats.org/drawingml/2006/main" xmlns:r="http://schemas.openxmlformats.org/officeDocument/2006/relationships" xmlns:p="http://schemas.openxmlformats.org/presentationml/2006/main">
+  <p:cSld>
+    <p:spTree>
+      <p:nvGrpSpPr>
+        <p:cNvPr id="1" name=""/>
+        <p:cNvGrpSpPr/>
+        <p:nvPr/>
+      </p:nvGrpSpPr>
+      <p:grpSpPr>
+        <a:xfrm>
+          <a:off x="0" y="0"/>
+          <a:ext cx="0" cy="0"/>
+          <a:chOff x="0" y="0"/>
+          <a:chExt cx="0" cy="0"/>
+        </a:xfrm>
+      </p:grpSpPr>
+      <p:sp>
+        <p:nvSpPr>
+          <p:cNvPr id="138243" name="Rectangle 3"/>
+          <p:cNvSpPr>
+            <a:spLocks noGrp="1" noChangeArrowheads="1"/>
+          </p:cNvSpPr>
+          <p:nvPr>
+            <p:ph idx="4294967295"/>
+          </p:nvPr>
+        </p:nvSpPr>
+        <p:spPr>
+          <a:xfrm>
+            <a:off x="541867" y="1219199"/>
+            <a:ext cx="8051796" cy="4792133"/>
+          </a:xfrm>
+        </p:spPr>
+        <p:txBody>
+          <a:bodyPr/>
+          <a:lstStyle/>
+          <a:p>
+            <a:pPr eaLnBrk="1" hangingPunct="1">
+              <a:buFontTx/>
+              <a:buNone/>
+            </a:pPr>
             <a:r>
               <a:rPr lang="en-US" sz="4800" dirty="0" smtClean="0">
-                <a:solidFill>
-                  <a:srgbClr val="0000FF"/>
-                </a:solidFill>
                 <a:latin typeface="Comic Sans MS"/>
                 <a:cs typeface="Comic Sans MS"/>
               </a:rPr>
-              <a:t>wins] </a:t>
+              <a:t>So </a:t>
             </a:r>
             <a:r>
               <a:rPr lang="en-US" sz="4800" b="1" dirty="0" smtClean="0">
@@ -3768,10 +4658,109 @@
               </a:rPr>
               <a:t>≥</a:t>
             </a:r>
-            <a:endParaRPr lang="en-US" sz="4800" dirty="0" smtClean="0">
-              <a:latin typeface="Comic Sans MS"/>
+            <a:r>
+              <a:rPr lang="en-US" sz="4800" dirty="0" smtClean="0">
+                <a:cs typeface="Comic Sans MS"/>
+                <a:sym typeface="Euclid Symbol" pitchFamily="18" charset="2"/>
+              </a:rPr>
+              <a:t> </a:t>
+            </a:r>
+            <a:r>
+              <a:rPr lang="en-US" sz="4800" dirty="0" smtClean="0">
+                <a:solidFill>
+                  <a:srgbClr val="0000CC"/>
+                </a:solidFill>
+                <a:latin typeface="Comic Sans MS"/>
+                <a:cs typeface="Comic Sans MS"/>
+              </a:rPr>
+              <a:t>1/7</a:t>
+            </a:r>
+            <a:r>
+              <a:rPr lang="en-US" sz="4800" dirty="0" smtClean="0">
+                <a:latin typeface="Comic Sans MS"/>
+                <a:cs typeface="Comic Sans MS"/>
+              </a:rPr>
+              <a:t> of time, sure win.</a:t>
+            </a:r>
+          </a:p>
+          <a:p>
+            <a:pPr eaLnBrk="1" hangingPunct="1">
+              <a:buFontTx/>
+              <a:buNone/>
+            </a:pPr>
+            <a:r>
+              <a:rPr lang="en-US" sz="4800" dirty="0" smtClean="0">
+                <a:latin typeface="Comic Sans MS"/>
+                <a:cs typeface="Comic Sans MS"/>
+              </a:rPr>
+              <a:t>Rest of time, win </a:t>
+            </a:r>
+            <a:r>
+              <a:rPr lang="en-US" sz="4800" dirty="0" smtClean="0">
+                <a:solidFill>
+                  <a:srgbClr val="006600"/>
+                </a:solidFill>
+                <a:latin typeface="Comic Sans MS"/>
+                <a:cs typeface="Comic Sans MS"/>
+              </a:rPr>
+              <a:t>1/2</a:t>
+            </a:r>
+            <a:r>
+              <a:rPr lang="en-US" sz="4800" dirty="0" smtClean="0">
+                <a:solidFill>
+                  <a:srgbClr val="000000"/>
+                </a:solidFill>
+                <a:latin typeface="Comic Sans MS"/>
+                <a:cs typeface="Comic Sans MS"/>
+              </a:rPr>
+              <a:t>.</a:t>
+            </a:r>
+          </a:p>
+          <a:p>
+            <a:pPr eaLnBrk="1" hangingPunct="1"/>
+            <a:r>
+              <a:rPr lang="en-US" sz="4800" dirty="0" smtClean="0">
+                <a:solidFill>
+                  <a:schemeClr val="accent1">
+                    <a:lumMod val="10000"/>
+                  </a:schemeClr>
+                </a:solidFill>
+                <a:cs typeface="Comic Sans MS"/>
+              </a:rPr>
+              <a:t>By</a:t>
+            </a:r>
+            <a:r>
+              <a:rPr lang="en-US" sz="4800" dirty="0" smtClean="0">
+                <a:solidFill>
+                  <a:srgbClr val="0000FF"/>
+                </a:solidFill>
+                <a:cs typeface="Comic Sans MS"/>
+              </a:rPr>
+              <a:t> </a:t>
+            </a:r>
+            <a:r>
+              <a:rPr lang="en-US" sz="4800" dirty="0">
+                <a:solidFill>
+                  <a:srgbClr val="9B2894"/>
+                </a:solidFill>
+                <a:cs typeface="Comic Sans MS"/>
+              </a:rPr>
+              <a:t>Law of Total </a:t>
+            </a:r>
+            <a:r>
+              <a:rPr lang="en-US" sz="4800" dirty="0" smtClean="0">
+                <a:solidFill>
+                  <a:srgbClr val="9B2894"/>
+                </a:solidFill>
+                <a:cs typeface="Comic Sans MS"/>
+              </a:rPr>
+              <a:t>Probability</a:t>
+            </a:r>
+            <a:endParaRPr lang="en-US" sz="4400" dirty="0">
+              <a:solidFill>
+                <a:srgbClr val="9B2894"/>
+              </a:solidFill>
               <a:cs typeface="Comic Sans MS"/>
-              <a:sym typeface="Euclid Symbol" pitchFamily="18" charset="2"/>
             </a:endParaRPr>
           </a:p>
         </p:txBody>
@@ -3792,7 +4781,7 @@
           <a:graphicData uri="http://schemas.openxmlformats.org/presentationml/2006/ole">
             <mc:AlternateContent xmlns:mc="http://schemas.openxmlformats.org/markup-compatibility/2006">
               <mc:Choice xmlns:v="urn:schemas-microsoft-com:vml" Requires="v">
-                <p:oleObj spid="_x0000_s580653" name="Equation" r:id="rId4" imgW="914400" imgH="220320" progId="Equation.DSMT4">
+                <p:oleObj spid="_x0000_s502826" name="Equation" r:id="rId4" imgW="914400" imgH="220320" progId="Equation.DSMT4">
                   <p:embed/>
                 </p:oleObj>
               </mc:Choice>
@@ -3896,7 +4885,7 @@
               <a:defRPr/>
             </a:pPr>
             <a:r>
-              <a:rPr kumimoji="0" lang="en-US" sz="4000" b="1" i="0" u="none" strike="noStrike" kern="0" cap="none" spc="0" normalizeH="0" baseline="0" noProof="0" smtClean="0">
+              <a:rPr kumimoji="0" lang="en-US" sz="4000" b="1" i="0" u="none" strike="noStrike" kern="0" cap="none" spc="0" normalizeH="0" baseline="0" noProof="0" dirty="0" smtClean="0">
                 <a:ln>
                   <a:noFill/>
                 </a:ln>
@@ -3910,7 +4899,41 @@
                 <a:ea typeface="+mj-ea"/>
                 <a:cs typeface="+mj-cs"/>
               </a:rPr>
-              <a:t>Analysis of Team 2 Strategy</a:t>
+              <a:t>Analysis of </a:t>
+            </a:r>
+            <a:r>
+              <a:rPr kumimoji="0" lang="en-US" sz="4000" b="1" i="0" u="none" strike="noStrike" kern="0" cap="none" spc="0" normalizeH="0" baseline="0" noProof="0" dirty="0" smtClean="0">
+                <a:ln>
+                  <a:noFill/>
+                </a:ln>
+                <a:solidFill>
+                  <a:srgbClr val="006600"/>
+                </a:solidFill>
+                <a:effectLst/>
+                <a:uLnTx/>
+                <a:uFillTx/>
+                <a:latin typeface="+mj-lt"/>
+                <a:ea typeface="+mj-ea"/>
+                <a:cs typeface="+mj-cs"/>
+              </a:rPr>
+              <a:t>Team 2</a:t>
+            </a:r>
+            <a:r>
+              <a:rPr kumimoji="0" lang="en-US" sz="4000" b="1" i="0" u="none" strike="noStrike" kern="0" cap="none" spc="0" normalizeH="0" baseline="0" noProof="0" dirty="0" smtClean="0">
+                <a:ln>
+                  <a:noFill/>
+                </a:ln>
+                <a:solidFill>
+                  <a:schemeClr val="tx2"/>
+                </a:solidFill>
+                <a:effectLst/>
+                <a:uLnTx/>
+                <a:uFillTx/>
+                <a:latin typeface="+mj-lt"/>
+                <a:ea typeface="+mj-ea"/>
+                <a:cs typeface="+mj-cs"/>
+              </a:rPr>
+              <a:t> Strategy</a:t>
             </a:r>
           </a:p>
         </p:txBody>
@@ -3961,26 +4984,1381 @@
             </a:pPr>
             <a:r>
               <a:rPr lang="en-US" dirty="0" err="1" smtClean="0"/>
-              <a:t>lec</a:t>
+              <a:t>ranvarbigger</a:t>
             </a:r>
             <a:r>
               <a:rPr lang="en-US" dirty="0" smtClean="0"/>
-              <a:t> 12W.</a:t>
+              <a:t>.</a:t>
             </a:r>
             <a:fld id="{7886A709-CED2-48A3-8616-B2655C008ECB}" type="slidenum">
               <a:rPr lang="en-US" smtClean="0"/>
               <a:pPr>
                 <a:defRPr/>
               </a:pPr>
-              <a:t>10</a:t>
+              <a:t>11</a:t>
             </a:fld>
             <a:endParaRPr lang="en-US" dirty="0"/>
+          </a:p>
+        </p:txBody>
+      </p:sp>
+    </p:spTree>
+  </p:cSld>
+  <p:clrMapOvr>
+    <a:masterClrMapping/>
+  </p:clrMapOvr>
+  <p:transition xmlns:p14="http://schemas.microsoft.com/office/powerpoint/2010/main" spd="slow" advClick="0">
+    <p:fade/>
+  </p:transition>
+  <p:timing>
+    <p:tnLst>
+      <p:par>
+        <p:cTn xmlns:p14="http://schemas.microsoft.com/office/powerpoint/2010/main" id="1" dur="indefinite" restart="never" nodeType="tmRoot"/>
+      </p:par>
+    </p:tnLst>
+  </p:timing>
+</p:sld>
+</file>
+
+<file path=ppt/slides/slide12.xml><?xml version="1.0" encoding="utf-8"?>
+<p:sld xmlns:a="http://schemas.openxmlformats.org/drawingml/2006/main" xmlns:r="http://schemas.openxmlformats.org/officeDocument/2006/relationships" xmlns:p="http://schemas.openxmlformats.org/presentationml/2006/main">
+  <p:cSld>
+    <p:spTree>
+      <p:nvGrpSpPr>
+        <p:cNvPr id="1" name=""/>
+        <p:cNvGrpSpPr/>
+        <p:nvPr/>
+      </p:nvGrpSpPr>
+      <p:grpSpPr>
+        <a:xfrm>
+          <a:off x="0" y="0"/>
+          <a:ext cx="0" cy="0"/>
+          <a:chOff x="0" y="0"/>
+          <a:chExt cx="0" cy="0"/>
+        </a:xfrm>
+      </p:grpSpPr>
+      <p:sp>
+        <p:nvSpPr>
+          <p:cNvPr id="138243" name="Rectangle 3"/>
+          <p:cNvSpPr>
+            <a:spLocks noGrp="1" noChangeArrowheads="1"/>
+          </p:cNvSpPr>
+          <p:nvPr>
+            <p:ph idx="4294967295"/>
+          </p:nvPr>
+        </p:nvSpPr>
+        <p:spPr>
+          <a:xfrm>
+            <a:off x="541867" y="1219199"/>
+            <a:ext cx="8051796" cy="4792133"/>
+          </a:xfrm>
+        </p:spPr>
+        <p:txBody>
+          <a:bodyPr/>
+          <a:lstStyle/>
+          <a:p>
+            <a:pPr eaLnBrk="1" hangingPunct="1">
+              <a:buFontTx/>
+              <a:buNone/>
+            </a:pPr>
+            <a:r>
+              <a:rPr lang="en-US" sz="4800" dirty="0" smtClean="0">
+                <a:latin typeface="Comic Sans MS"/>
+                <a:cs typeface="Comic Sans MS"/>
+              </a:rPr>
+              <a:t>So </a:t>
+            </a:r>
+            <a:r>
+              <a:rPr lang="en-US" sz="4800" b="1" dirty="0" smtClean="0">
+                <a:latin typeface="Euclid Symbol" charset="2"/>
+                <a:cs typeface="Euclid Symbol" charset="2"/>
+                <a:sym typeface="Euclid Symbol" pitchFamily="18" charset="2"/>
+              </a:rPr>
+              <a:t>≥</a:t>
+            </a:r>
+            <a:r>
+              <a:rPr lang="en-US" sz="4800" dirty="0" smtClean="0">
+                <a:cs typeface="Comic Sans MS"/>
+                <a:sym typeface="Euclid Symbol" pitchFamily="18" charset="2"/>
+              </a:rPr>
+              <a:t> </a:t>
+            </a:r>
+            <a:r>
+              <a:rPr lang="en-US" sz="4800" dirty="0" smtClean="0">
+                <a:solidFill>
+                  <a:srgbClr val="0000CC"/>
+                </a:solidFill>
+                <a:latin typeface="Comic Sans MS"/>
+                <a:cs typeface="Comic Sans MS"/>
+              </a:rPr>
+              <a:t>1/7</a:t>
+            </a:r>
+            <a:r>
+              <a:rPr lang="en-US" sz="4800" dirty="0" smtClean="0">
+                <a:latin typeface="Comic Sans MS"/>
+                <a:cs typeface="Comic Sans MS"/>
+              </a:rPr>
+              <a:t> of time, sure win.</a:t>
+            </a:r>
+          </a:p>
+          <a:p>
+            <a:pPr eaLnBrk="1" hangingPunct="1">
+              <a:buFontTx/>
+              <a:buNone/>
+            </a:pPr>
+            <a:r>
+              <a:rPr lang="en-US" sz="4800" dirty="0" smtClean="0">
+                <a:latin typeface="Comic Sans MS"/>
+                <a:cs typeface="Comic Sans MS"/>
+              </a:rPr>
+              <a:t>Rest of time, win </a:t>
+            </a:r>
+            <a:r>
+              <a:rPr lang="en-US" sz="4800" dirty="0" smtClean="0">
+                <a:solidFill>
+                  <a:srgbClr val="006600"/>
+                </a:solidFill>
+                <a:latin typeface="Comic Sans MS"/>
+                <a:cs typeface="Comic Sans MS"/>
+              </a:rPr>
+              <a:t>1/2</a:t>
+            </a:r>
+            <a:r>
+              <a:rPr lang="en-US" sz="4800" dirty="0" smtClean="0">
+                <a:solidFill>
+                  <a:srgbClr val="000000"/>
+                </a:solidFill>
+                <a:latin typeface="Comic Sans MS"/>
+                <a:cs typeface="Comic Sans MS"/>
+              </a:rPr>
+              <a:t>.</a:t>
+            </a:r>
+          </a:p>
+          <a:p>
+            <a:pPr eaLnBrk="1" hangingPunct="1">
+              <a:buFontTx/>
+              <a:buNone/>
+            </a:pPr>
+            <a:r>
+              <a:rPr lang="en-US" sz="5400" dirty="0" err="1" smtClean="0">
+                <a:solidFill>
+                  <a:srgbClr val="0000FF"/>
+                </a:solidFill>
+                <a:latin typeface="Comic Sans MS"/>
+                <a:cs typeface="Comic Sans MS"/>
+              </a:rPr>
+              <a:t>Pr</a:t>
+            </a:r>
+            <a:r>
+              <a:rPr lang="en-US" sz="5400" dirty="0" smtClean="0">
+                <a:solidFill>
+                  <a:srgbClr val="0000FF"/>
+                </a:solidFill>
+                <a:latin typeface="Comic Sans MS"/>
+                <a:cs typeface="Comic Sans MS"/>
+              </a:rPr>
+              <a:t>[</a:t>
+            </a:r>
+            <a:r>
+              <a:rPr lang="en-US" sz="5400" dirty="0" smtClean="0">
+                <a:solidFill>
+                  <a:srgbClr val="006600"/>
+                </a:solidFill>
+                <a:latin typeface="Comic Sans MS"/>
+                <a:cs typeface="Comic Sans MS"/>
+              </a:rPr>
+              <a:t>Team 2</a:t>
+            </a:r>
+            <a:r>
+              <a:rPr lang="en-US" sz="5400" dirty="0" smtClean="0">
+                <a:solidFill>
+                  <a:srgbClr val="0000FF"/>
+                </a:solidFill>
+                <a:latin typeface="Comic Sans MS"/>
+                <a:cs typeface="Comic Sans MS"/>
+              </a:rPr>
+              <a:t> wins] </a:t>
+            </a:r>
+            <a:r>
+              <a:rPr lang="en-US" sz="5400" b="1" dirty="0" smtClean="0">
+                <a:latin typeface="Euclid Symbol" charset="2"/>
+                <a:cs typeface="Euclid Symbol" charset="2"/>
+                <a:sym typeface="Euclid Symbol" pitchFamily="18" charset="2"/>
+              </a:rPr>
+              <a:t>=</a:t>
+            </a:r>
+          </a:p>
+          <a:p>
+            <a:pPr eaLnBrk="1" hangingPunct="1">
+              <a:lnSpc>
+                <a:spcPct val="120000"/>
+              </a:lnSpc>
+              <a:buFontTx/>
+              <a:buNone/>
+            </a:pPr>
+            <a:r>
+              <a:rPr lang="en-US" sz="4800" dirty="0" err="1" smtClean="0">
+                <a:solidFill>
+                  <a:srgbClr val="0000FF"/>
+                </a:solidFill>
+                <a:latin typeface="Comic Sans MS"/>
+                <a:cs typeface="Comic Sans MS"/>
+              </a:rPr>
+              <a:t>Pr</a:t>
+            </a:r>
+            <a:r>
+              <a:rPr lang="en-US" sz="4800" dirty="0" smtClean="0">
+                <a:solidFill>
+                  <a:srgbClr val="0000FF"/>
+                </a:solidFill>
+                <a:latin typeface="Comic Sans MS"/>
+                <a:cs typeface="Comic Sans MS"/>
+              </a:rPr>
+              <a:t>[win | </a:t>
+            </a:r>
+            <a:r>
+              <a:rPr lang="en-US" sz="4800" dirty="0" smtClean="0">
+                <a:solidFill>
+                  <a:srgbClr val="9B2894"/>
+                </a:solidFill>
+                <a:latin typeface="Comic Sans MS"/>
+                <a:cs typeface="Comic Sans MS"/>
+              </a:rPr>
+              <a:t>M</a:t>
+            </a:r>
+            <a:r>
+              <a:rPr lang="en-US" sz="4800" dirty="0" smtClean="0">
+                <a:solidFill>
+                  <a:srgbClr val="0000FF"/>
+                </a:solidFill>
+                <a:latin typeface="Comic Sans MS"/>
+                <a:cs typeface="Comic Sans MS"/>
+              </a:rPr>
+              <a:t>]⋅</a:t>
+            </a:r>
+            <a:r>
+              <a:rPr lang="en-US" sz="4800" dirty="0" err="1" smtClean="0">
+                <a:solidFill>
+                  <a:srgbClr val="0000FF"/>
+                </a:solidFill>
+                <a:latin typeface="Comic Sans MS"/>
+                <a:cs typeface="Comic Sans MS"/>
+              </a:rPr>
+              <a:t>Pr</a:t>
+            </a:r>
+            <a:r>
+              <a:rPr lang="en-US" sz="4800" dirty="0" smtClean="0">
+                <a:solidFill>
+                  <a:srgbClr val="0000FF"/>
+                </a:solidFill>
+                <a:latin typeface="Comic Sans MS"/>
+                <a:cs typeface="Comic Sans MS"/>
+              </a:rPr>
+              <a:t>[</a:t>
+            </a:r>
+            <a:r>
+              <a:rPr lang="en-US" sz="4800" dirty="0">
+                <a:solidFill>
+                  <a:srgbClr val="9B2894"/>
+                </a:solidFill>
+                <a:cs typeface="Comic Sans MS"/>
+              </a:rPr>
+              <a:t>M</a:t>
+            </a:r>
+            <a:r>
+              <a:rPr lang="en-US" sz="4800" dirty="0" smtClean="0">
+                <a:solidFill>
+                  <a:srgbClr val="0000FF"/>
+                </a:solidFill>
+                <a:latin typeface="Comic Sans MS"/>
+                <a:cs typeface="Comic Sans MS"/>
+              </a:rPr>
+              <a:t>] </a:t>
+            </a:r>
+            <a:r>
+              <a:rPr lang="en-US" sz="4800" b="1" dirty="0" smtClean="0">
+                <a:solidFill>
+                  <a:srgbClr val="0000FF"/>
+                </a:solidFill>
+                <a:latin typeface="Euclid Symbol" charset="2"/>
+                <a:cs typeface="Euclid Symbol" charset="2"/>
+              </a:rPr>
+              <a:t>+</a:t>
+            </a:r>
+          </a:p>
+          <a:p>
+            <a:pPr eaLnBrk="1" hangingPunct="1">
+              <a:lnSpc>
+                <a:spcPct val="120000"/>
+              </a:lnSpc>
+            </a:pPr>
+            <a:r>
+              <a:rPr lang="en-US" sz="4800" dirty="0" smtClean="0">
+                <a:solidFill>
+                  <a:srgbClr val="0000FF"/>
+                </a:solidFill>
+                <a:latin typeface="Comic Sans MS"/>
+                <a:cs typeface="Comic Sans MS"/>
+              </a:rPr>
+              <a:t>    </a:t>
+            </a:r>
+            <a:r>
+              <a:rPr lang="en-US" sz="4800" dirty="0" err="1" smtClean="0">
+                <a:solidFill>
+                  <a:srgbClr val="0000FF"/>
+                </a:solidFill>
+                <a:latin typeface="Comic Sans MS"/>
+                <a:cs typeface="Comic Sans MS"/>
+              </a:rPr>
+              <a:t>Pr</a:t>
+            </a:r>
+            <a:r>
+              <a:rPr lang="en-US" sz="4800" dirty="0" smtClean="0">
+                <a:solidFill>
+                  <a:srgbClr val="0000FF"/>
+                </a:solidFill>
+                <a:latin typeface="Comic Sans MS"/>
+                <a:cs typeface="Comic Sans MS"/>
+              </a:rPr>
+              <a:t>[win |    ]⋅</a:t>
+            </a:r>
+            <a:r>
+              <a:rPr lang="en-US" sz="4800" dirty="0" err="1" smtClean="0">
+                <a:solidFill>
+                  <a:srgbClr val="0000FF"/>
+                </a:solidFill>
+                <a:latin typeface="Comic Sans MS"/>
+                <a:cs typeface="Comic Sans MS"/>
+              </a:rPr>
+              <a:t>Pr</a:t>
+            </a:r>
+            <a:r>
+              <a:rPr lang="en-US" sz="4800" dirty="0" smtClean="0">
+                <a:solidFill>
+                  <a:srgbClr val="0000FF"/>
+                </a:solidFill>
+                <a:latin typeface="Comic Sans MS"/>
+                <a:cs typeface="Comic Sans MS"/>
+              </a:rPr>
+              <a:t>[   ] </a:t>
+            </a:r>
           </a:p>
         </p:txBody>
       </p:sp>
       <p:graphicFrame>
         <p:nvGraphicFramePr>
-          <p:cNvPr id="12" name="Object 10"/>
+          <p:cNvPr id="4098" name="Object 9"/>
+          <p:cNvGraphicFramePr>
+            <a:graphicFrameLocks noChangeAspect="1"/>
+          </p:cNvGraphicFramePr>
+          <p:nvPr/>
+        </p:nvGraphicFramePr>
+        <p:xfrm>
+          <a:off x="3022600" y="3073400"/>
+          <a:ext cx="914400" cy="220663"/>
+        </p:xfrm>
+        <a:graphic>
+          <a:graphicData uri="http://schemas.openxmlformats.org/presentationml/2006/ole">
+            <mc:AlternateContent xmlns:mc="http://schemas.openxmlformats.org/markup-compatibility/2006">
+              <mc:Choice xmlns:v="urn:schemas-microsoft-com:vml" Requires="v">
+                <p:oleObj spid="_x0000_s584712" name="Equation" r:id="rId4" imgW="914400" imgH="220320" progId="Equation.DSMT4">
+                  <p:embed/>
+                </p:oleObj>
+              </mc:Choice>
+              <mc:Fallback>
+                <p:oleObj name="Equation" r:id="rId4" imgW="914400" imgH="220320" progId="Equation.DSMT4">
+                  <p:embed/>
+                  <p:pic>
+                    <p:nvPicPr>
+                      <p:cNvPr id="0" name=""/>
+                      <p:cNvPicPr>
+                        <a:picLocks noChangeAspect="1" noChangeArrowheads="1"/>
+                      </p:cNvPicPr>
+                      <p:nvPr/>
+                    </p:nvPicPr>
+                    <p:blipFill>
+                      <a:blip r:embed="rId5">
+                        <a:extLst>
+                          <a:ext uri="{28A0092B-C50C-407E-A947-70E740481C1C}">
+                            <a14:useLocalDpi xmlns:a14="http://schemas.microsoft.com/office/drawing/2010/main" val="0"/>
+                          </a:ext>
+                        </a:extLst>
+                      </a:blip>
+                      <a:srcRect/>
+                      <a:stretch>
+                        <a:fillRect/>
+                      </a:stretch>
+                    </p:blipFill>
+                    <p:spPr bwMode="auto">
+                      <a:xfrm>
+                        <a:off x="3022600" y="3073400"/>
+                        <a:ext cx="914400" cy="220663"/>
+                      </a:xfrm>
+                      <a:prstGeom prst="rect">
+                        <a:avLst/>
+                      </a:prstGeom>
+                      <a:noFill/>
+                      <a:extLst>
+                        <a:ext uri="{909E8E84-426E-40dd-AFC4-6F175D3DCCD1}">
+                          <a14:hiddenFill xmlns:a14="http://schemas.microsoft.com/office/drawing/2010/main">
+                            <a:solidFill>
+                              <a:srgbClr val="FFFFFF"/>
+                            </a:solidFill>
+                          </a14:hiddenFill>
+                        </a:ext>
+                      </a:extLst>
+                    </p:spPr>
+                  </p:pic>
+                </p:oleObj>
+              </mc:Fallback>
+            </mc:AlternateContent>
+          </a:graphicData>
+        </a:graphic>
+      </p:graphicFrame>
+      <p:sp>
+        <p:nvSpPr>
+          <p:cNvPr id="10" name="Rectangle 2"/>
+          <p:cNvSpPr txBox="1">
+            <a:spLocks noChangeArrowheads="1"/>
+          </p:cNvSpPr>
+          <p:nvPr/>
+        </p:nvSpPr>
+        <p:spPr bwMode="auto">
+          <a:xfrm>
+            <a:off x="1143000" y="228600"/>
+            <a:ext cx="7543800" cy="1143000"/>
+          </a:xfrm>
+          <a:prstGeom prst="rect">
+            <a:avLst/>
+          </a:prstGeom>
+          <a:noFill/>
+          <a:ln w="9525">
+            <a:noFill/>
+            <a:miter lim="800000"/>
+            <a:headEnd/>
+            <a:tailEnd/>
+          </a:ln>
+        </p:spPr>
+        <p:txBody>
+          <a:bodyPr vert="horz" wrap="square" lIns="91440" tIns="45720" rIns="91440" bIns="45720" numCol="1" anchor="ctr" anchorCtr="0" compatLnSpc="1">
+            <a:prstTxWarp prst="textNoShape">
+              <a:avLst/>
+            </a:prstTxWarp>
+          </a:bodyPr>
+          <a:lstStyle/>
+          <a:p>
+            <a:pPr marL="0" marR="0" lvl="0" indent="0" algn="ctr" defTabSz="914400" rtl="0" eaLnBrk="1" fontAlgn="base" latinLnBrk="0" hangingPunct="1">
+              <a:lnSpc>
+                <a:spcPct val="100000"/>
+              </a:lnSpc>
+              <a:spcBef>
+                <a:spcPct val="0"/>
+              </a:spcBef>
+              <a:spcAft>
+                <a:spcPct val="0"/>
+              </a:spcAft>
+              <a:buClrTx/>
+              <a:buSzTx/>
+              <a:buFontTx/>
+              <a:buNone/>
+              <a:tabLst/>
+              <a:defRPr/>
+            </a:pPr>
+            <a:r>
+              <a:rPr kumimoji="0" lang="en-US" sz="4000" b="1" i="0" u="none" strike="noStrike" kern="0" cap="none" spc="0" normalizeH="0" baseline="0" noProof="0" dirty="0" smtClean="0">
+                <a:ln>
+                  <a:noFill/>
+                </a:ln>
+                <a:solidFill>
+                  <a:schemeClr val="tx2"/>
+                </a:solidFill>
+                <a:effectLst/>
+                <a:uLnTx/>
+                <a:uFillTx/>
+                <a:latin typeface="+mj-lt"/>
+                <a:ea typeface="+mj-ea"/>
+                <a:cs typeface="+mj-cs"/>
+              </a:rPr>
+              <a:t>Analysis of </a:t>
+            </a:r>
+            <a:r>
+              <a:rPr kumimoji="0" lang="en-US" sz="4000" b="1" i="0" u="none" strike="noStrike" kern="0" cap="none" spc="0" normalizeH="0" baseline="0" noProof="0" dirty="0" smtClean="0">
+                <a:ln>
+                  <a:noFill/>
+                </a:ln>
+                <a:solidFill>
+                  <a:srgbClr val="006600"/>
+                </a:solidFill>
+                <a:effectLst/>
+                <a:uLnTx/>
+                <a:uFillTx/>
+                <a:latin typeface="+mj-lt"/>
+                <a:ea typeface="+mj-ea"/>
+                <a:cs typeface="+mj-cs"/>
+              </a:rPr>
+              <a:t>Team 2</a:t>
+            </a:r>
+            <a:r>
+              <a:rPr kumimoji="0" lang="en-US" sz="4000" b="1" i="0" u="none" strike="noStrike" kern="0" cap="none" spc="0" normalizeH="0" baseline="0" noProof="0" dirty="0" smtClean="0">
+                <a:ln>
+                  <a:noFill/>
+                </a:ln>
+                <a:solidFill>
+                  <a:schemeClr val="tx2"/>
+                </a:solidFill>
+                <a:effectLst/>
+                <a:uLnTx/>
+                <a:uFillTx/>
+                <a:latin typeface="+mj-lt"/>
+                <a:ea typeface="+mj-ea"/>
+                <a:cs typeface="+mj-cs"/>
+              </a:rPr>
+              <a:t> Strategy</a:t>
+            </a:r>
+          </a:p>
+        </p:txBody>
+      </p:sp>
+      <p:sp>
+        <p:nvSpPr>
+          <p:cNvPr id="7" name="Slide Number Placeholder 6"/>
+          <p:cNvSpPr>
+            <a:spLocks noGrp="1" noChangeArrowheads="1"/>
+          </p:cNvSpPr>
+          <p:nvPr>
+            <p:ph type="sldNum" sz="quarter" idx="4294967295"/>
+          </p:nvPr>
+        </p:nvSpPr>
+        <p:spPr bwMode="auto">
+          <a:xfrm>
+            <a:off x="7554913" y="6577965"/>
+            <a:ext cx="1527175" cy="244475"/>
+          </a:xfrm>
+          <a:prstGeom prst="rect">
+            <a:avLst/>
+          </a:prstGeom>
+          <a:noFill/>
+          <a:ln w="9525">
+            <a:noFill/>
+            <a:miter lim="800000"/>
+            <a:headEnd/>
+            <a:tailEnd/>
+          </a:ln>
+          <a:effectLst/>
+        </p:spPr>
+        <p:txBody>
+          <a:bodyPr vert="horz" wrap="square" lIns="91440" tIns="45720" rIns="91440" bIns="45720" numCol="1" anchor="t" anchorCtr="0" compatLnSpc="1">
+            <a:prstTxWarp prst="textNoShape">
+              <a:avLst/>
+            </a:prstTxWarp>
+          </a:bodyPr>
+          <a:lstStyle>
+            <a:lvl1pPr algn="r">
+              <a:defRPr sz="1200">
+                <a:latin typeface="+mn-lt"/>
+              </a:defRPr>
+            </a:lvl1pPr>
+          </a:lstStyle>
+          <a:p>
+            <a:pPr>
+              <a:defRPr/>
+            </a:pPr>
+            <a:r>
+              <a:rPr lang="en-US" dirty="0" err="1" smtClean="0"/>
+              <a:t>ranvarbigger</a:t>
+            </a:r>
+            <a:r>
+              <a:rPr lang="en-US" dirty="0" smtClean="0"/>
+              <a:t>.</a:t>
+            </a:r>
+            <a:fld id="{7886A709-CED2-48A3-8616-B2655C008ECB}" type="slidenum">
+              <a:rPr lang="en-US" smtClean="0"/>
+              <a:pPr>
+                <a:defRPr/>
+              </a:pPr>
+              <a:t>12</a:t>
+            </a:fld>
+            <a:endParaRPr lang="en-US" dirty="0"/>
+          </a:p>
+        </p:txBody>
+      </p:sp>
+      <p:graphicFrame>
+        <p:nvGraphicFramePr>
+          <p:cNvPr id="2" name="Object 1"/>
+          <p:cNvGraphicFramePr>
+            <a:graphicFrameLocks noChangeAspect="1"/>
+          </p:cNvGraphicFramePr>
+          <p:nvPr>
+            <p:extLst>
+              <p:ext uri="{D42A27DB-BD31-4B8C-83A1-F6EECF244321}">
+                <p14:modId xmlns:p14="http://schemas.microsoft.com/office/powerpoint/2010/main" val="1845333615"/>
+              </p:ext>
+            </p:extLst>
+          </p:nvPr>
+        </p:nvGraphicFramePr>
+        <p:xfrm>
+          <a:off x="3634364" y="4565668"/>
+          <a:ext cx="709083" cy="1418166"/>
+        </p:xfrm>
+        <a:graphic>
+          <a:graphicData uri="http://schemas.openxmlformats.org/presentationml/2006/ole">
+            <mc:AlternateContent xmlns:mc="http://schemas.openxmlformats.org/markup-compatibility/2006">
+              <mc:Choice xmlns:v="urn:schemas-microsoft-com:vml" Requires="v">
+                <p:oleObj spid="_x0000_s584713" name="Equation" r:id="rId6" imgW="177800" imgH="355600" progId="Equation.DSMT4">
+                  <p:embed/>
+                </p:oleObj>
+              </mc:Choice>
+              <mc:Fallback>
+                <p:oleObj name="Equation" r:id="rId6" imgW="177800" imgH="355600" progId="Equation.DSMT4">
+                  <p:embed/>
+                  <p:pic>
+                    <p:nvPicPr>
+                      <p:cNvPr id="0" name=""/>
+                      <p:cNvPicPr/>
+                      <p:nvPr/>
+                    </p:nvPicPr>
+                    <p:blipFill>
+                      <a:blip r:embed="rId7"/>
+                      <a:stretch>
+                        <a:fillRect/>
+                      </a:stretch>
+                    </p:blipFill>
+                    <p:spPr>
+                      <a:xfrm>
+                        <a:off x="3634364" y="4565668"/>
+                        <a:ext cx="709083" cy="1418166"/>
+                      </a:xfrm>
+                      <a:prstGeom prst="rect">
+                        <a:avLst/>
+                      </a:prstGeom>
+                    </p:spPr>
+                  </p:pic>
+                </p:oleObj>
+              </mc:Fallback>
+            </mc:AlternateContent>
+          </a:graphicData>
+        </a:graphic>
+      </p:graphicFrame>
+      <p:graphicFrame>
+        <p:nvGraphicFramePr>
+          <p:cNvPr id="8" name="Object 7"/>
+          <p:cNvGraphicFramePr>
+            <a:graphicFrameLocks noChangeAspect="1"/>
+          </p:cNvGraphicFramePr>
+          <p:nvPr>
+            <p:extLst>
+              <p:ext uri="{D42A27DB-BD31-4B8C-83A1-F6EECF244321}">
+                <p14:modId xmlns:p14="http://schemas.microsoft.com/office/powerpoint/2010/main" val="2084335479"/>
+              </p:ext>
+            </p:extLst>
+          </p:nvPr>
+        </p:nvGraphicFramePr>
+        <p:xfrm>
+          <a:off x="5623997" y="4557193"/>
+          <a:ext cx="709083" cy="1418166"/>
+        </p:xfrm>
+        <a:graphic>
+          <a:graphicData uri="http://schemas.openxmlformats.org/presentationml/2006/ole">
+            <mc:AlternateContent xmlns:mc="http://schemas.openxmlformats.org/markup-compatibility/2006">
+              <mc:Choice xmlns:v="urn:schemas-microsoft-com:vml" Requires="v">
+                <p:oleObj spid="_x0000_s584714" name="Equation" r:id="rId8" imgW="177800" imgH="355600" progId="Equation.DSMT4">
+                  <p:embed/>
+                </p:oleObj>
+              </mc:Choice>
+              <mc:Fallback>
+                <p:oleObj name="Equation" r:id="rId8" imgW="177800" imgH="355600" progId="Equation.DSMT4">
+                  <p:embed/>
+                  <p:pic>
+                    <p:nvPicPr>
+                      <p:cNvPr id="0" name=""/>
+                      <p:cNvPicPr/>
+                      <p:nvPr/>
+                    </p:nvPicPr>
+                    <p:blipFill>
+                      <a:blip r:embed="rId7"/>
+                      <a:stretch>
+                        <a:fillRect/>
+                      </a:stretch>
+                    </p:blipFill>
+                    <p:spPr>
+                      <a:xfrm>
+                        <a:off x="5623997" y="4557193"/>
+                        <a:ext cx="709083" cy="1418166"/>
+                      </a:xfrm>
+                      <a:prstGeom prst="rect">
+                        <a:avLst/>
+                      </a:prstGeom>
+                    </p:spPr>
+                  </p:pic>
+                </p:oleObj>
+              </mc:Fallback>
+            </mc:AlternateContent>
+          </a:graphicData>
+        </a:graphic>
+      </p:graphicFrame>
+    </p:spTree>
+    <p:extLst>
+      <p:ext uri="{BB962C8B-B14F-4D97-AF65-F5344CB8AC3E}">
+        <p14:creationId xmlns:p14="http://schemas.microsoft.com/office/powerpoint/2010/main" val="3903845874"/>
+      </p:ext>
+    </p:extLst>
+  </p:cSld>
+  <p:clrMapOvr>
+    <a:masterClrMapping/>
+  </p:clrMapOvr>
+  <mc:AlternateContent xmlns:mc="http://schemas.openxmlformats.org/markup-compatibility/2006" xmlns:p14="http://schemas.microsoft.com/office/powerpoint/2010/main">
+    <mc:Choice Requires="p14">
+      <p:transition spd="med" p14:dur="600" advClick="0">
+        <p:fade/>
+      </p:transition>
+    </mc:Choice>
+    <mc:Fallback xmlns="">
+      <p:transition xmlns:p14="http://schemas.microsoft.com/office/powerpoint/2010/main" spd="med" advClick="0">
+        <p:fade/>
+      </p:transition>
+    </mc:Fallback>
+  </mc:AlternateContent>
+  <p:timing>
+    <p:tnLst>
+      <p:par>
+        <p:cTn xmlns:p14="http://schemas.microsoft.com/office/powerpoint/2010/main" id="1" dur="indefinite" restart="never" nodeType="tmRoot">
+          <p:childTnLst>
+            <p:seq concurrent="1" nextAc="seek">
+              <p:cTn id="2" dur="indefinite" nodeType="mainSeq">
+                <p:childTnLst>
+                  <p:par>
+                    <p:cTn id="3" fill="hold">
+                      <p:stCondLst>
+                        <p:cond delay="indefinite"/>
+                      </p:stCondLst>
+                      <p:childTnLst>
+                        <p:par>
+                          <p:cTn id="4" fill="hold">
+                            <p:stCondLst>
+                              <p:cond delay="0"/>
+                            </p:stCondLst>
+                            <p:childTnLst>
+                              <p:par>
+                                <p:cTn id="5" presetID="22" presetClass="entr" presetSubtype="8" fill="hold" nodeType="clickEffect">
+                                  <p:stCondLst>
+                                    <p:cond delay="0"/>
+                                  </p:stCondLst>
+                                  <p:childTnLst>
+                                    <p:set>
+                                      <p:cBhvr>
+                                        <p:cTn id="6" dur="1" fill="hold">
+                                          <p:stCondLst>
+                                            <p:cond delay="0"/>
+                                          </p:stCondLst>
+                                        </p:cTn>
+                                        <p:tgtEl>
+                                          <p:spTgt spid="138243">
+                                            <p:txEl>
+                                              <p:pRg st="3" end="3"/>
+                                            </p:txEl>
+                                          </p:spTgt>
+                                        </p:tgtEl>
+                                        <p:attrNameLst>
+                                          <p:attrName>style.visibility</p:attrName>
+                                        </p:attrNameLst>
+                                      </p:cBhvr>
+                                      <p:to>
+                                        <p:strVal val="visible"/>
+                                      </p:to>
+                                    </p:set>
+                                    <p:animEffect transition="in" filter="wipe(left)">
+                                      <p:cBhvr>
+                                        <p:cTn id="7" dur="1000"/>
+                                        <p:tgtEl>
+                                          <p:spTgt spid="138243">
+                                            <p:txEl>
+                                              <p:pRg st="3" end="3"/>
+                                            </p:txEl>
+                                          </p:spTgt>
+                                        </p:tgtEl>
+                                      </p:cBhvr>
+                                    </p:animEffect>
+                                  </p:childTnLst>
+                                </p:cTn>
+                              </p:par>
+                            </p:childTnLst>
+                          </p:cTn>
+                        </p:par>
+                      </p:childTnLst>
+                    </p:cTn>
+                  </p:par>
+                  <p:par>
+                    <p:cTn id="8" fill="hold">
+                      <p:stCondLst>
+                        <p:cond delay="indefinite"/>
+                      </p:stCondLst>
+                      <p:childTnLst>
+                        <p:par>
+                          <p:cTn id="9" fill="hold">
+                            <p:stCondLst>
+                              <p:cond delay="0"/>
+                            </p:stCondLst>
+                            <p:childTnLst>
+                              <p:par>
+                                <p:cTn id="10" presetID="22" presetClass="entr" presetSubtype="8" fill="hold" nodeType="clickEffect">
+                                  <p:stCondLst>
+                                    <p:cond delay="0"/>
+                                  </p:stCondLst>
+                                  <p:childTnLst>
+                                    <p:set>
+                                      <p:cBhvr>
+                                        <p:cTn id="11" dur="1" fill="hold">
+                                          <p:stCondLst>
+                                            <p:cond delay="0"/>
+                                          </p:stCondLst>
+                                        </p:cTn>
+                                        <p:tgtEl>
+                                          <p:spTgt spid="138243">
+                                            <p:txEl>
+                                              <p:pRg st="4" end="4"/>
+                                            </p:txEl>
+                                          </p:spTgt>
+                                        </p:tgtEl>
+                                        <p:attrNameLst>
+                                          <p:attrName>style.visibility</p:attrName>
+                                        </p:attrNameLst>
+                                      </p:cBhvr>
+                                      <p:to>
+                                        <p:strVal val="visible"/>
+                                      </p:to>
+                                    </p:set>
+                                    <p:animEffect transition="in" filter="wipe(left)">
+                                      <p:cBhvr>
+                                        <p:cTn id="12" dur="1000"/>
+                                        <p:tgtEl>
+                                          <p:spTgt spid="138243">
+                                            <p:txEl>
+                                              <p:pRg st="4" end="4"/>
+                                            </p:txEl>
+                                          </p:spTgt>
+                                        </p:tgtEl>
+                                      </p:cBhvr>
+                                    </p:animEffect>
+                                  </p:childTnLst>
+                                </p:cTn>
+                              </p:par>
+                              <p:par>
+                                <p:cTn id="13" presetID="22" presetClass="entr" presetSubtype="8" fill="hold" nodeType="withEffect">
+                                  <p:stCondLst>
+                                    <p:cond delay="0"/>
+                                  </p:stCondLst>
+                                  <p:childTnLst>
+                                    <p:set>
+                                      <p:cBhvr>
+                                        <p:cTn id="14" dur="1" fill="hold">
+                                          <p:stCondLst>
+                                            <p:cond delay="0"/>
+                                          </p:stCondLst>
+                                        </p:cTn>
+                                        <p:tgtEl>
+                                          <p:spTgt spid="2"/>
+                                        </p:tgtEl>
+                                        <p:attrNameLst>
+                                          <p:attrName>style.visibility</p:attrName>
+                                        </p:attrNameLst>
+                                      </p:cBhvr>
+                                      <p:to>
+                                        <p:strVal val="visible"/>
+                                      </p:to>
+                                    </p:set>
+                                    <p:animEffect transition="in" filter="wipe(left)">
+                                      <p:cBhvr>
+                                        <p:cTn id="15" dur="1000"/>
+                                        <p:tgtEl>
+                                          <p:spTgt spid="2"/>
+                                        </p:tgtEl>
+                                      </p:cBhvr>
+                                    </p:animEffect>
+                                  </p:childTnLst>
+                                </p:cTn>
+                              </p:par>
+                            </p:childTnLst>
+                          </p:cTn>
+                        </p:par>
+                        <p:par>
+                          <p:cTn id="16" fill="hold">
+                            <p:stCondLst>
+                              <p:cond delay="1000"/>
+                            </p:stCondLst>
+                            <p:childTnLst>
+                              <p:par>
+                                <p:cTn id="17" presetID="22" presetClass="entr" presetSubtype="8" fill="hold" nodeType="afterEffect">
+                                  <p:stCondLst>
+                                    <p:cond delay="0"/>
+                                  </p:stCondLst>
+                                  <p:childTnLst>
+                                    <p:set>
+                                      <p:cBhvr>
+                                        <p:cTn id="18" dur="1" fill="hold">
+                                          <p:stCondLst>
+                                            <p:cond delay="0"/>
+                                          </p:stCondLst>
+                                        </p:cTn>
+                                        <p:tgtEl>
+                                          <p:spTgt spid="8"/>
+                                        </p:tgtEl>
+                                        <p:attrNameLst>
+                                          <p:attrName>style.visibility</p:attrName>
+                                        </p:attrNameLst>
+                                      </p:cBhvr>
+                                      <p:to>
+                                        <p:strVal val="visible"/>
+                                      </p:to>
+                                    </p:set>
+                                    <p:animEffect transition="in" filter="wipe(left)">
+                                      <p:cBhvr>
+                                        <p:cTn id="19" dur="500"/>
+                                        <p:tgtEl>
+                                          <p:spTgt spid="8"/>
+                                        </p:tgtEl>
+                                      </p:cBhvr>
+                                    </p:animEffect>
+                                  </p:childTnLst>
+                                </p:cTn>
+                              </p:par>
+                            </p:childTnLst>
+                          </p:cTn>
+                        </p:par>
+                      </p:childTnLst>
+                    </p:cTn>
+                  </p:par>
+                </p:childTnLst>
+              </p:cTn>
+              <p:prevCondLst>
+                <p:cond evt="onPrev" delay="0">
+                  <p:tgtEl>
+                    <p:sldTgt/>
+                  </p:tgtEl>
+                </p:cond>
+              </p:prevCondLst>
+              <p:nextCondLst>
+                <p:cond evt="onNext" delay="0">
+                  <p:tgtEl>
+                    <p:sldTgt/>
+                  </p:tgtEl>
+                </p:cond>
+              </p:nextCondLst>
+            </p:seq>
+          </p:childTnLst>
+        </p:cTn>
+      </p:par>
+    </p:tnLst>
+  </p:timing>
+</p:sld>
+</file>
+
+<file path=ppt/slides/slide13.xml><?xml version="1.0" encoding="utf-8"?>
+<p:sld xmlns:a="http://schemas.openxmlformats.org/drawingml/2006/main" xmlns:r="http://schemas.openxmlformats.org/officeDocument/2006/relationships" xmlns:p="http://schemas.openxmlformats.org/presentationml/2006/main">
+  <p:cSld>
+    <p:spTree>
+      <p:nvGrpSpPr>
+        <p:cNvPr id="1" name=""/>
+        <p:cNvGrpSpPr/>
+        <p:nvPr/>
+      </p:nvGrpSpPr>
+      <p:grpSpPr>
+        <a:xfrm>
+          <a:off x="0" y="0"/>
+          <a:ext cx="0" cy="0"/>
+          <a:chOff x="0" y="0"/>
+          <a:chExt cx="0" cy="0"/>
+        </a:xfrm>
+      </p:grpSpPr>
+      <p:sp>
+        <p:nvSpPr>
+          <p:cNvPr id="138243" name="Rectangle 3"/>
+          <p:cNvSpPr>
+            <a:spLocks noGrp="1" noChangeArrowheads="1"/>
+          </p:cNvSpPr>
+          <p:nvPr>
+            <p:ph idx="4294967295"/>
+          </p:nvPr>
+        </p:nvSpPr>
+        <p:spPr>
+          <a:xfrm>
+            <a:off x="541867" y="1219199"/>
+            <a:ext cx="8051796" cy="4792133"/>
+          </a:xfrm>
+        </p:spPr>
+        <p:txBody>
+          <a:bodyPr/>
+          <a:lstStyle/>
+          <a:p>
+            <a:pPr eaLnBrk="1" hangingPunct="1">
+              <a:buFontTx/>
+              <a:buNone/>
+            </a:pPr>
+            <a:r>
+              <a:rPr lang="en-US" sz="4800" dirty="0" smtClean="0">
+                <a:latin typeface="Comic Sans MS"/>
+                <a:cs typeface="Comic Sans MS"/>
+              </a:rPr>
+              <a:t>So </a:t>
+            </a:r>
+            <a:r>
+              <a:rPr lang="en-US" sz="4800" b="1" dirty="0" smtClean="0">
+                <a:latin typeface="Euclid Symbol" charset="2"/>
+                <a:cs typeface="Euclid Symbol" charset="2"/>
+                <a:sym typeface="Euclid Symbol" pitchFamily="18" charset="2"/>
+              </a:rPr>
+              <a:t>≥</a:t>
+            </a:r>
+            <a:r>
+              <a:rPr lang="en-US" sz="4800" dirty="0" smtClean="0">
+                <a:cs typeface="Comic Sans MS"/>
+                <a:sym typeface="Euclid Symbol" pitchFamily="18" charset="2"/>
+              </a:rPr>
+              <a:t> </a:t>
+            </a:r>
+            <a:r>
+              <a:rPr lang="en-US" sz="4800" dirty="0" smtClean="0">
+                <a:solidFill>
+                  <a:srgbClr val="0000CC"/>
+                </a:solidFill>
+                <a:latin typeface="Comic Sans MS"/>
+                <a:cs typeface="Comic Sans MS"/>
+              </a:rPr>
+              <a:t>1/7</a:t>
+            </a:r>
+            <a:r>
+              <a:rPr lang="en-US" sz="4800" dirty="0" smtClean="0">
+                <a:latin typeface="Comic Sans MS"/>
+                <a:cs typeface="Comic Sans MS"/>
+              </a:rPr>
+              <a:t> of time, sure win.</a:t>
+            </a:r>
+          </a:p>
+          <a:p>
+            <a:pPr eaLnBrk="1" hangingPunct="1">
+              <a:buFontTx/>
+              <a:buNone/>
+            </a:pPr>
+            <a:r>
+              <a:rPr lang="en-US" sz="4800" dirty="0" smtClean="0">
+                <a:latin typeface="Comic Sans MS"/>
+                <a:cs typeface="Comic Sans MS"/>
+              </a:rPr>
+              <a:t>Rest of time, win </a:t>
+            </a:r>
+            <a:r>
+              <a:rPr lang="en-US" sz="4800" dirty="0" smtClean="0">
+                <a:solidFill>
+                  <a:srgbClr val="006600"/>
+                </a:solidFill>
+                <a:latin typeface="Comic Sans MS"/>
+                <a:cs typeface="Comic Sans MS"/>
+              </a:rPr>
+              <a:t>1/2</a:t>
+            </a:r>
+            <a:r>
+              <a:rPr lang="en-US" sz="4800" dirty="0" smtClean="0">
+                <a:solidFill>
+                  <a:srgbClr val="000000"/>
+                </a:solidFill>
+                <a:latin typeface="Comic Sans MS"/>
+                <a:cs typeface="Comic Sans MS"/>
+              </a:rPr>
+              <a:t>.</a:t>
+            </a:r>
+          </a:p>
+          <a:p>
+            <a:pPr eaLnBrk="1" hangingPunct="1">
+              <a:buFontTx/>
+              <a:buNone/>
+            </a:pPr>
+            <a:r>
+              <a:rPr lang="en-US" sz="5400" dirty="0" err="1" smtClean="0">
+                <a:solidFill>
+                  <a:srgbClr val="0000FF"/>
+                </a:solidFill>
+                <a:latin typeface="Comic Sans MS"/>
+                <a:cs typeface="Comic Sans MS"/>
+              </a:rPr>
+              <a:t>Pr</a:t>
+            </a:r>
+            <a:r>
+              <a:rPr lang="en-US" sz="5400" dirty="0" smtClean="0">
+                <a:solidFill>
+                  <a:srgbClr val="0000FF"/>
+                </a:solidFill>
+                <a:latin typeface="Comic Sans MS"/>
+                <a:cs typeface="Comic Sans MS"/>
+              </a:rPr>
+              <a:t>[</a:t>
+            </a:r>
+            <a:r>
+              <a:rPr lang="en-US" sz="5400" dirty="0" smtClean="0">
+                <a:solidFill>
+                  <a:srgbClr val="006600"/>
+                </a:solidFill>
+                <a:latin typeface="Comic Sans MS"/>
+                <a:cs typeface="Comic Sans MS"/>
+              </a:rPr>
+              <a:t>Team 2</a:t>
+            </a:r>
+            <a:r>
+              <a:rPr lang="en-US" sz="5400" dirty="0" smtClean="0">
+                <a:solidFill>
+                  <a:srgbClr val="0000FF"/>
+                </a:solidFill>
+                <a:latin typeface="Comic Sans MS"/>
+                <a:cs typeface="Comic Sans MS"/>
+              </a:rPr>
+              <a:t> wins] </a:t>
+            </a:r>
+            <a:r>
+              <a:rPr lang="en-US" sz="5400" b="1" dirty="0" smtClean="0">
+                <a:latin typeface="Euclid Symbol" charset="2"/>
+                <a:cs typeface="Euclid Symbol" charset="2"/>
+                <a:sym typeface="Euclid Symbol" pitchFamily="18" charset="2"/>
+              </a:rPr>
+              <a:t>≥</a:t>
+            </a:r>
+          </a:p>
+        </p:txBody>
+      </p:sp>
+      <p:graphicFrame>
+        <p:nvGraphicFramePr>
+          <p:cNvPr id="4098" name="Object 9"/>
+          <p:cNvGraphicFramePr>
+            <a:graphicFrameLocks noChangeAspect="1"/>
+          </p:cNvGraphicFramePr>
+          <p:nvPr/>
+        </p:nvGraphicFramePr>
+        <p:xfrm>
+          <a:off x="3022600" y="3073400"/>
+          <a:ext cx="914400" cy="220663"/>
+        </p:xfrm>
+        <a:graphic>
+          <a:graphicData uri="http://schemas.openxmlformats.org/presentationml/2006/ole">
+            <mc:AlternateContent xmlns:mc="http://schemas.openxmlformats.org/markup-compatibility/2006">
+              <mc:Choice xmlns:v="urn:schemas-microsoft-com:vml" Requires="v">
+                <p:oleObj spid="_x0000_s585736" name="Equation" r:id="rId4" imgW="914400" imgH="220320" progId="Equation.DSMT4">
+                  <p:embed/>
+                </p:oleObj>
+              </mc:Choice>
+              <mc:Fallback>
+                <p:oleObj name="Equation" r:id="rId4" imgW="914400" imgH="220320" progId="Equation.DSMT4">
+                  <p:embed/>
+                  <p:pic>
+                    <p:nvPicPr>
+                      <p:cNvPr id="0" name=""/>
+                      <p:cNvPicPr>
+                        <a:picLocks noChangeAspect="1" noChangeArrowheads="1"/>
+                      </p:cNvPicPr>
+                      <p:nvPr/>
+                    </p:nvPicPr>
+                    <p:blipFill>
+                      <a:blip r:embed="rId5">
+                        <a:extLst>
+                          <a:ext uri="{28A0092B-C50C-407E-A947-70E740481C1C}">
+                            <a14:useLocalDpi xmlns:a14="http://schemas.microsoft.com/office/drawing/2010/main" val="0"/>
+                          </a:ext>
+                        </a:extLst>
+                      </a:blip>
+                      <a:srcRect/>
+                      <a:stretch>
+                        <a:fillRect/>
+                      </a:stretch>
+                    </p:blipFill>
+                    <p:spPr bwMode="auto">
+                      <a:xfrm>
+                        <a:off x="3022600" y="3073400"/>
+                        <a:ext cx="914400" cy="220663"/>
+                      </a:xfrm>
+                      <a:prstGeom prst="rect">
+                        <a:avLst/>
+                      </a:prstGeom>
+                      <a:noFill/>
+                      <a:extLst>
+                        <a:ext uri="{909E8E84-426E-40dd-AFC4-6F175D3DCCD1}">
+                          <a14:hiddenFill xmlns:a14="http://schemas.microsoft.com/office/drawing/2010/main">
+                            <a:solidFill>
+                              <a:srgbClr val="FFFFFF"/>
+                            </a:solidFill>
+                          </a14:hiddenFill>
+                        </a:ext>
+                      </a:extLst>
+                    </p:spPr>
+                  </p:pic>
+                </p:oleObj>
+              </mc:Fallback>
+            </mc:AlternateContent>
+          </a:graphicData>
+        </a:graphic>
+      </p:graphicFrame>
+      <p:sp>
+        <p:nvSpPr>
+          <p:cNvPr id="10" name="Rectangle 2"/>
+          <p:cNvSpPr txBox="1">
+            <a:spLocks noChangeArrowheads="1"/>
+          </p:cNvSpPr>
+          <p:nvPr/>
+        </p:nvSpPr>
+        <p:spPr bwMode="auto">
+          <a:xfrm>
+            <a:off x="1143000" y="228600"/>
+            <a:ext cx="7543800" cy="1143000"/>
+          </a:xfrm>
+          <a:prstGeom prst="rect">
+            <a:avLst/>
+          </a:prstGeom>
+          <a:noFill/>
+          <a:ln w="9525">
+            <a:noFill/>
+            <a:miter lim="800000"/>
+            <a:headEnd/>
+            <a:tailEnd/>
+          </a:ln>
+        </p:spPr>
+        <p:txBody>
+          <a:bodyPr vert="horz" wrap="square" lIns="91440" tIns="45720" rIns="91440" bIns="45720" numCol="1" anchor="ctr" anchorCtr="0" compatLnSpc="1">
+            <a:prstTxWarp prst="textNoShape">
+              <a:avLst/>
+            </a:prstTxWarp>
+          </a:bodyPr>
+          <a:lstStyle/>
+          <a:p>
+            <a:pPr marL="0" marR="0" lvl="0" indent="0" algn="ctr" defTabSz="914400" rtl="0" eaLnBrk="1" fontAlgn="base" latinLnBrk="0" hangingPunct="1">
+              <a:lnSpc>
+                <a:spcPct val="100000"/>
+              </a:lnSpc>
+              <a:spcBef>
+                <a:spcPct val="0"/>
+              </a:spcBef>
+              <a:spcAft>
+                <a:spcPct val="0"/>
+              </a:spcAft>
+              <a:buClrTx/>
+              <a:buSzTx/>
+              <a:buFontTx/>
+              <a:buNone/>
+              <a:tabLst/>
+              <a:defRPr/>
+            </a:pPr>
+            <a:r>
+              <a:rPr kumimoji="0" lang="en-US" sz="4000" b="1" i="0" u="none" strike="noStrike" kern="0" cap="none" spc="0" normalizeH="0" baseline="0" noProof="0" dirty="0" smtClean="0">
+                <a:ln>
+                  <a:noFill/>
+                </a:ln>
+                <a:solidFill>
+                  <a:schemeClr val="tx2"/>
+                </a:solidFill>
+                <a:effectLst/>
+                <a:uLnTx/>
+                <a:uFillTx/>
+                <a:latin typeface="+mj-lt"/>
+                <a:ea typeface="+mj-ea"/>
+                <a:cs typeface="+mj-cs"/>
+              </a:rPr>
+              <a:t>Analysis of </a:t>
+            </a:r>
+            <a:r>
+              <a:rPr kumimoji="0" lang="en-US" sz="4000" b="1" i="0" u="none" strike="noStrike" kern="0" cap="none" spc="0" normalizeH="0" baseline="0" noProof="0" dirty="0" smtClean="0">
+                <a:ln>
+                  <a:noFill/>
+                </a:ln>
+                <a:solidFill>
+                  <a:srgbClr val="006600"/>
+                </a:solidFill>
+                <a:effectLst/>
+                <a:uLnTx/>
+                <a:uFillTx/>
+                <a:latin typeface="+mj-lt"/>
+                <a:ea typeface="+mj-ea"/>
+                <a:cs typeface="+mj-cs"/>
+              </a:rPr>
+              <a:t>Team 2</a:t>
+            </a:r>
+            <a:r>
+              <a:rPr kumimoji="0" lang="en-US" sz="4000" b="1" i="0" u="none" strike="noStrike" kern="0" cap="none" spc="0" normalizeH="0" baseline="0" noProof="0" dirty="0" smtClean="0">
+                <a:ln>
+                  <a:noFill/>
+                </a:ln>
+                <a:solidFill>
+                  <a:schemeClr val="tx2"/>
+                </a:solidFill>
+                <a:effectLst/>
+                <a:uLnTx/>
+                <a:uFillTx/>
+                <a:latin typeface="+mj-lt"/>
+                <a:ea typeface="+mj-ea"/>
+                <a:cs typeface="+mj-cs"/>
+              </a:rPr>
+              <a:t> Strategy</a:t>
+            </a:r>
+          </a:p>
+        </p:txBody>
+      </p:sp>
+      <p:sp>
+        <p:nvSpPr>
+          <p:cNvPr id="7" name="Slide Number Placeholder 6"/>
+          <p:cNvSpPr>
+            <a:spLocks noGrp="1" noChangeArrowheads="1"/>
+          </p:cNvSpPr>
+          <p:nvPr>
+            <p:ph type="sldNum" sz="quarter" idx="4294967295"/>
+          </p:nvPr>
+        </p:nvSpPr>
+        <p:spPr bwMode="auto">
+          <a:xfrm>
+            <a:off x="7554913" y="6577965"/>
+            <a:ext cx="1527175" cy="244475"/>
+          </a:xfrm>
+          <a:prstGeom prst="rect">
+            <a:avLst/>
+          </a:prstGeom>
+          <a:noFill/>
+          <a:ln w="9525">
+            <a:noFill/>
+            <a:miter lim="800000"/>
+            <a:headEnd/>
+            <a:tailEnd/>
+          </a:ln>
+          <a:effectLst/>
+        </p:spPr>
+        <p:txBody>
+          <a:bodyPr vert="horz" wrap="square" lIns="91440" tIns="45720" rIns="91440" bIns="45720" numCol="1" anchor="t" anchorCtr="0" compatLnSpc="1">
+            <a:prstTxWarp prst="textNoShape">
+              <a:avLst/>
+            </a:prstTxWarp>
+          </a:bodyPr>
+          <a:lstStyle>
+            <a:lvl1pPr algn="r">
+              <a:defRPr sz="1200">
+                <a:latin typeface="+mn-lt"/>
+              </a:defRPr>
+            </a:lvl1pPr>
+          </a:lstStyle>
+          <a:p>
+            <a:pPr>
+              <a:defRPr/>
+            </a:pPr>
+            <a:r>
+              <a:rPr lang="en-US" dirty="0" err="1" smtClean="0"/>
+              <a:t>ranvarbigger</a:t>
+            </a:r>
+            <a:r>
+              <a:rPr lang="en-US" dirty="0" smtClean="0"/>
+              <a:t>.</a:t>
+            </a:r>
+            <a:fld id="{7886A709-CED2-48A3-8616-B2655C008ECB}" type="slidenum">
+              <a:rPr lang="en-US" smtClean="0"/>
+              <a:pPr>
+                <a:defRPr/>
+              </a:pPr>
+              <a:t>13</a:t>
+            </a:fld>
+            <a:endParaRPr lang="en-US" dirty="0"/>
+          </a:p>
+        </p:txBody>
+      </p:sp>
+      <p:graphicFrame>
+        <p:nvGraphicFramePr>
+          <p:cNvPr id="9" name="Object 10"/>
           <p:cNvGraphicFramePr>
             <a:graphicFrameLocks noChangeAspect="1"/>
           </p:cNvGraphicFramePr>
@@ -3994,7 +6372,7 @@
           <a:graphicData uri="http://schemas.openxmlformats.org/presentationml/2006/ole">
             <mc:AlternateContent xmlns:mc="http://schemas.openxmlformats.org/markup-compatibility/2006">
               <mc:Choice xmlns:v="urn:schemas-microsoft-com:vml" Requires="v">
-                <p:oleObj spid="_x0000_s580654" name="Equation" r:id="rId6" imgW="1447560" imgH="482400" progId="Equation.DSMT4">
+                <p:oleObj spid="_x0000_s585737" name="Equation" r:id="rId6" imgW="1447560" imgH="482400" progId="Equation.DSMT4">
                   <p:embed/>
                 </p:oleObj>
               </mc:Choice>
@@ -4003,7 +6381,7 @@
                   <p:embed/>
                   <p:pic>
                     <p:nvPicPr>
-                      <p:cNvPr id="0" name="Object 10"/>
+                      <p:cNvPr id="0" name=""/>
                       <p:cNvPicPr>
                         <a:picLocks noChangeAspect="1" noChangeArrowheads="1"/>
                       </p:cNvPicPr>
@@ -4050,7 +6428,7 @@
       </p:graphicFrame>
       <p:sp>
         <p:nvSpPr>
-          <p:cNvPr id="2" name="Rectangle 1"/>
+          <p:cNvPr id="12" name="Rectangle 11"/>
           <p:cNvSpPr/>
           <p:nvPr/>
         </p:nvSpPr>
@@ -4094,13 +6472,27 @@
         </p:txBody>
       </p:sp>
     </p:spTree>
+    <p:extLst>
+      <p:ext uri="{BB962C8B-B14F-4D97-AF65-F5344CB8AC3E}">
+        <p14:creationId xmlns:p14="http://schemas.microsoft.com/office/powerpoint/2010/main" val="3974734595"/>
+      </p:ext>
+    </p:extLst>
   </p:cSld>
   <p:clrMapOvr>
     <a:masterClrMapping/>
   </p:clrMapOvr>
-  <p:transition xmlns:p14="http://schemas.microsoft.com/office/powerpoint/2010/main" spd="slow">
-    <p:fade/>
-  </p:transition>
+  <mc:AlternateContent xmlns:mc="http://schemas.openxmlformats.org/markup-compatibility/2006" xmlns:p14="http://schemas.microsoft.com/office/powerpoint/2010/main">
+    <mc:Choice Requires="p14">
+      <p:transition spd="med" p14:dur="600" advClick="0">
+        <p:fade/>
+      </p:transition>
+    </mc:Choice>
+    <mc:Fallback xmlns="">
+      <p:transition xmlns:p14="http://schemas.microsoft.com/office/powerpoint/2010/main" spd="med" advClick="0">
+        <p:fade/>
+      </p:transition>
+    </mc:Fallback>
+  </mc:AlternateContent>
   <p:timing>
     <p:tnLst>
       <p:par>
@@ -4125,7 +6517,7 @@
                             </p:stCondLst>
                             <p:childTnLst>
                               <p:par>
-                                <p:cTn id="5" presetID="22" presetClass="entr" presetSubtype="8" fill="hold" nodeType="afterEffect">
+                                <p:cTn id="5" presetID="22" presetClass="entr" presetSubtype="8" fill="hold" nodeType="withEffect">
                                   <p:stCondLst>
                                     <p:cond delay="0"/>
                                   </p:stCondLst>
@@ -4133,6 +6525,59 @@
                                     <p:set>
                                       <p:cBhvr>
                                         <p:cTn id="6" dur="1" fill="hold">
+                                          <p:stCondLst>
+                                            <p:cond delay="0"/>
+                                          </p:stCondLst>
+                                        </p:cTn>
+                                        <p:tgtEl>
+                                          <p:spTgt spid="9"/>
+                                        </p:tgtEl>
+                                        <p:attrNameLst>
+                                          <p:attrName>style.visibility</p:attrName>
+                                        </p:attrNameLst>
+                                      </p:cBhvr>
+                                      <p:to>
+                                        <p:strVal val="visible"/>
+                                      </p:to>
+                                    </p:set>
+                                    <p:animEffect transition="in" filter="wipe(left)">
+                                      <p:cBhvr>
+                                        <p:cTn id="7" dur="1000"/>
+                                        <p:tgtEl>
+                                          <p:spTgt spid="9"/>
+                                        </p:tgtEl>
+                                      </p:cBhvr>
+                                    </p:animEffect>
+                                  </p:childTnLst>
+                                </p:cTn>
+                              </p:par>
+                            </p:childTnLst>
+                          </p:cTn>
+                        </p:par>
+                      </p:childTnLst>
+                    </p:cTn>
+                  </p:par>
+                  <p:par>
+                    <p:cTn id="8" fill="hold">
+                      <p:stCondLst>
+                        <p:cond delay="indefinite"/>
+                      </p:stCondLst>
+                      <p:childTnLst>
+                        <p:par>
+                          <p:cTn id="9" fill="hold">
+                            <p:stCondLst>
+                              <p:cond delay="0"/>
+                            </p:stCondLst>
+                            <p:childTnLst>
+                              <p:par>
+                                <p:cTn id="10" presetID="35" presetClass="entr" presetSubtype="0" fill="hold" grpId="0" nodeType="clickEffect">
+                                  <p:stCondLst>
+                                    <p:cond delay="0"/>
+                                  </p:stCondLst>
+                                  <p:childTnLst>
+                                    <p:set>
+                                      <p:cBhvr>
+                                        <p:cTn id="11" dur="1" fill="hold">
                                           <p:stCondLst>
                                             <p:cond delay="0"/>
                                           </p:stCondLst>
@@ -4148,63 +6593,19 @@
                                         <p:strVal val="visible"/>
                                       </p:to>
                                     </p:set>
-                                    <p:animEffect transition="in" filter="wipe(left)">
+                                    <p:animEffect transition="in" filter="fade">
                                       <p:cBhvr>
-                                        <p:cTn id="7" dur="1000"/>
+                                        <p:cTn id="12" dur="1000"/>
                                         <p:tgtEl>
                                           <p:spTgt spid="12"/>
                                         </p:tgtEl>
                                       </p:cBhvr>
                                     </p:animEffect>
-                                  </p:childTnLst>
-                                </p:cTn>
-                              </p:par>
-                            </p:childTnLst>
-                          </p:cTn>
-                        </p:par>
-                        <p:par>
-                          <p:cTn id="8" fill="hold">
-                            <p:stCondLst>
-                              <p:cond delay="1000"/>
-                            </p:stCondLst>
-                            <p:childTnLst>
-                              <p:par>
-                                <p:cTn id="9" presetID="35" presetClass="entr" presetSubtype="0" fill="hold" grpId="0" nodeType="afterEffect">
-                                  <p:stCondLst>
-                                    <p:cond delay="0"/>
-                                  </p:stCondLst>
-                                  <p:childTnLst>
-                                    <p:set>
-                                      <p:cBhvr>
-                                        <p:cTn id="10" dur="1" fill="hold">
-                                          <p:stCondLst>
-                                            <p:cond delay="0"/>
-                                          </p:stCondLst>
-                                        </p:cTn>
-                                        <p:tgtEl>
-                                          <p:spTgt spid="2"/>
-                                        </p:tgtEl>
-                                        <p:attrNameLst>
-                                          <p:attrName>style.visibility</p:attrName>
-                                        </p:attrNameLst>
-                                      </p:cBhvr>
-                                      <p:to>
-                                        <p:strVal val="visible"/>
-                                      </p:to>
-                                    </p:set>
-                                    <p:animEffect transition="in" filter="fade">
-                                      <p:cBhvr>
-                                        <p:cTn id="11" dur="1000"/>
-                                        <p:tgtEl>
-                                          <p:spTgt spid="2"/>
-                                        </p:tgtEl>
-                                      </p:cBhvr>
-                                    </p:animEffect>
                                     <p:anim calcmode="lin" valueType="num">
                                       <p:cBhvr>
-                                        <p:cTn id="12" dur="1000" fill="hold"/>
+                                        <p:cTn id="13" dur="1000" fill="hold"/>
                                         <p:tgtEl>
-                                          <p:spTgt spid="2"/>
+                                          <p:spTgt spid="12"/>
                                         </p:tgtEl>
                                         <p:attrNameLst>
                                           <p:attrName>style.rotation</p:attrName>
@@ -4225,9 +6626,9 @@
                                     </p:anim>
                                     <p:anim calcmode="lin" valueType="num">
                                       <p:cBhvr>
-                                        <p:cTn id="13" dur="1000" fill="hold"/>
+                                        <p:cTn id="14" dur="1000" fill="hold"/>
                                         <p:tgtEl>
-                                          <p:spTgt spid="2"/>
+                                          <p:spTgt spid="12"/>
                                         </p:tgtEl>
                                         <p:attrNameLst>
                                           <p:attrName>ppt_h</p:attrName>
@@ -4248,9 +6649,9 @@
                                     </p:anim>
                                     <p:anim calcmode="lin" valueType="num">
                                       <p:cBhvr>
-                                        <p:cTn id="14" dur="1000" fill="hold"/>
+                                        <p:cTn id="15" dur="1000" fill="hold"/>
                                         <p:tgtEl>
-                                          <p:spTgt spid="2"/>
+                                          <p:spTgt spid="12"/>
                                         </p:tgtEl>
                                         <p:attrNameLst>
                                           <p:attrName>ppt_w</p:attrName>
@@ -4300,13 +6701,13 @@
       </p:par>
     </p:tnLst>
     <p:bldLst>
-      <p:bldP spid="2" grpId="0" animBg="1"/>
+      <p:bldP spid="12" grpId="0" animBg="1"/>
     </p:bldLst>
   </p:timing>
 </p:sld>
 </file>
 
-<file path=ppt/slides/slide11.xml><?xml version="1.0" encoding="utf-8"?>
+<file path=ppt/slides/slide14.xml><?xml version="1.0" encoding="utf-8"?>
 <p:sld xmlns:a="http://schemas.openxmlformats.org/drawingml/2006/main" xmlns:r="http://schemas.openxmlformats.org/officeDocument/2006/relationships" xmlns:p="http://schemas.openxmlformats.org/presentationml/2006/main">
   <p:cSld>
     <p:spTree>
@@ -4342,19 +6743,19 @@
               <a:defRPr/>
             </a:pPr>
             <a:r>
-              <a:rPr lang="en-US" dirty="0" err="1"/>
-              <a:t>lec</a:t>
+              <a:rPr lang="en-US" dirty="0" err="1" smtClean="0"/>
+              <a:t>ranvarbigger</a:t>
             </a:r>
             <a:r>
               <a:rPr lang="en-US" dirty="0" smtClean="0"/>
-              <a:t> 12W.</a:t>
+              <a:t>.</a:t>
             </a:r>
             <a:fld id="{601D9D26-416F-483A-A5D6-37381C6E500B}" type="slidenum">
               <a:rPr lang="en-US" smtClean="0"/>
               <a:pPr>
                 <a:defRPr/>
               </a:pPr>
-              <a:t>11</a:t>
+              <a:t>14</a:t>
             </a:fld>
             <a:endParaRPr lang="en-US" dirty="0"/>
           </a:p>
@@ -4372,8 +6773,8 @@
         </p:nvSpPr>
         <p:spPr>
           <a:xfrm>
-            <a:off x="419100" y="2032000"/>
-            <a:ext cx="8356600" cy="2844800"/>
+            <a:off x="681552" y="1642543"/>
+            <a:ext cx="7725833" cy="3564467"/>
           </a:xfrm>
         </p:spPr>
         <p:txBody>
@@ -4382,15 +6783,27 @@
           <a:p>
             <a:pPr eaLnBrk="1" hangingPunct="1"/>
             <a:r>
-              <a:rPr lang="en-US" sz="7200" dirty="0" smtClean="0"/>
-              <a:t>Does not matter</a:t>
+              <a:rPr lang="en-US" sz="6000" dirty="0" smtClean="0"/>
+              <a:t>So </a:t>
+            </a:r>
+            <a:r>
+              <a:rPr lang="en-US" sz="6000" dirty="0" smtClean="0">
+                <a:solidFill>
+                  <a:srgbClr val="006600"/>
+                </a:solidFill>
+              </a:rPr>
+              <a:t>Team 2</a:t>
+            </a:r>
+            <a:r>
+              <a:rPr lang="en-US" sz="6000" dirty="0" smtClean="0"/>
+              <a:t> has the </a:t>
             </a:r>
           </a:p>
           <a:p>
             <a:pPr eaLnBrk="1" hangingPunct="1"/>
             <a:r>
-              <a:rPr lang="en-US" sz="7200" dirty="0" smtClean="0"/>
-              <a:t>what Team 1 does!</a:t>
+              <a:rPr lang="en-US" sz="6000" dirty="0" smtClean="0"/>
+              <a:t>advantage</a:t>
             </a:r>
           </a:p>
         </p:txBody>
@@ -4427,7 +6840,7 @@
               <a:defRPr/>
             </a:pPr>
             <a:r>
-              <a:rPr lang="en-US" sz="4000" b="1" kern="0">
+              <a:rPr lang="en-US" sz="4000" b="1" kern="0" dirty="0">
                 <a:solidFill>
                   <a:schemeClr val="tx2"/>
                 </a:solidFill>
@@ -4435,16 +6848,30 @@
                 <a:ea typeface="+mj-ea"/>
                 <a:cs typeface="+mj-cs"/>
               </a:rPr>
-              <a:t>Analysis of Team 2 Strategy</a:t>
-            </a:r>
-            <a:endParaRPr lang="en-US" sz="4000" b="1" kern="0" dirty="0">
-              <a:solidFill>
-                <a:schemeClr val="tx2"/>
-              </a:solidFill>
-              <a:latin typeface="+mj-lt"/>
-              <a:ea typeface="+mj-ea"/>
-              <a:cs typeface="+mj-cs"/>
-            </a:endParaRPr>
+              <a:t>Analysis of </a:t>
+            </a:r>
+            <a:r>
+              <a:rPr lang="en-US" sz="4000" b="1" kern="0" dirty="0">
+                <a:solidFill>
+                  <a:srgbClr val="006600"/>
+                </a:solidFill>
+                <a:latin typeface="+mj-lt"/>
+                <a:ea typeface="+mj-ea"/>
+                <a:cs typeface="+mj-cs"/>
+              </a:rPr>
+              <a:t>Team 2</a:t>
+            </a:r>
+            <a:r>
+              <a:rPr lang="en-US" sz="4000" b="1" kern="0" dirty="0">
+                <a:solidFill>
+                  <a:schemeClr val="tx2"/>
+                </a:solidFill>
+                <a:latin typeface="+mj-lt"/>
+                <a:ea typeface="+mj-ea"/>
+                <a:cs typeface="+mj-cs"/>
+              </a:rPr>
+              <a:t> Strategy</a:t>
+            </a:r>
           </a:p>
         </p:txBody>
       </p:sp>
@@ -4453,18 +6880,9 @@
   <p:clrMapOvr>
     <a:masterClrMapping/>
   </p:clrMapOvr>
-  <mc:AlternateContent xmlns:mc="http://schemas.openxmlformats.org/markup-compatibility/2006" xmlns:p14="http://schemas.microsoft.com/office/powerpoint/2010/main">
-    <mc:Choice Requires="p14">
-      <p:transition spd="slow" p14:dur="1100">
-        <p:fade/>
-      </p:transition>
-    </mc:Choice>
-    <mc:Fallback xmlns="">
-      <p:transition xmlns:p14="http://schemas.microsoft.com/office/powerpoint/2010/main" spd="slow">
-        <p:fade/>
-      </p:transition>
-    </mc:Fallback>
-  </mc:AlternateContent>
+  <p:transition xmlns:p14="http://schemas.microsoft.com/office/powerpoint/2010/main" spd="slow" advClick="0">
+    <p:fade/>
+  </p:transition>
   <p:timing>
     <p:tnLst>
       <p:par>
@@ -4475,7 +6893,233 @@
 </p:sld>
 </file>
 
-<file path=ppt/slides/slide12.xml><?xml version="1.0" encoding="utf-8"?>
+<file path=ppt/slides/slide15.xml><?xml version="1.0" encoding="utf-8"?>
+<p:sld xmlns:a="http://schemas.openxmlformats.org/drawingml/2006/main" xmlns:r="http://schemas.openxmlformats.org/officeDocument/2006/relationships" xmlns:p="http://schemas.openxmlformats.org/presentationml/2006/main">
+  <p:cSld>
+    <p:spTree>
+      <p:nvGrpSpPr>
+        <p:cNvPr id="1" name=""/>
+        <p:cNvGrpSpPr/>
+        <p:nvPr/>
+      </p:nvGrpSpPr>
+      <p:grpSpPr>
+        <a:xfrm>
+          <a:off x="0" y="0"/>
+          <a:ext cx="0" cy="0"/>
+          <a:chOff x="0" y="0"/>
+          <a:chExt cx="0" cy="0"/>
+        </a:xfrm>
+      </p:grpSpPr>
+      <p:sp>
+        <p:nvSpPr>
+          <p:cNvPr id="6" name="Slide Number Placeholder 3"/>
+          <p:cNvSpPr>
+            <a:spLocks noGrp="1"/>
+          </p:cNvSpPr>
+          <p:nvPr>
+            <p:ph type="sldNum" sz="quarter" idx="11"/>
+          </p:nvPr>
+        </p:nvSpPr>
+        <p:spPr/>
+        <p:txBody>
+          <a:bodyPr/>
+          <a:lstStyle/>
+          <a:p>
+            <a:pPr>
+              <a:defRPr/>
+            </a:pPr>
+            <a:r>
+              <a:rPr lang="en-US" dirty="0" err="1" smtClean="0"/>
+              <a:t>ranvarbigger</a:t>
+            </a:r>
+            <a:r>
+              <a:rPr lang="en-US" dirty="0" smtClean="0"/>
+              <a:t>.</a:t>
+            </a:r>
+            <a:fld id="{601D9D26-416F-483A-A5D6-37381C6E500B}" type="slidenum">
+              <a:rPr lang="en-US" smtClean="0"/>
+              <a:pPr>
+                <a:defRPr/>
+              </a:pPr>
+              <a:t>15</a:t>
+            </a:fld>
+            <a:endParaRPr lang="en-US" dirty="0"/>
+          </a:p>
+        </p:txBody>
+      </p:sp>
+      <p:sp>
+        <p:nvSpPr>
+          <p:cNvPr id="26627" name="Rectangle 3"/>
+          <p:cNvSpPr>
+            <a:spLocks noGrp="1" noChangeArrowheads="1"/>
+          </p:cNvSpPr>
+          <p:nvPr>
+            <p:ph idx="4294967295"/>
+          </p:nvPr>
+        </p:nvSpPr>
+        <p:spPr>
+          <a:xfrm>
+            <a:off x="681552" y="1642543"/>
+            <a:ext cx="7725833" cy="3564467"/>
+          </a:xfrm>
+        </p:spPr>
+        <p:txBody>
+          <a:bodyPr/>
+          <a:lstStyle/>
+          <a:p>
+            <a:pPr eaLnBrk="1" hangingPunct="1"/>
+            <a:r>
+              <a:rPr lang="en-US" sz="6000" dirty="0" smtClean="0"/>
+              <a:t>So </a:t>
+            </a:r>
+            <a:r>
+              <a:rPr lang="en-US" sz="6000" dirty="0" smtClean="0">
+                <a:solidFill>
+                  <a:srgbClr val="006600"/>
+                </a:solidFill>
+              </a:rPr>
+              <a:t>Team 2</a:t>
+            </a:r>
+            <a:r>
+              <a:rPr lang="en-US" sz="6000" dirty="0" smtClean="0"/>
+              <a:t> has the </a:t>
+            </a:r>
+          </a:p>
+          <a:p>
+            <a:pPr eaLnBrk="1" hangingPunct="1"/>
+            <a:r>
+              <a:rPr lang="en-US" sz="6000" dirty="0" smtClean="0"/>
+              <a:t>advantage, </a:t>
+            </a:r>
+            <a:r>
+              <a:rPr lang="en-US" sz="6000" dirty="0" smtClean="0">
+                <a:solidFill>
+                  <a:srgbClr val="9B2894"/>
+                </a:solidFill>
+              </a:rPr>
+              <a:t>no matter</a:t>
+            </a:r>
+          </a:p>
+          <a:p>
+            <a:pPr eaLnBrk="1" hangingPunct="1"/>
+            <a:r>
+              <a:rPr lang="en-US" sz="6000" dirty="0" smtClean="0">
+                <a:solidFill>
+                  <a:srgbClr val="9B2894"/>
+                </a:solidFill>
+              </a:rPr>
+              <a:t>what</a:t>
+            </a:r>
+            <a:r>
+              <a:rPr lang="en-US" sz="6000" dirty="0" smtClean="0"/>
+              <a:t> </a:t>
+            </a:r>
+            <a:r>
+              <a:rPr lang="en-US" sz="6000" dirty="0" smtClean="0">
+                <a:solidFill>
+                  <a:srgbClr val="3333FF"/>
+                </a:solidFill>
+              </a:rPr>
+              <a:t>Team 1</a:t>
+            </a:r>
+            <a:r>
+              <a:rPr lang="en-US" sz="6000" dirty="0" smtClean="0"/>
+              <a:t> does!</a:t>
+            </a:r>
+          </a:p>
+        </p:txBody>
+      </p:sp>
+      <p:sp>
+        <p:nvSpPr>
+          <p:cNvPr id="7" name="Rectangle 2"/>
+          <p:cNvSpPr txBox="1">
+            <a:spLocks noChangeArrowheads="1"/>
+          </p:cNvSpPr>
+          <p:nvPr/>
+        </p:nvSpPr>
+        <p:spPr bwMode="auto">
+          <a:xfrm>
+            <a:off x="1143000" y="152400"/>
+            <a:ext cx="7543800" cy="1143000"/>
+          </a:xfrm>
+          <a:prstGeom prst="rect">
+            <a:avLst/>
+          </a:prstGeom>
+          <a:noFill/>
+          <a:ln w="9525">
+            <a:noFill/>
+            <a:miter lim="800000"/>
+            <a:headEnd/>
+            <a:tailEnd/>
+          </a:ln>
+        </p:spPr>
+        <p:txBody>
+          <a:bodyPr anchor="ctr"/>
+          <a:lstStyle/>
+          <a:p>
+            <a:pPr algn="ctr" eaLnBrk="0" hangingPunct="0">
+              <a:defRPr/>
+            </a:pPr>
+            <a:r>
+              <a:rPr lang="en-US" sz="4000" b="1" kern="0" dirty="0">
+                <a:solidFill>
+                  <a:schemeClr val="tx2"/>
+                </a:solidFill>
+                <a:latin typeface="+mj-lt"/>
+                <a:ea typeface="+mj-ea"/>
+                <a:cs typeface="+mj-cs"/>
+              </a:rPr>
+              <a:t>Analysis of </a:t>
+            </a:r>
+            <a:r>
+              <a:rPr lang="en-US" sz="4000" b="1" kern="0" dirty="0">
+                <a:solidFill>
+                  <a:srgbClr val="006600"/>
+                </a:solidFill>
+                <a:latin typeface="+mj-lt"/>
+                <a:ea typeface="+mj-ea"/>
+                <a:cs typeface="+mj-cs"/>
+              </a:rPr>
+              <a:t>Team 2</a:t>
+            </a:r>
+            <a:r>
+              <a:rPr lang="en-US" sz="4000" b="1" kern="0" dirty="0">
+                <a:solidFill>
+                  <a:schemeClr val="tx2"/>
+                </a:solidFill>
+                <a:latin typeface="+mj-lt"/>
+                <a:ea typeface="+mj-ea"/>
+                <a:cs typeface="+mj-cs"/>
+              </a:rPr>
+              <a:t> Strategy</a:t>
+            </a:r>
+          </a:p>
+        </p:txBody>
+      </p:sp>
+    </p:spTree>
+    <p:extLst>
+      <p:ext uri="{BB962C8B-B14F-4D97-AF65-F5344CB8AC3E}">
+        <p14:creationId xmlns:p14="http://schemas.microsoft.com/office/powerpoint/2010/main" val="632983482"/>
+      </p:ext>
+    </p:extLst>
+  </p:cSld>
+  <p:clrMapOvr>
+    <a:masterClrMapping/>
+  </p:clrMapOvr>
+  <p:transition xmlns:p14="http://schemas.microsoft.com/office/powerpoint/2010/main" spd="slow" advClick="0">
+    <p:fade/>
+  </p:transition>
+  <p:timing>
+    <p:tnLst>
+      <p:par>
+        <p:cTn xmlns:p14="http://schemas.microsoft.com/office/powerpoint/2010/main" id="1" dur="indefinite" restart="never" nodeType="tmRoot"/>
+      </p:par>
+    </p:tnLst>
+  </p:timing>
+</p:sld>
+</file>
+
+<file path=ppt/slides/slide16.xml><?xml version="1.0" encoding="utf-8"?>
 <p:sld xmlns:a="http://schemas.openxmlformats.org/drawingml/2006/main" xmlns:r="http://schemas.openxmlformats.org/officeDocument/2006/relationships" xmlns:p="http://schemas.openxmlformats.org/presentationml/2006/main">
   <p:cSld>
     <p:spTree>
@@ -4511,19 +7155,19 @@
               <a:defRPr/>
             </a:pPr>
             <a:r>
-              <a:rPr lang="en-US" dirty="0" err="1"/>
-              <a:t>lec</a:t>
+              <a:rPr lang="en-US" dirty="0" err="1" smtClean="0"/>
+              <a:t>ranvarbigger</a:t>
             </a:r>
             <a:r>
               <a:rPr lang="en-US" dirty="0" smtClean="0"/>
-              <a:t> 12W.</a:t>
+              <a:t>.</a:t>
             </a:r>
             <a:fld id="{B48ABEAC-C0A2-414D-A2EC-7337A3B2DB53}" type="slidenum">
               <a:rPr lang="en-US" smtClean="0"/>
               <a:pPr>
                 <a:defRPr/>
               </a:pPr>
-              <a:t>12</a:t>
+              <a:t>16</a:t>
             </a:fld>
             <a:endParaRPr lang="en-US" dirty="0"/>
           </a:p>
@@ -4553,7 +7197,7 @@
             <a:r>
               <a:rPr lang="en-US" dirty="0" smtClean="0">
                 <a:solidFill>
-                  <a:srgbClr val="006600"/>
+                  <a:srgbClr val="0000FF"/>
                 </a:solidFill>
               </a:rPr>
               <a:t>Team 1</a:t>
@@ -4584,7 +7228,7 @@
         <p:spPr bwMode="auto">
           <a:xfrm>
             <a:off x="298450" y="1530350"/>
-            <a:ext cx="8550275" cy="3786188"/>
+            <a:ext cx="8550275" cy="3754874"/>
           </a:xfrm>
           <a:prstGeom prst="rect">
             <a:avLst/>
@@ -4620,7 +7264,7 @@
             <a:r>
               <a:rPr lang="en-US" sz="6000" dirty="0">
                 <a:solidFill>
-                  <a:srgbClr val="006600"/>
+                  <a:srgbClr val="0000FF"/>
                 </a:solidFill>
                 <a:latin typeface="Comic Sans MS" pitchFamily="66" charset="0"/>
               </a:rPr>
@@ -4661,13 +7305,31 @@
               <a:rPr lang="en-US" sz="6000" dirty="0" smtClean="0">
                 <a:latin typeface="Comic Sans MS" pitchFamily="66" charset="0"/>
               </a:rPr>
-              <a:t>[Team </a:t>
+              <a:t>[</a:t>
+            </a:r>
+            <a:r>
+              <a:rPr lang="en-US" sz="6000" dirty="0" smtClean="0">
+                <a:solidFill>
+                  <a:srgbClr val="006600"/>
+                </a:solidFill>
+                <a:latin typeface="Comic Sans MS" pitchFamily="66" charset="0"/>
+              </a:rPr>
+              <a:t>Team </a:t>
+            </a:r>
+            <a:r>
+              <a:rPr lang="en-US" sz="6000" dirty="0">
+                <a:solidFill>
+                  <a:srgbClr val="006600"/>
+                </a:solidFill>
+                <a:latin typeface="Comic Sans MS" pitchFamily="66" charset="0"/>
+              </a:rPr>
+              <a:t>2</a:t>
             </a:r>
             <a:r>
               <a:rPr lang="en-US" sz="6000" dirty="0">
                 <a:latin typeface="Comic Sans MS" pitchFamily="66" charset="0"/>
               </a:rPr>
-              <a:t>2 </a:t>
+              <a:t> </a:t>
             </a:r>
             <a:r>
               <a:rPr lang="en-US" sz="6000" dirty="0" smtClean="0">
@@ -4698,23 +7360,20 @@
               </a:spcBef>
             </a:pPr>
             <a:r>
-              <a:rPr lang="en-US" sz="6000" dirty="0">
-                <a:solidFill>
-                  <a:srgbClr val="7030A0"/>
+              <a:rPr lang="en-US" sz="6000" dirty="0" smtClean="0">
+                <a:solidFill>
+                  <a:srgbClr val="9B2894"/>
                 </a:solidFill>
                 <a:latin typeface="Comic Sans MS" pitchFamily="66" charset="0"/>
                 <a:sym typeface="Symbol" pitchFamily="18" charset="2"/>
               </a:rPr>
-              <a:t>whatever </a:t>
-            </a:r>
-            <a:r>
-              <a:rPr lang="en-US" sz="6000" dirty="0">
-                <a:latin typeface="Comic Sans MS" pitchFamily="66" charset="0"/>
-                <a:sym typeface="Symbol" pitchFamily="18" charset="2"/>
-              </a:rPr>
-              <a:t>Team 2 does</a:t>
-            </a:r>
-            <a:endParaRPr lang="en-US" sz="6000" dirty="0"/>
+              <a:t> no matter what</a:t>
+            </a:r>
+            <a:endParaRPr lang="en-US" sz="6000" dirty="0">
+              <a:solidFill>
+                <a:srgbClr val="9B2894"/>
+              </a:solidFill>
+            </a:endParaRPr>
           </a:p>
         </p:txBody>
       </p:sp>
@@ -4734,7 +7393,7 @@
           <a:graphicData uri="http://schemas.openxmlformats.org/presentationml/2006/ole">
             <mc:AlternateContent xmlns:mc="http://schemas.openxmlformats.org/markup-compatibility/2006">
               <mc:Choice xmlns:v="urn:schemas-microsoft-com:vml" Requires="v">
-                <p:oleObj spid="_x0000_s5147" name="Equation" r:id="rId4" imgW="190440" imgH="431640" progId="Equation.DSMT4">
+                <p:oleObj spid="_x0000_s5155" name="Equation" r:id="rId4" imgW="190440" imgH="431640" progId="Equation.DSMT4">
                   <p:embed/>
                 </p:oleObj>
               </mc:Choice>
@@ -4795,13 +7454,13 @@
   </p:clrMapOvr>
   <mc:AlternateContent xmlns:mc="http://schemas.openxmlformats.org/markup-compatibility/2006" xmlns:p14="http://schemas.microsoft.com/office/powerpoint/2010/main">
     <mc:Choice Requires="p14">
-      <p:transition spd="slow" p14:dur="1200">
-        <p:fade/>
+      <p:transition spd="slow" p14:dur="1200" advClick="0">
+        <p:fade thruBlk="1"/>
       </p:transition>
     </mc:Choice>
     <mc:Fallback xmlns="">
-      <p:transition xmlns:p14="http://schemas.microsoft.com/office/powerpoint/2010/main" spd="slow">
-        <p:fade/>
+      <p:transition xmlns:p14="http://schemas.microsoft.com/office/powerpoint/2010/main" spd="slow" advClick="0">
+        <p:fade thruBlk="1"/>
       </p:transition>
     </mc:Fallback>
   </mc:AlternateContent>
@@ -5007,7 +7666,7 @@
 </p:sld>
 </file>
 
-<file path=ppt/slides/slide13.xml><?xml version="1.0" encoding="utf-8"?>
+<file path=ppt/slides/slide17.xml><?xml version="1.0" encoding="utf-8"?>
 <p:sld xmlns:a="http://schemas.openxmlformats.org/drawingml/2006/main" xmlns:r="http://schemas.openxmlformats.org/officeDocument/2006/relationships" xmlns:p="http://schemas.openxmlformats.org/presentationml/2006/main">
   <p:cSld>
     <p:spTree>
@@ -5043,19 +7702,19 @@
               <a:defRPr/>
             </a:pPr>
             <a:r>
-              <a:rPr lang="en-US" dirty="0" err="1"/>
-              <a:t>lec</a:t>
+              <a:rPr lang="en-US" dirty="0" err="1" smtClean="0"/>
+              <a:t>ranvarbigger</a:t>
             </a:r>
             <a:r>
               <a:rPr lang="en-US" dirty="0" smtClean="0"/>
-              <a:t> 12W.</a:t>
+              <a:t>.</a:t>
             </a:r>
             <a:fld id="{B48ABEAC-C0A2-414D-A2EC-7337A3B2DB53}" type="slidenum">
               <a:rPr lang="en-US" smtClean="0"/>
               <a:pPr>
                 <a:defRPr/>
               </a:pPr>
-              <a:t>13</a:t>
+              <a:t>17</a:t>
             </a:fld>
             <a:endParaRPr lang="en-US" dirty="0"/>
           </a:p>
@@ -5115,8 +7774,8 @@
         </p:nvSpPr>
         <p:spPr bwMode="auto">
           <a:xfrm>
-            <a:off x="296862" y="527050"/>
-            <a:ext cx="8550275" cy="5543055"/>
+            <a:off x="296862" y="2030188"/>
+            <a:ext cx="8550275" cy="2699200"/>
           </a:xfrm>
           <a:prstGeom prst="rect">
             <a:avLst/>
@@ -5144,10 +7803,54 @@
               </a:spcBef>
             </a:pPr>
             <a:r>
+              <a:rPr lang="en-US" sz="6600" dirty="0" err="1" smtClean="0">
+                <a:latin typeface="Comic Sans MS" pitchFamily="66" charset="0"/>
+              </a:rPr>
+              <a:t>Pr</a:t>
+            </a:r>
+            <a:r>
               <a:rPr lang="en-US" sz="6600" dirty="0" smtClean="0">
                 <a:latin typeface="Comic Sans MS" pitchFamily="66" charset="0"/>
               </a:rPr>
-              <a:t>So</a:t>
+              <a:t>[</a:t>
+            </a:r>
+            <a:r>
+              <a:rPr lang="en-US" sz="6600" dirty="0" smtClean="0">
+                <a:solidFill>
+                  <a:srgbClr val="006600"/>
+                </a:solidFill>
+                <a:latin typeface="Comic Sans MS" pitchFamily="66" charset="0"/>
+              </a:rPr>
+              <a:t>Team </a:t>
+            </a:r>
+            <a:r>
+              <a:rPr lang="en-US" sz="6600" dirty="0">
+                <a:solidFill>
+                  <a:srgbClr val="006600"/>
+                </a:solidFill>
+                <a:latin typeface="Comic Sans MS" pitchFamily="66" charset="0"/>
+              </a:rPr>
+              <a:t>2</a:t>
+            </a:r>
+            <a:r>
+              <a:rPr lang="en-US" sz="6600" dirty="0">
+                <a:latin typeface="Comic Sans MS" pitchFamily="66" charset="0"/>
+              </a:rPr>
+              <a:t> </a:t>
+            </a:r>
+            <a:r>
+              <a:rPr lang="en-US" sz="6600" dirty="0" smtClean="0">
+                <a:latin typeface="Comic Sans MS" pitchFamily="66" charset="0"/>
+              </a:rPr>
+              <a:t>wins] </a:t>
+            </a:r>
+            <a:r>
+              <a:rPr lang="en-US" sz="6600" b="1" dirty="0" smtClean="0">
+                <a:latin typeface="Euclid Symbol" charset="2"/>
+                <a:cs typeface="Euclid Symbol" charset="2"/>
+                <a:sym typeface="Euclid Symbol" pitchFamily="18" charset="2"/>
+              </a:rPr>
+              <a:t>=</a:t>
             </a:r>
           </a:p>
           <a:p>
@@ -5160,48 +7863,6 @@
               </a:spcBef>
             </a:pPr>
             <a:r>
-              <a:rPr lang="en-US" sz="6600" dirty="0" err="1" smtClean="0">
-                <a:latin typeface="Comic Sans MS" pitchFamily="66" charset="0"/>
-              </a:rPr>
-              <a:t>Pr</a:t>
-            </a:r>
-            <a:r>
-              <a:rPr lang="en-US" sz="6600" dirty="0" smtClean="0">
-                <a:latin typeface="Comic Sans MS" pitchFamily="66" charset="0"/>
-              </a:rPr>
-              <a:t>[Team </a:t>
-            </a:r>
-            <a:r>
-              <a:rPr lang="en-US" sz="6600" dirty="0">
-                <a:latin typeface="Comic Sans MS" pitchFamily="66" charset="0"/>
-              </a:rPr>
-              <a:t>2 </a:t>
-            </a:r>
-            <a:r>
-              <a:rPr lang="en-US" sz="6600" dirty="0" smtClean="0">
-                <a:latin typeface="Comic Sans MS" pitchFamily="66" charset="0"/>
-              </a:rPr>
-              <a:t>wins] </a:t>
-            </a:r>
-            <a:r>
-              <a:rPr lang="en-US" sz="6600" b="1" dirty="0" smtClean="0">
-                <a:latin typeface="Euclid Symbol" charset="2"/>
-                <a:cs typeface="Euclid Symbol" charset="2"/>
-                <a:sym typeface="Euclid Symbol" pitchFamily="18" charset="2"/>
-              </a:rPr>
-              <a:t>=</a:t>
-            </a:r>
-          </a:p>
-          <a:p>
-            <a:pPr>
-              <a:lnSpc>
-                <a:spcPct val="120000"/>
-              </a:lnSpc>
-              <a:spcBef>
-                <a:spcPct val="20000"/>
-              </a:spcBef>
-            </a:pPr>
-            <a:r>
               <a:rPr lang="en-US" sz="6600" dirty="0" smtClean="0">
                 <a:solidFill>
                   <a:srgbClr val="000000"/>
@@ -5215,7 +7876,7 @@
             <a:r>
               <a:rPr lang="en-US" sz="6600" dirty="0" smtClean="0">
                 <a:solidFill>
-                  <a:srgbClr val="660066"/>
+                  <a:srgbClr val="9B2894"/>
                 </a:solidFill>
                 <a:latin typeface="Comic Sans MS"/>
                 <a:cs typeface="Comic Sans MS"/>
@@ -5223,34 +7884,27 @@
               </a:rPr>
               <a:t>optimal</a:t>
             </a:r>
-            <a:endParaRPr lang="en-US" sz="6600" dirty="0">
-              <a:solidFill>
-                <a:srgbClr val="000000"/>
-              </a:solidFill>
-              <a:latin typeface="Comic Sans MS"/>
-              <a:cs typeface="Comic Sans MS"/>
-              <a:sym typeface="Euclid Symbol" pitchFamily="18" charset="2"/>
-            </a:endParaRPr>
-          </a:p>
-          <a:p>
-            <a:pPr>
-              <a:lnSpc>
-                <a:spcPct val="120000"/>
-              </a:lnSpc>
-              <a:spcBef>
-                <a:spcPct val="20000"/>
-              </a:spcBef>
-            </a:pPr>
-            <a:r>
-              <a:rPr lang="en-US" sz="6600" dirty="0" smtClean="0">
-                <a:solidFill>
-                  <a:srgbClr val="000000"/>
+            <a:r>
+              <a:rPr lang="en-US" sz="6600" dirty="0">
+                <a:solidFill>
+                  <a:srgbClr val="9B2894"/>
                 </a:solidFill>
                 <a:latin typeface="Comic Sans MS"/>
                 <a:cs typeface="Comic Sans MS"/>
                 <a:sym typeface="Euclid Symbol" pitchFamily="18" charset="2"/>
               </a:rPr>
-              <a:t>for both teams</a:t>
+              <a:t> </a:t>
+            </a:r>
+            <a:r>
+              <a:rPr lang="en-US" sz="6600" dirty="0" smtClean="0">
+                <a:solidFill>
+                  <a:srgbClr val="000000"/>
+                </a:solidFill>
+                <a:latin typeface="Comic Sans MS"/>
+                <a:cs typeface="Comic Sans MS"/>
+                <a:sym typeface="Euclid Symbol" pitchFamily="18" charset="2"/>
+              </a:rPr>
+              <a:t>for both </a:t>
             </a:r>
             <a:endParaRPr lang="en-US" sz="6600" dirty="0" smtClean="0">
               <a:solidFill>
@@ -5272,20 +7926,20 @@
           <p:nvPr>
             <p:extLst>
               <p:ext uri="{D42A27DB-BD31-4B8C-83A1-F6EECF244321}">
-                <p14:modId xmlns:p14="http://schemas.microsoft.com/office/powerpoint/2010/main" val="2999573345"/>
+                <p14:modId xmlns:p14="http://schemas.microsoft.com/office/powerpoint/2010/main" val="4097593998"/>
               </p:ext>
             </p:extLst>
           </p:nvPr>
         </p:nvGraphicFramePr>
         <p:xfrm>
-          <a:off x="7506044" y="1415923"/>
+          <a:off x="7692310" y="1415922"/>
           <a:ext cx="1129955" cy="2557848"/>
         </p:xfrm>
         <a:graphic>
           <a:graphicData uri="http://schemas.openxmlformats.org/presentationml/2006/ole">
             <mc:AlternateContent xmlns:mc="http://schemas.openxmlformats.org/markup-compatibility/2006">
               <mc:Choice xmlns:v="urn:schemas-microsoft-com:vml" Requires="v">
-                <p:oleObj spid="_x0000_s582663" name="Equation" r:id="rId4" imgW="190440" imgH="431640" progId="Equation.DSMT4">
+                <p:oleObj spid="_x0000_s582670" name="Equation" r:id="rId4" imgW="190440" imgH="431640" progId="Equation.DSMT4">
                   <p:embed/>
                 </p:oleObj>
               </mc:Choice>
@@ -5315,7 +7969,7 @@
                     </p:blipFill>
                     <p:spPr bwMode="auto">
                       <a:xfrm>
-                        <a:off x="7506044" y="1415923"/>
+                        <a:off x="7692310" y="1415922"/>
                         <a:ext cx="1129955" cy="2557848"/>
                       </a:xfrm>
                       <a:prstGeom prst="rect">
@@ -5341,22 +7995,509 @@
   <p:clrMapOvr>
     <a:masterClrMapping/>
   </p:clrMapOvr>
+  <p:transition xmlns:p14="http://schemas.microsoft.com/office/powerpoint/2010/main" spd="slow" advClick="0">
+    <p:fade/>
+  </p:transition>
+  <p:timing>
+    <p:tnLst>
+      <p:par>
+        <p:cTn xmlns:p14="http://schemas.microsoft.com/office/powerpoint/2010/main" id="1" dur="indefinite" restart="never" nodeType="tmRoot"/>
+      </p:par>
+    </p:tnLst>
+  </p:timing>
+</p:sld>
+</file>
+
+<file path=ppt/slides/slide18.xml><?xml version="1.0" encoding="utf-8"?>
+<p:sld xmlns:a="http://schemas.openxmlformats.org/drawingml/2006/main" xmlns:r="http://schemas.openxmlformats.org/officeDocument/2006/relationships" xmlns:p="http://schemas.openxmlformats.org/presentationml/2006/main">
+  <p:cSld>
+    <p:spTree>
+      <p:nvGrpSpPr>
+        <p:cNvPr id="1" name=""/>
+        <p:cNvGrpSpPr/>
+        <p:nvPr/>
+      </p:nvGrpSpPr>
+      <p:grpSpPr>
+        <a:xfrm>
+          <a:off x="0" y="0"/>
+          <a:ext cx="0" cy="0"/>
+          <a:chOff x="0" y="0"/>
+          <a:chExt cx="0" cy="0"/>
+        </a:xfrm>
+      </p:grpSpPr>
+      <p:sp>
+        <p:nvSpPr>
+          <p:cNvPr id="6" name="Slide Number Placeholder 3"/>
+          <p:cNvSpPr>
+            <a:spLocks noGrp="1"/>
+          </p:cNvSpPr>
+          <p:nvPr>
+            <p:ph type="sldNum" sz="quarter" idx="11"/>
+          </p:nvPr>
+        </p:nvSpPr>
+        <p:spPr/>
+        <p:txBody>
+          <a:bodyPr/>
+          <a:lstStyle/>
+          <a:p>
+            <a:pPr>
+              <a:defRPr/>
+            </a:pPr>
+            <a:r>
+              <a:rPr lang="en-US" dirty="0" err="1" smtClean="0"/>
+              <a:t>ranvarindep</a:t>
+            </a:r>
+            <a:r>
+              <a:rPr lang="en-US" dirty="0" smtClean="0"/>
+              <a:t>.</a:t>
+            </a:r>
+            <a:fld id="{D23F9710-1A5A-4DD7-AAD4-90010A12B4AF}" type="slidenum">
+              <a:rPr lang="en-US" smtClean="0"/>
+              <a:pPr>
+                <a:defRPr/>
+              </a:pPr>
+              <a:t>18</a:t>
+            </a:fld>
+            <a:endParaRPr lang="en-US" dirty="0"/>
+          </a:p>
+        </p:txBody>
+      </p:sp>
+      <p:sp>
+        <p:nvSpPr>
+          <p:cNvPr id="27651" name="Rectangle 2"/>
+          <p:cNvSpPr>
+            <a:spLocks noGrp="1" noChangeArrowheads="1"/>
+          </p:cNvSpPr>
+          <p:nvPr>
+            <p:ph type="title" idx="4294967295"/>
+          </p:nvPr>
+        </p:nvSpPr>
+        <p:spPr/>
+        <p:txBody>
+          <a:bodyPr/>
+          <a:lstStyle/>
+          <a:p>
+            <a:pPr eaLnBrk="1" hangingPunct="1"/>
+            <a:r>
+              <a:rPr lang="en-US" smtClean="0"/>
+              <a:t>Random Variables</a:t>
+            </a:r>
+          </a:p>
+        </p:txBody>
+      </p:sp>
+      <p:sp>
+        <p:nvSpPr>
+          <p:cNvPr id="141315" name="Rectangle 3"/>
+          <p:cNvSpPr>
+            <a:spLocks noGrp="1" noChangeArrowheads="1"/>
+          </p:cNvSpPr>
+          <p:nvPr>
+            <p:ph idx="4294967295"/>
+          </p:nvPr>
+        </p:nvSpPr>
+        <p:spPr>
+          <a:xfrm>
+            <a:off x="234950" y="996950"/>
+            <a:ext cx="8662988" cy="4868863"/>
+          </a:xfrm>
+        </p:spPr>
+        <p:txBody>
+          <a:bodyPr/>
+          <a:lstStyle/>
+          <a:p>
+            <a:pPr eaLnBrk="1" hangingPunct="1"/>
+            <a:r>
+              <a:rPr lang="en-US" sz="4400" dirty="0" smtClean="0"/>
+              <a:t>Informally:</a:t>
+            </a:r>
+            <a:r>
+              <a:rPr lang="en-US" sz="4400" dirty="0" smtClean="0">
+                <a:solidFill>
+                  <a:srgbClr val="008000"/>
+                </a:solidFill>
+              </a:rPr>
+              <a:t> </a:t>
+            </a:r>
+            <a:r>
+              <a:rPr lang="en-US" sz="4400" dirty="0" smtClean="0"/>
+              <a:t>an </a:t>
+            </a:r>
+            <a:r>
+              <a:rPr lang="en-US" sz="4400" dirty="0" smtClean="0">
+                <a:solidFill>
+                  <a:srgbClr val="0000FF"/>
+                </a:solidFill>
+              </a:rPr>
+              <a:t>RV</a:t>
+            </a:r>
+            <a:r>
+              <a:rPr lang="en-US" sz="4400" dirty="0" smtClean="0"/>
+              <a:t> is a number produced by a</a:t>
+            </a:r>
+            <a:r>
+              <a:rPr lang="en-US" sz="4400" i="1" dirty="0" smtClean="0"/>
+              <a:t> </a:t>
+            </a:r>
+            <a:r>
+              <a:rPr lang="en-US" sz="4400" dirty="0" smtClean="0">
+                <a:solidFill>
+                  <a:srgbClr val="9B2894"/>
+                </a:solidFill>
+              </a:rPr>
+              <a:t>random process</a:t>
+            </a:r>
+            <a:r>
+              <a:rPr lang="en-US" sz="4400" dirty="0" smtClean="0"/>
+              <a:t>:</a:t>
+            </a:r>
+          </a:p>
+          <a:p>
+            <a:pPr eaLnBrk="1" hangingPunct="1">
+              <a:buFontTx/>
+              <a:buChar char="•"/>
+            </a:pPr>
+            <a:r>
+              <a:rPr lang="en-US" sz="4400" dirty="0" smtClean="0"/>
+              <a:t>threshold variable </a:t>
+            </a:r>
+            <a:r>
+              <a:rPr lang="en-US" sz="4400" dirty="0" smtClean="0">
+                <a:solidFill>
+                  <a:srgbClr val="3333FF"/>
+                </a:solidFill>
+              </a:rPr>
+              <a:t>Z</a:t>
+            </a:r>
+          </a:p>
+          <a:p>
+            <a:pPr eaLnBrk="1" hangingPunct="1">
+              <a:buFontTx/>
+              <a:buChar char="•"/>
+            </a:pPr>
+            <a:r>
+              <a:rPr lang="en-US" sz="4400" dirty="0" smtClean="0"/>
+              <a:t>number </a:t>
+            </a:r>
+            <a:r>
+              <a:rPr lang="en-US" sz="4400" dirty="0"/>
+              <a:t>of exposed card</a:t>
+            </a:r>
+          </a:p>
+          <a:p>
+            <a:pPr eaLnBrk="1" hangingPunct="1">
+              <a:buFontTx/>
+              <a:buChar char="•"/>
+            </a:pPr>
+            <a:r>
+              <a:rPr lang="en-US" sz="4400" dirty="0" smtClean="0"/>
+              <a:t>number of larger card</a:t>
+            </a:r>
+          </a:p>
+          <a:p>
+            <a:pPr eaLnBrk="1" hangingPunct="1">
+              <a:buFontTx/>
+              <a:buChar char="•"/>
+            </a:pPr>
+            <a:r>
+              <a:rPr lang="en-US" sz="4400" dirty="0" smtClean="0"/>
+              <a:t>number of smaller card</a:t>
+            </a:r>
+          </a:p>
+        </p:txBody>
+      </p:sp>
+    </p:spTree>
+    <p:extLst>
+      <p:ext uri="{BB962C8B-B14F-4D97-AF65-F5344CB8AC3E}">
+        <p14:creationId xmlns:p14="http://schemas.microsoft.com/office/powerpoint/2010/main" val="1073367417"/>
+      </p:ext>
+    </p:extLst>
+  </p:cSld>
+  <p:clrMapOvr>
+    <a:masterClrMapping/>
+  </p:clrMapOvr>
   <mc:AlternateContent xmlns:mc="http://schemas.openxmlformats.org/markup-compatibility/2006" xmlns:p14="http://schemas.microsoft.com/office/powerpoint/2010/main">
     <mc:Choice Requires="p14">
-      <p:transition spd="slow" p14:dur="1200">
-        <p:fade/>
+      <p:transition spd="slow" p14:dur="1200" advClick="0">
+        <p:fade thruBlk="1"/>
       </p:transition>
     </mc:Choice>
     <mc:Fallback xmlns="">
-      <p:transition xmlns:p14="http://schemas.microsoft.com/office/powerpoint/2010/main" spd="slow">
-        <p:fade/>
+      <p:transition xmlns:p14="http://schemas.microsoft.com/office/powerpoint/2010/main" spd="slow" advClick="0">
+        <p:fade thruBlk="1"/>
       </p:transition>
     </mc:Fallback>
   </mc:AlternateContent>
   <p:timing>
     <p:tnLst>
       <p:par>
-        <p:cTn xmlns:p14="http://schemas.microsoft.com/office/powerpoint/2010/main" id="1" dur="indefinite" restart="never" nodeType="tmRoot"/>
+        <p:cTn xmlns:p14="http://schemas.microsoft.com/office/powerpoint/2010/main" id="1" dur="indefinite" restart="never" nodeType="tmRoot">
+          <p:childTnLst>
+            <p:seq concurrent="1" nextAc="seek">
+              <p:cTn id="2" dur="indefinite" nodeType="mainSeq">
+                <p:childTnLst>
+                  <p:par>
+                    <p:cTn id="3" fill="hold">
+                      <p:stCondLst>
+                        <p:cond delay="indefinite"/>
+                      </p:stCondLst>
+                      <p:childTnLst>
+                        <p:par>
+                          <p:cTn id="4" fill="hold">
+                            <p:stCondLst>
+                              <p:cond delay="0"/>
+                            </p:stCondLst>
+                            <p:childTnLst>
+                              <p:par>
+                                <p:cTn id="5" presetID="10" presetClass="entr" presetSubtype="0" fill="hold" nodeType="clickEffect">
+                                  <p:stCondLst>
+                                    <p:cond delay="0"/>
+                                  </p:stCondLst>
+                                  <p:childTnLst>
+                                    <p:set>
+                                      <p:cBhvr>
+                                        <p:cTn id="6" dur="1" fill="hold">
+                                          <p:stCondLst>
+                                            <p:cond delay="0"/>
+                                          </p:stCondLst>
+                                        </p:cTn>
+                                        <p:tgtEl>
+                                          <p:spTgt spid="141315">
+                                            <p:txEl>
+                                              <p:pRg st="1" end="1"/>
+                                            </p:txEl>
+                                          </p:spTgt>
+                                        </p:tgtEl>
+                                        <p:attrNameLst>
+                                          <p:attrName>style.visibility</p:attrName>
+                                        </p:attrNameLst>
+                                      </p:cBhvr>
+                                      <p:to>
+                                        <p:strVal val="visible"/>
+                                      </p:to>
+                                    </p:set>
+                                    <p:animEffect transition="in" filter="fade">
+                                      <p:cBhvr>
+                                        <p:cTn id="7" dur="500"/>
+                                        <p:tgtEl>
+                                          <p:spTgt spid="141315">
+                                            <p:txEl>
+                                              <p:pRg st="1" end="1"/>
+                                            </p:txEl>
+                                          </p:spTgt>
+                                        </p:tgtEl>
+                                      </p:cBhvr>
+                                    </p:animEffect>
+                                  </p:childTnLst>
+                                </p:cTn>
+                              </p:par>
+                            </p:childTnLst>
+                          </p:cTn>
+                        </p:par>
+                      </p:childTnLst>
+                    </p:cTn>
+                  </p:par>
+                  <p:par>
+                    <p:cTn id="8" fill="hold">
+                      <p:stCondLst>
+                        <p:cond delay="indefinite"/>
+                      </p:stCondLst>
+                      <p:childTnLst>
+                        <p:par>
+                          <p:cTn id="9" fill="hold">
+                            <p:stCondLst>
+                              <p:cond delay="0"/>
+                            </p:stCondLst>
+                            <p:childTnLst>
+                              <p:par>
+                                <p:cTn id="10" presetID="10" presetClass="entr" presetSubtype="0" fill="hold" nodeType="clickEffect">
+                                  <p:stCondLst>
+                                    <p:cond delay="0"/>
+                                  </p:stCondLst>
+                                  <p:childTnLst>
+                                    <p:set>
+                                      <p:cBhvr>
+                                        <p:cTn id="11" dur="1" fill="hold">
+                                          <p:stCondLst>
+                                            <p:cond delay="0"/>
+                                          </p:stCondLst>
+                                        </p:cTn>
+                                        <p:tgtEl>
+                                          <p:spTgt spid="141315">
+                                            <p:txEl>
+                                              <p:pRg st="2" end="2"/>
+                                            </p:txEl>
+                                          </p:spTgt>
+                                        </p:tgtEl>
+                                        <p:attrNameLst>
+                                          <p:attrName>style.visibility</p:attrName>
+                                        </p:attrNameLst>
+                                      </p:cBhvr>
+                                      <p:to>
+                                        <p:strVal val="visible"/>
+                                      </p:to>
+                                    </p:set>
+                                    <p:animEffect transition="in" filter="fade">
+                                      <p:cBhvr>
+                                        <p:cTn id="12" dur="500"/>
+                                        <p:tgtEl>
+                                          <p:spTgt spid="141315">
+                                            <p:txEl>
+                                              <p:pRg st="2" end="2"/>
+                                            </p:txEl>
+                                          </p:spTgt>
+                                        </p:tgtEl>
+                                      </p:cBhvr>
+                                    </p:animEffect>
+                                  </p:childTnLst>
+                                </p:cTn>
+                              </p:par>
+                            </p:childTnLst>
+                          </p:cTn>
+                        </p:par>
+                      </p:childTnLst>
+                    </p:cTn>
+                  </p:par>
+                  <p:par>
+                    <p:cTn id="13" fill="hold">
+                      <p:stCondLst>
+                        <p:cond delay="indefinite"/>
+                      </p:stCondLst>
+                      <p:childTnLst>
+                        <p:par>
+                          <p:cTn id="14" fill="hold">
+                            <p:stCondLst>
+                              <p:cond delay="0"/>
+                            </p:stCondLst>
+                            <p:childTnLst>
+                              <p:par>
+                                <p:cTn id="15" presetID="10" presetClass="entr" presetSubtype="0" fill="hold" nodeType="clickEffect">
+                                  <p:stCondLst>
+                                    <p:cond delay="0"/>
+                                  </p:stCondLst>
+                                  <p:childTnLst>
+                                    <p:set>
+                                      <p:cBhvr>
+                                        <p:cTn id="16" dur="1" fill="hold">
+                                          <p:stCondLst>
+                                            <p:cond delay="0"/>
+                                          </p:stCondLst>
+                                        </p:cTn>
+                                        <p:tgtEl>
+                                          <p:spTgt spid="141315">
+                                            <p:txEl>
+                                              <p:pRg st="3" end="3"/>
+                                            </p:txEl>
+                                          </p:spTgt>
+                                        </p:tgtEl>
+                                        <p:attrNameLst>
+                                          <p:attrName>style.visibility</p:attrName>
+                                        </p:attrNameLst>
+                                      </p:cBhvr>
+                                      <p:to>
+                                        <p:strVal val="visible"/>
+                                      </p:to>
+                                    </p:set>
+                                    <p:animEffect transition="in" filter="fade">
+                                      <p:cBhvr>
+                                        <p:cTn id="17" dur="500"/>
+                                        <p:tgtEl>
+                                          <p:spTgt spid="141315">
+                                            <p:txEl>
+                                              <p:pRg st="3" end="3"/>
+                                            </p:txEl>
+                                          </p:spTgt>
+                                        </p:tgtEl>
+                                      </p:cBhvr>
+                                    </p:animEffect>
+                                  </p:childTnLst>
+                                </p:cTn>
+                              </p:par>
+                            </p:childTnLst>
+                          </p:cTn>
+                        </p:par>
+                      </p:childTnLst>
+                    </p:cTn>
+                  </p:par>
+                  <p:par>
+                    <p:cTn id="18" fill="hold">
+                      <p:stCondLst>
+                        <p:cond delay="indefinite"/>
+                      </p:stCondLst>
+                      <p:childTnLst>
+                        <p:par>
+                          <p:cTn id="19" fill="hold">
+                            <p:stCondLst>
+                              <p:cond delay="0"/>
+                            </p:stCondLst>
+                            <p:childTnLst>
+                              <p:par>
+                                <p:cTn id="20" presetID="10" presetClass="entr" presetSubtype="0" fill="hold" nodeType="clickEffect">
+                                  <p:stCondLst>
+                                    <p:cond delay="0"/>
+                                  </p:stCondLst>
+                                  <p:childTnLst>
+                                    <p:set>
+                                      <p:cBhvr>
+                                        <p:cTn id="21" dur="1" fill="hold">
+                                          <p:stCondLst>
+                                            <p:cond delay="0"/>
+                                          </p:stCondLst>
+                                        </p:cTn>
+                                        <p:tgtEl>
+                                          <p:spTgt spid="141315">
+                                            <p:txEl>
+                                              <p:pRg st="4" end="4"/>
+                                            </p:txEl>
+                                          </p:spTgt>
+                                        </p:tgtEl>
+                                        <p:attrNameLst>
+                                          <p:attrName>style.visibility</p:attrName>
+                                        </p:attrNameLst>
+                                      </p:cBhvr>
+                                      <p:to>
+                                        <p:strVal val="visible"/>
+                                      </p:to>
+                                    </p:set>
+                                    <p:animEffect transition="in" filter="fade">
+                                      <p:cBhvr>
+                                        <p:cTn id="22" dur="500"/>
+                                        <p:tgtEl>
+                                          <p:spTgt spid="141315">
+                                            <p:txEl>
+                                              <p:pRg st="4" end="4"/>
+                                            </p:txEl>
+                                          </p:spTgt>
+                                        </p:tgtEl>
+                                      </p:cBhvr>
+                                    </p:animEffect>
+                                  </p:childTnLst>
+                                </p:cTn>
+                              </p:par>
+                            </p:childTnLst>
+                          </p:cTn>
+                        </p:par>
+                      </p:childTnLst>
+                    </p:cTn>
+                  </p:par>
+                </p:childTnLst>
+              </p:cTn>
+              <p:prevCondLst>
+                <p:cond evt="onPrev" delay="0">
+                  <p:tgtEl>
+                    <p:sldTgt/>
+                  </p:tgtEl>
+                </p:cond>
+              </p:prevCondLst>
+              <p:nextCondLst>
+                <p:cond evt="onNext" delay="0">
+                  <p:tgtEl>
+                    <p:sldTgt/>
+                  </p:tgtEl>
+                </p:cond>
+              </p:nextCondLst>
+            </p:seq>
+          </p:childTnLst>
+        </p:cTn>
       </p:par>
     </p:tnLst>
   </p:timing>
@@ -5399,12 +8540,12 @@
               <a:defRPr/>
             </a:pPr>
             <a:r>
-              <a:rPr lang="en-US" dirty="0" err="1"/>
-              <a:t>lec</a:t>
+              <a:rPr lang="en-US" dirty="0" err="1" smtClean="0"/>
+              <a:t>ranvarbigger</a:t>
             </a:r>
             <a:r>
               <a:rPr lang="en-US" dirty="0" smtClean="0"/>
-              <a:t> 12W.</a:t>
+              <a:t>.</a:t>
             </a:r>
             <a:fld id="{29635E03-FCDF-4257-96EB-6C762F5E2419}" type="slidenum">
               <a:rPr lang="en-US" smtClean="0"/>
@@ -5490,18 +8631,31 @@
             </a:pPr>
             <a:r>
               <a:rPr lang="en-US" sz="3200" dirty="0" smtClean="0"/>
-              <a:t>Write different integers between 0 and </a:t>
-            </a:r>
-          </a:p>
-          <a:p>
-            <a:pPr lvl="1" eaLnBrk="1" hangingPunct="1">
-              <a:lnSpc>
-                <a:spcPct val="90000"/>
-              </a:lnSpc>
-            </a:pPr>
+              <a:t>Write two integers from </a:t>
+            </a:r>
+            <a:r>
+              <a:rPr lang="en-US" sz="3200" dirty="0" smtClean="0">
+                <a:solidFill>
+                  <a:srgbClr val="3333FF"/>
+                </a:solidFill>
+              </a:rPr>
+              <a:t>0</a:t>
+            </a:r>
             <a:r>
               <a:rPr lang="en-US" sz="3200" dirty="0" smtClean="0"/>
-              <a:t>     7 on two pieces of paper</a:t>
+              <a:t> to </a:t>
+            </a:r>
+            <a:r>
+              <a:rPr lang="en-US" sz="3200" dirty="0" smtClean="0">
+                <a:solidFill>
+                  <a:srgbClr val="3333FF"/>
+                </a:solidFill>
+              </a:rPr>
+              <a:t>7</a:t>
+            </a:r>
+            <a:r>
+              <a:rPr lang="en-US" sz="3200" dirty="0" smtClean="0"/>
+              <a:t> on two pieces of paper</a:t>
             </a:r>
           </a:p>
           <a:p>
@@ -5514,7 +8668,19 @@
             </a:pPr>
             <a:r>
               <a:rPr lang="en-US" sz="3200" dirty="0" smtClean="0"/>
-              <a:t>Show to Team 2 face down</a:t>
+              <a:t>Show to </a:t>
+            </a:r>
+            <a:r>
+              <a:rPr lang="en-US" sz="3200" dirty="0" smtClean="0">
+                <a:solidFill>
+                  <a:srgbClr val="006600"/>
+                </a:solidFill>
+              </a:rPr>
+              <a:t>Team 2</a:t>
+            </a:r>
+            <a:r>
+              <a:rPr lang="en-US" sz="3200" dirty="0" smtClean="0"/>
+              <a:t> face down</a:t>
             </a:r>
           </a:p>
           <a:p>
@@ -5561,7 +8727,11 @@
               <a:t>Either </a:t>
             </a:r>
             <a:r>
-              <a:rPr lang="en-US" sz="3200" i="1" dirty="0" smtClean="0"/>
+              <a:rPr lang="en-US" sz="3200" dirty="0" smtClean="0">
+                <a:solidFill>
+                  <a:srgbClr val="9B2894"/>
+                </a:solidFill>
+              </a:rPr>
               <a:t>stick</a:t>
             </a:r>
             <a:r>
@@ -5569,7 +8739,11 @@
               <a:t> or </a:t>
             </a:r>
             <a:r>
-              <a:rPr lang="en-US" sz="3200" i="1" dirty="0" smtClean="0"/>
+              <a:rPr lang="en-US" sz="3200" dirty="0" smtClean="0">
+                <a:solidFill>
+                  <a:srgbClr val="9B2894"/>
+                </a:solidFill>
+              </a:rPr>
               <a:t>switch</a:t>
             </a:r>
             <a:r>
@@ -5633,7 +8807,7 @@
   <p:clrMapOvr>
     <a:masterClrMapping/>
   </p:clrMapOvr>
-  <p:transition xmlns:p14="http://schemas.microsoft.com/office/powerpoint/2010/main" spd="slow">
+  <p:transition xmlns:p14="http://schemas.microsoft.com/office/powerpoint/2010/main" spd="slow" advClick="0">
     <p:fade thruBlk="1"/>
   </p:transition>
   <p:timing>
@@ -5648,9 +8822,6 @@
                     <p:cTn id="3" fill="hold">
                       <p:stCondLst>
                         <p:cond delay="indefinite"/>
-                        <p:cond evt="onBegin" delay="0">
-                          <p:tn val="2"/>
-                        </p:cond>
                       </p:stCondLst>
                       <p:childTnLst>
                         <p:par>
@@ -5660,7 +8831,7 @@
                             </p:stCondLst>
                             <p:childTnLst>
                               <p:par>
-                                <p:cTn id="5" presetID="10" presetClass="entr" presetSubtype="0" fill="hold" nodeType="withEffect">
+                                <p:cTn id="5" presetID="10" presetClass="entr" presetSubtype="0" fill="hold" nodeType="clickEffect">
                                   <p:stCondLst>
                                     <p:cond delay="0"/>
                                   </p:stCondLst>
@@ -5952,67 +9123,6 @@
                       </p:childTnLst>
                     </p:cTn>
                   </p:par>
-                  <p:par>
-                    <p:cTn id="28" fill="hold">
-                      <p:stCondLst>
-                        <p:cond delay="indefinite"/>
-                      </p:stCondLst>
-                      <p:childTnLst>
-                        <p:par>
-                          <p:cTn id="29" fill="hold">
-                            <p:stCondLst>
-                              <p:cond delay="0"/>
-                            </p:stCondLst>
-                            <p:childTnLst>
-                              <p:par>
-                                <p:cTn id="30" presetID="10" presetClass="entr" presetSubtype="0" fill="hold" nodeType="clickEffect">
-                                  <p:stCondLst>
-                                    <p:cond delay="0"/>
-                                  </p:stCondLst>
-                                  <p:childTnLst>
-                                    <p:set>
-                                      <p:cBhvr>
-                                        <p:cTn id="31" dur="1" fill="hold">
-                                          <p:stCondLst>
-                                            <p:cond delay="0"/>
-                                          </p:stCondLst>
-                                        </p:cTn>
-                                        <p:tgtEl>
-                                          <p:spTgt spid="19461">
-                                            <p:txEl>
-                                              <p:pRg st="7" end="7"/>
-                                            </p:txEl>
-                                          </p:spTgt>
-                                        </p:tgtEl>
-                                        <p:attrNameLst>
-                                          <p:attrName>style.visibility</p:attrName>
-                                        </p:attrNameLst>
-                                      </p:cBhvr>
-                                      <p:to>
-                                        <p:strVal val="visible"/>
-                                      </p:to>
-                                    </p:set>
-                                    <p:animEffect transition="in" filter="fade">
-                                      <p:cBhvr>
-                                        <p:cTn id="32" dur="500"/>
-                                        <p:tgtEl>
-                                          <p:spTgt spid="19461">
-                                            <p:txEl>
-                                              <p:pRg st="7" end="7"/>
-                                            </p:txEl>
-                                          </p:spTgt>
-                                        </p:tgtEl>
-                                      </p:cBhvr>
-                                    </p:animEffect>
-                                  </p:childTnLst>
-                                </p:cTn>
-                              </p:par>
-                            </p:childTnLst>
-                          </p:cTn>
-                        </p:par>
-                      </p:childTnLst>
-                    </p:cTn>
-                  </p:par>
                 </p:childTnLst>
               </p:cTn>
               <p:prevCondLst>
@@ -6039,7 +9149,7 @@
 </file>
 
 <file path=ppt/slides/slide3.xml><?xml version="1.0" encoding="utf-8"?>
-<p:sld xmlns:a="http://schemas.openxmlformats.org/drawingml/2006/main" xmlns:r="http://schemas.openxmlformats.org/officeDocument/2006/relationships" xmlns:p="http://schemas.openxmlformats.org/presentationml/2006/main" show="0">
+<p:sld xmlns:a="http://schemas.openxmlformats.org/drawingml/2006/main" xmlns:r="http://schemas.openxmlformats.org/officeDocument/2006/relationships" xmlns:p="http://schemas.openxmlformats.org/presentationml/2006/main">
   <p:cSld>
     <p:spTree>
       <p:nvGrpSpPr>
@@ -6074,12 +9184,12 @@
               <a:defRPr/>
             </a:pPr>
             <a:r>
-              <a:rPr lang="en-US" dirty="0" err="1"/>
-              <a:t>lec</a:t>
+              <a:rPr lang="en-US" dirty="0" err="1" smtClean="0"/>
+              <a:t>ranvarbigger</a:t>
             </a:r>
             <a:r>
               <a:rPr lang="en-US" dirty="0" smtClean="0"/>
-              <a:t> 12W.</a:t>
+              <a:t>.</a:t>
             </a:r>
             <a:fld id="{7E781BB2-0009-4685-941F-B9830CAD66CE}" type="slidenum">
               <a:rPr lang="en-US" smtClean="0"/>
@@ -6104,8 +9214,8 @@
         </p:nvSpPr>
         <p:spPr>
           <a:xfrm>
-            <a:off x="762000" y="304800"/>
-            <a:ext cx="7543800" cy="1143000"/>
+            <a:off x="986368" y="42335"/>
+            <a:ext cx="7056967" cy="973667"/>
           </a:xfrm>
         </p:spPr>
         <p:txBody>
@@ -6114,7 +9224,7 @@
           <a:p>
             <a:pPr eaLnBrk="1" hangingPunct="1"/>
             <a:r>
-              <a:rPr lang="en-US" sz="3600" smtClean="0"/>
+              <a:rPr lang="en-US" sz="3600" dirty="0" smtClean="0"/>
               <a:t>Guess the Bigger Number</a:t>
             </a:r>
           </a:p>
@@ -6122,43 +9232,32 @@
       </p:sp>
       <p:sp>
         <p:nvSpPr>
-          <p:cNvPr id="24581" name="Rectangle 3"/>
-          <p:cNvSpPr>
-            <a:spLocks noChangeArrowheads="1"/>
-          </p:cNvSpPr>
+          <p:cNvPr id="2" name="TextBox 1"/>
+          <p:cNvSpPr txBox="1"/>
           <p:nvPr/>
         </p:nvSpPr>
-        <p:spPr bwMode="auto">
+        <p:spPr>
           <a:xfrm>
-            <a:off x="2039938" y="2803525"/>
-            <a:ext cx="5045075" cy="1311275"/>
+            <a:off x="427566" y="976453"/>
+            <a:ext cx="8288867" cy="1323439"/>
           </a:xfrm>
           <a:prstGeom prst="rect">
             <a:avLst/>
           </a:prstGeom>
           <a:noFill/>
-          <a:ln w="9525">
-            <a:noFill/>
-            <a:miter lim="800000"/>
-            <a:headEnd/>
-            <a:tailEnd/>
-          </a:ln>
         </p:spPr>
         <p:txBody>
-          <a:bodyPr wrap="none">
+          <a:bodyPr wrap="square" rtlCol="0">
             <a:spAutoFit/>
           </a:bodyPr>
           <a:lstStyle/>
           <a:p>
             <a:r>
-              <a:rPr lang="en-US" sz="8000">
+              <a:rPr lang="en-US" sz="4000" dirty="0" smtClean="0">
                 <a:latin typeface="Comic Sans MS" pitchFamily="66" charset="0"/>
               </a:rPr>
-              <a:t>Try it out!</a:t>
-            </a:r>
-            <a:endParaRPr lang="en-US" sz="4000">
-              <a:latin typeface="Comic Sans MS" pitchFamily="66" charset="0"/>
-            </a:endParaRPr>
+              <a:t>Do you think one team has an advantage?</a:t>
+            </a:r>
           </a:p>
         </p:txBody>
       </p:sp>
@@ -6167,7 +9266,9 @@
   <p:clrMapOvr>
     <a:masterClrMapping/>
   </p:clrMapOvr>
-  <p:transition xmlns:p14="http://schemas.microsoft.com/office/powerpoint/2010/main"/>
+  <p:transition xmlns:p14="http://schemas.microsoft.com/office/powerpoint/2010/main" spd="slow" advClick="0">
+    <p:fade/>
+  </p:transition>
   <p:timing>
     <p:tnLst>
       <p:par>
@@ -6214,19 +9315,330 @@
               <a:defRPr/>
             </a:pPr>
             <a:r>
-              <a:rPr lang="en-US" dirty="0" err="1"/>
-              <a:t>lec</a:t>
+              <a:rPr lang="en-US" dirty="0" err="1" smtClean="0"/>
+              <a:t>ranvarbigger</a:t>
             </a:r>
             <a:r>
               <a:rPr lang="en-US" dirty="0" smtClean="0"/>
-              <a:t> 12W.</a:t>
+              <a:t>.</a:t>
+            </a:r>
+            <a:fld id="{7E781BB2-0009-4685-941F-B9830CAD66CE}" type="slidenum">
+              <a:rPr lang="en-US" smtClean="0"/>
+              <a:pPr>
+                <a:defRPr/>
+              </a:pPr>
+              <a:t>4</a:t>
+            </a:fld>
+            <a:endParaRPr lang="en-US" dirty="0"/>
+          </a:p>
+        </p:txBody>
+      </p:sp>
+      <p:sp>
+        <p:nvSpPr>
+          <p:cNvPr id="24580" name="Rectangle 2"/>
+          <p:cNvSpPr>
+            <a:spLocks noGrp="1" noChangeArrowheads="1"/>
+          </p:cNvSpPr>
+          <p:nvPr>
+            <p:ph type="title" idx="4294967295"/>
+          </p:nvPr>
+        </p:nvSpPr>
+        <p:spPr>
+          <a:xfrm>
+            <a:off x="986368" y="42335"/>
+            <a:ext cx="7056967" cy="973667"/>
+          </a:xfrm>
+        </p:spPr>
+        <p:txBody>
+          <a:bodyPr/>
+          <a:lstStyle/>
+          <a:p>
+            <a:pPr eaLnBrk="1" hangingPunct="1"/>
+            <a:r>
+              <a:rPr lang="en-US" sz="3600" dirty="0" smtClean="0"/>
+              <a:t>Guess the Bigger Number</a:t>
+            </a:r>
+          </a:p>
+        </p:txBody>
+      </p:sp>
+      <p:sp>
+        <p:nvSpPr>
+          <p:cNvPr id="2" name="TextBox 1"/>
+          <p:cNvSpPr txBox="1"/>
+          <p:nvPr/>
+        </p:nvSpPr>
+        <p:spPr>
+          <a:xfrm>
+            <a:off x="427566" y="976453"/>
+            <a:ext cx="8288867" cy="4401205"/>
+          </a:xfrm>
+          <a:prstGeom prst="rect">
+            <a:avLst/>
+          </a:prstGeom>
+          <a:noFill/>
+        </p:spPr>
+        <p:txBody>
+          <a:bodyPr wrap="square" rtlCol="0">
+            <a:spAutoFit/>
+          </a:bodyPr>
+          <a:lstStyle/>
+          <a:p>
+            <a:r>
+              <a:rPr lang="en-US" sz="4000" dirty="0" smtClean="0">
+                <a:latin typeface="Comic Sans MS" pitchFamily="66" charset="0"/>
+              </a:rPr>
+              <a:t>Do you think one team has an advantage?  Which one?</a:t>
+            </a:r>
+          </a:p>
+          <a:p>
+            <a:endParaRPr lang="en-US" sz="4000" dirty="0" smtClean="0">
+              <a:latin typeface="Comic Sans MS" pitchFamily="66" charset="0"/>
+            </a:endParaRPr>
+          </a:p>
+          <a:p>
+            <a:r>
+              <a:rPr lang="en-US" sz="4000" dirty="0" smtClean="0">
+                <a:latin typeface="Comic Sans MS" pitchFamily="66" charset="0"/>
+              </a:rPr>
+              <a:t>You </a:t>
+            </a:r>
+            <a:r>
+              <a:rPr lang="en-US" sz="4000" dirty="0">
+                <a:latin typeface="Comic Sans MS" pitchFamily="66" charset="0"/>
+              </a:rPr>
+              <a:t>might like to try </a:t>
+            </a:r>
+            <a:r>
+              <a:rPr lang="en-US" sz="4000" dirty="0" smtClean="0">
+                <a:latin typeface="Comic Sans MS" pitchFamily="66" charset="0"/>
+              </a:rPr>
+              <a:t>playing the game a few times with some teammates before seeing the</a:t>
+            </a:r>
+          </a:p>
+          <a:p>
+            <a:r>
+              <a:rPr lang="en-US" sz="4000" dirty="0" smtClean="0">
+                <a:latin typeface="Comic Sans MS" pitchFamily="66" charset="0"/>
+              </a:rPr>
+              <a:t>answers below.</a:t>
+            </a:r>
+            <a:endParaRPr lang="en-US" sz="1600" dirty="0">
+              <a:latin typeface="Comic Sans MS" pitchFamily="66" charset="0"/>
+            </a:endParaRPr>
+          </a:p>
+        </p:txBody>
+      </p:sp>
+    </p:spTree>
+    <p:extLst>
+      <p:ext uri="{BB962C8B-B14F-4D97-AF65-F5344CB8AC3E}">
+        <p14:creationId xmlns:p14="http://schemas.microsoft.com/office/powerpoint/2010/main" val="2520272548"/>
+      </p:ext>
+    </p:extLst>
+  </p:cSld>
+  <p:clrMapOvr>
+    <a:masterClrMapping/>
+  </p:clrMapOvr>
+  <mc:AlternateContent xmlns:mc="http://schemas.openxmlformats.org/markup-compatibility/2006" xmlns:p14="http://schemas.microsoft.com/office/powerpoint/2010/main">
+    <mc:Choice Requires="p14">
+      <p:transition spd="med" p14:dur="700" advClick="0">
+        <p:fade/>
+      </p:transition>
+    </mc:Choice>
+    <mc:Fallback xmlns="">
+      <p:transition xmlns:p14="http://schemas.microsoft.com/office/powerpoint/2010/main" spd="med" advClick="0">
+        <p:fade/>
+      </p:transition>
+    </mc:Fallback>
+  </mc:AlternateContent>
+  <p:timing>
+    <p:tnLst>
+      <p:par>
+        <p:cTn xmlns:p14="http://schemas.microsoft.com/office/powerpoint/2010/main" id="1" dur="indefinite" restart="never" nodeType="tmRoot">
+          <p:childTnLst>
+            <p:seq concurrent="1" nextAc="seek">
+              <p:cTn id="2" dur="indefinite" nodeType="mainSeq">
+                <p:childTnLst>
+                  <p:par>
+                    <p:cTn id="3" fill="hold">
+                      <p:stCondLst>
+                        <p:cond delay="indefinite"/>
+                      </p:stCondLst>
+                      <p:childTnLst>
+                        <p:par>
+                          <p:cTn id="4" fill="hold">
+                            <p:stCondLst>
+                              <p:cond delay="0"/>
+                            </p:stCondLst>
+                            <p:childTnLst>
+                              <p:par>
+                                <p:cTn id="5" presetID="10" presetClass="entr" presetSubtype="0" fill="hold" grpId="0" nodeType="clickEffect">
+                                  <p:stCondLst>
+                                    <p:cond delay="0"/>
+                                  </p:stCondLst>
+                                  <p:childTnLst>
+                                    <p:set>
+                                      <p:cBhvr>
+                                        <p:cTn id="6" dur="1" fill="hold">
+                                          <p:stCondLst>
+                                            <p:cond delay="0"/>
+                                          </p:stCondLst>
+                                        </p:cTn>
+                                        <p:tgtEl>
+                                          <p:spTgt spid="2">
+                                            <p:txEl>
+                                              <p:pRg st="2" end="2"/>
+                                            </p:txEl>
+                                          </p:spTgt>
+                                        </p:tgtEl>
+                                        <p:attrNameLst>
+                                          <p:attrName>style.visibility</p:attrName>
+                                        </p:attrNameLst>
+                                      </p:cBhvr>
+                                      <p:to>
+                                        <p:strVal val="visible"/>
+                                      </p:to>
+                                    </p:set>
+                                    <p:animEffect transition="in" filter="fade">
+                                      <p:cBhvr>
+                                        <p:cTn id="7" dur="500"/>
+                                        <p:tgtEl>
+                                          <p:spTgt spid="2">
+                                            <p:txEl>
+                                              <p:pRg st="2" end="2"/>
+                                            </p:txEl>
+                                          </p:spTgt>
+                                        </p:tgtEl>
+                                      </p:cBhvr>
+                                    </p:animEffect>
+                                  </p:childTnLst>
+                                </p:cTn>
+                              </p:par>
+                              <p:par>
+                                <p:cTn id="8" presetID="10" presetClass="entr" presetSubtype="0" fill="hold" grpId="0" nodeType="withEffect">
+                                  <p:stCondLst>
+                                    <p:cond delay="0"/>
+                                  </p:stCondLst>
+                                  <p:childTnLst>
+                                    <p:set>
+                                      <p:cBhvr>
+                                        <p:cTn id="9" dur="1" fill="hold">
+                                          <p:stCondLst>
+                                            <p:cond delay="0"/>
+                                          </p:stCondLst>
+                                        </p:cTn>
+                                        <p:tgtEl>
+                                          <p:spTgt spid="2">
+                                            <p:txEl>
+                                              <p:pRg st="3" end="3"/>
+                                            </p:txEl>
+                                          </p:spTgt>
+                                        </p:tgtEl>
+                                        <p:attrNameLst>
+                                          <p:attrName>style.visibility</p:attrName>
+                                        </p:attrNameLst>
+                                      </p:cBhvr>
+                                      <p:to>
+                                        <p:strVal val="visible"/>
+                                      </p:to>
+                                    </p:set>
+                                    <p:animEffect transition="in" filter="fade">
+                                      <p:cBhvr>
+                                        <p:cTn id="10" dur="500"/>
+                                        <p:tgtEl>
+                                          <p:spTgt spid="2">
+                                            <p:txEl>
+                                              <p:pRg st="3" end="3"/>
+                                            </p:txEl>
+                                          </p:spTgt>
+                                        </p:tgtEl>
+                                      </p:cBhvr>
+                                    </p:animEffect>
+                                  </p:childTnLst>
+                                </p:cTn>
+                              </p:par>
+                            </p:childTnLst>
+                          </p:cTn>
+                        </p:par>
+                      </p:childTnLst>
+                    </p:cTn>
+                  </p:par>
+                </p:childTnLst>
+              </p:cTn>
+              <p:prevCondLst>
+                <p:cond evt="onPrev" delay="0">
+                  <p:tgtEl>
+                    <p:sldTgt/>
+                  </p:tgtEl>
+                </p:cond>
+              </p:prevCondLst>
+              <p:nextCondLst>
+                <p:cond evt="onNext" delay="0">
+                  <p:tgtEl>
+                    <p:sldTgt/>
+                  </p:tgtEl>
+                </p:cond>
+              </p:nextCondLst>
+            </p:seq>
+          </p:childTnLst>
+        </p:cTn>
+      </p:par>
+    </p:tnLst>
+    <p:bldLst>
+      <p:bldP spid="2" grpId="0" build="p"/>
+    </p:bldLst>
+  </p:timing>
+</p:sld>
+</file>
+
+<file path=ppt/slides/slide5.xml><?xml version="1.0" encoding="utf-8"?>
+<p:sld xmlns:a="http://schemas.openxmlformats.org/drawingml/2006/main" xmlns:r="http://schemas.openxmlformats.org/officeDocument/2006/relationships" xmlns:p="http://schemas.openxmlformats.org/presentationml/2006/main">
+  <p:cSld>
+    <p:spTree>
+      <p:nvGrpSpPr>
+        <p:cNvPr id="1" name=""/>
+        <p:cNvGrpSpPr/>
+        <p:nvPr/>
+      </p:nvGrpSpPr>
+      <p:grpSpPr>
+        <a:xfrm>
+          <a:off x="0" y="0"/>
+          <a:ext cx="0" cy="0"/>
+          <a:chOff x="0" y="0"/>
+          <a:chExt cx="0" cy="0"/>
+        </a:xfrm>
+      </p:grpSpPr>
+      <p:sp>
+        <p:nvSpPr>
+          <p:cNvPr id="6" name="Slide Number Placeholder 3"/>
+          <p:cNvSpPr>
+            <a:spLocks noGrp="1"/>
+          </p:cNvSpPr>
+          <p:nvPr>
+            <p:ph type="sldNum" sz="quarter" idx="11"/>
+          </p:nvPr>
+        </p:nvSpPr>
+        <p:spPr/>
+        <p:txBody>
+          <a:bodyPr/>
+          <a:lstStyle/>
+          <a:p>
+            <a:pPr>
+              <a:defRPr/>
+            </a:pPr>
+            <a:r>
+              <a:rPr lang="en-US" dirty="0" err="1" smtClean="0"/>
+              <a:t>ranvarbigger</a:t>
+            </a:r>
+            <a:r>
+              <a:rPr lang="en-US" dirty="0" smtClean="0"/>
+              <a:t>.</a:t>
             </a:r>
             <a:fld id="{8C735B2F-117E-467F-AA86-C8CA26EAB274}" type="slidenum">
               <a:rPr lang="en-US" smtClean="0"/>
               <a:pPr>
                 <a:defRPr/>
               </a:pPr>
-              <a:t>4</a:t>
+              <a:t>5</a:t>
             </a:fld>
             <a:endParaRPr lang="en-US" dirty="0"/>
           </a:p>
@@ -6254,8 +9666,16 @@
           <a:p>
             <a:pPr eaLnBrk="1" hangingPunct="1"/>
             <a:r>
-              <a:rPr lang="en-US" smtClean="0"/>
-              <a:t>Strategy for Team 2</a:t>
+              <a:rPr lang="en-US" dirty="0" smtClean="0"/>
+              <a:t>Strategy for </a:t>
+            </a:r>
+            <a:r>
+              <a:rPr lang="en-US" dirty="0" smtClean="0">
+                <a:solidFill>
+                  <a:srgbClr val="006600"/>
+                </a:solidFill>
+              </a:rPr>
+              <a:t>Team 2</a:t>
             </a:r>
           </a:p>
         </p:txBody>
@@ -6328,7 +9748,7 @@
             <a:r>
               <a:rPr lang="en-US" dirty="0" smtClean="0">
                 <a:solidFill>
-                  <a:srgbClr val="3333FF"/>
+                  <a:srgbClr val="FF00FF"/>
                 </a:solidFill>
               </a:rPr>
               <a:t>Z</a:t>
@@ -6364,7 +9784,7 @@
             <a:r>
               <a:rPr lang="en-US" dirty="0" smtClean="0">
                 <a:solidFill>
-                  <a:srgbClr val="3333FF"/>
+                  <a:srgbClr val="FF00FF"/>
                 </a:solidFill>
               </a:rPr>
               <a:t>Z</a:t>
@@ -6383,15 +9803,16 @@
             </a:r>
             <a:r>
               <a:rPr lang="en-US" dirty="0" smtClean="0"/>
-              <a:t> integer, 0 </a:t>
-            </a:r>
-            <a:r>
-              <a:rPr lang="en-US" b="1" dirty="0" smtClean="0">
-                <a:latin typeface="Euclid Symbol" charset="2"/>
-                <a:cs typeface="Euclid Symbol" charset="2"/>
-                <a:sym typeface="Euclid Symbol" pitchFamily="18" charset="2"/>
-              </a:rPr>
-              <a:t>≤</a:t>
+              <a:t> integer </a:t>
+            </a:r>
+            <a:r>
+              <a:rPr lang="en-US" sz="4400" dirty="0" smtClean="0">
+                <a:solidFill>
+                  <a:srgbClr val="3333FF"/>
+                </a:solidFill>
+                <a:latin typeface="CambriaMath"/>
+              </a:rPr>
+              <a:t>∊</a:t>
             </a:r>
             <a:r>
               <a:rPr lang="en-US" dirty="0" smtClean="0">
@@ -6399,35 +9820,7 @@
                   <a:srgbClr val="3333FF"/>
                 </a:solidFill>
               </a:rPr>
-              <a:t> Z</a:t>
-            </a:r>
-            <a:r>
-              <a:rPr lang="en-US" dirty="0" smtClean="0">
-                <a:solidFill>
-                  <a:srgbClr val="0000FF"/>
-                </a:solidFill>
-              </a:rPr>
-              <a:t> </a:t>
-            </a:r>
-            <a:r>
-              <a:rPr lang="en-US" b="1" dirty="0" smtClean="0">
-                <a:latin typeface="Euclid Symbol" charset="2"/>
-                <a:cs typeface="Euclid Symbol" charset="2"/>
-                <a:sym typeface="Euclid Symbol" pitchFamily="18" charset="2"/>
-              </a:rPr>
-              <a:t>≤</a:t>
-            </a:r>
-            <a:r>
-              <a:rPr lang="en-US" dirty="0" smtClean="0">
-                <a:solidFill>
-                  <a:srgbClr val="0000FF"/>
-                </a:solidFill>
-              </a:rPr>
-              <a:t> </a:t>
-            </a:r>
-            <a:r>
-              <a:rPr lang="en-US" dirty="0" smtClean="0"/>
-              <a:t>6.</a:t>
+              <a:t> [0,7)</a:t>
             </a:r>
           </a:p>
         </p:txBody>
@@ -6437,8 +9830,8 @@
   <p:clrMapOvr>
     <a:masterClrMapping/>
   </p:clrMapOvr>
-  <p:transition xmlns:p14="http://schemas.microsoft.com/office/powerpoint/2010/main">
-    <p:fade thruBlk="1"/>
+  <p:transition xmlns:p14="http://schemas.microsoft.com/office/powerpoint/2010/main" spd="slow" advClick="0">
+    <p:fade/>
   </p:transition>
   <p:timing>
     <p:tnLst>
@@ -6720,7 +10113,7 @@
 </p:sld>
 </file>
 
-<file path=ppt/slides/slide5.xml><?xml version="1.0" encoding="utf-8"?>
+<file path=ppt/slides/slide6.xml><?xml version="1.0" encoding="utf-8"?>
 <p:sld xmlns:a="http://schemas.openxmlformats.org/drawingml/2006/main" xmlns:r="http://schemas.openxmlformats.org/officeDocument/2006/relationships" xmlns:p="http://schemas.openxmlformats.org/presentationml/2006/main">
   <p:cSld>
     <p:spTree>
@@ -6756,19 +10149,19 @@
               <a:defRPr/>
             </a:pPr>
             <a:r>
-              <a:rPr lang="en-US" dirty="0" err="1"/>
-              <a:t>lec</a:t>
+              <a:rPr lang="en-US" dirty="0" err="1" smtClean="0"/>
+              <a:t>ranvarbigger</a:t>
             </a:r>
             <a:r>
               <a:rPr lang="en-US" dirty="0" smtClean="0"/>
-              <a:t> 12W.</a:t>
+              <a:t>.</a:t>
             </a:r>
             <a:fld id="{DC9731CB-2F8A-470A-AADF-931B7CDAF7AD}" type="slidenum">
               <a:rPr lang="en-US" smtClean="0"/>
               <a:pPr>
                 <a:defRPr/>
               </a:pPr>
-              <a:t>5</a:t>
+              <a:t>6</a:t>
             </a:fld>
             <a:endParaRPr lang="en-US" dirty="0"/>
           </a:p>
@@ -6796,8 +10189,20 @@
           <a:p>
             <a:pPr eaLnBrk="1" hangingPunct="1"/>
             <a:r>
-              <a:rPr lang="en-US" smtClean="0"/>
-              <a:t>Analysis of Team 2 Strategy</a:t>
+              <a:rPr lang="en-US" dirty="0" smtClean="0"/>
+              <a:t>Analysis of </a:t>
+            </a:r>
+            <a:r>
+              <a:rPr lang="en-US" dirty="0" smtClean="0">
+                <a:solidFill>
+                  <a:srgbClr val="006600"/>
+                </a:solidFill>
+              </a:rPr>
+              <a:t>Team 2</a:t>
+            </a:r>
+            <a:r>
+              <a:rPr lang="en-US" dirty="0" smtClean="0"/>
+              <a:t> Strategy</a:t>
             </a:r>
           </a:p>
         </p:txBody>
@@ -6814,8 +10219,8 @@
         </p:nvSpPr>
         <p:spPr>
           <a:xfrm>
-            <a:off x="381000" y="1600200"/>
-            <a:ext cx="8305800" cy="3962400"/>
+            <a:off x="177802" y="1998149"/>
+            <a:ext cx="8813800" cy="3014118"/>
           </a:xfrm>
         </p:spPr>
         <p:txBody>
@@ -6828,44 +10233,44 @@
               </a:lnSpc>
             </a:pPr>
             <a:r>
-              <a:rPr lang="en-US" sz="4800" dirty="0" smtClean="0"/>
-              <a:t>Case M: low </a:t>
-            </a:r>
-            <a:r>
-              <a:rPr lang="en-US" sz="4800" b="1" dirty="0" smtClean="0">
+              <a:rPr lang="en-US" sz="5400" dirty="0" smtClean="0"/>
+              <a:t>Let </a:t>
+            </a:r>
+            <a:r>
+              <a:rPr lang="en-US" sz="5400" dirty="0">
+                <a:solidFill>
+                  <a:srgbClr val="0000FF"/>
+                </a:solidFill>
+              </a:rPr>
+              <a:t>low</a:t>
+            </a:r>
+            <a:r>
+              <a:rPr lang="en-US" sz="5400" dirty="0"/>
+              <a:t> </a:t>
+            </a:r>
+            <a:r>
+              <a:rPr lang="en-US" sz="5400" b="1" dirty="0" smtClean="0">
                 <a:latin typeface="Euclid Symbol" charset="2"/>
                 <a:cs typeface="Euclid Symbol" charset="2"/>
                 <a:sym typeface="Euclid Symbol" pitchFamily="18" charset="2"/>
               </a:rPr>
-              <a:t>≤</a:t>
-            </a:r>
-            <a:r>
-              <a:rPr lang="en-US" sz="4800" dirty="0" smtClean="0"/>
+              <a:t>&lt;</a:t>
+            </a:r>
+            <a:r>
+              <a:rPr lang="en-US" sz="5400" dirty="0" smtClean="0"/>
               <a:t> </a:t>
             </a:r>
             <a:r>
-              <a:rPr lang="en-US" sz="4800" dirty="0" smtClean="0">
+              <a:rPr lang="en-US" sz="5400" dirty="0" smtClean="0">
                 <a:solidFill>
                   <a:srgbClr val="3333FF"/>
                 </a:solidFill>
               </a:rPr>
-              <a:t>Z</a:t>
-            </a:r>
-            <a:r>
-              <a:rPr lang="en-US" sz="4800" dirty="0" smtClean="0"/>
-              <a:t> </a:t>
-            </a:r>
-            <a:r>
-              <a:rPr lang="en-US" sz="4800" b="1" dirty="0" smtClean="0">
-                <a:latin typeface="Euclid Symbol" charset="2"/>
-                <a:cs typeface="Euclid Symbol" charset="2"/>
-                <a:sym typeface="Euclid Symbol" pitchFamily="18" charset="2"/>
-              </a:rPr>
-              <a:t>&lt;</a:t>
-            </a:r>
-            <a:r>
-              <a:rPr lang="en-US" sz="4800" dirty="0" smtClean="0"/>
-              <a:t> high </a:t>
+              <a:t>high </a:t>
+            </a:r>
+            <a:r>
+              <a:rPr lang="en-US" sz="5400" dirty="0" smtClean="0"/>
+              <a:t>be the </a:t>
             </a:r>
           </a:p>
           <a:p>
@@ -6875,8 +10280,20 @@
               </a:lnSpc>
             </a:pPr>
             <a:r>
-              <a:rPr lang="en-US" sz="4800" dirty="0" smtClean="0"/>
-              <a:t>Team 2 wins in this case, so</a:t>
+              <a:rPr lang="en-US" sz="5400" dirty="0" smtClean="0"/>
+              <a:t>integers chosen by </a:t>
+            </a:r>
+            <a:r>
+              <a:rPr lang="en-US" sz="5400" dirty="0" smtClean="0">
+                <a:solidFill>
+                  <a:srgbClr val="3333FF"/>
+                </a:solidFill>
+              </a:rPr>
+              <a:t>Team 1</a:t>
+            </a:r>
+            <a:r>
+              <a:rPr lang="en-US" sz="5400" dirty="0" smtClean="0"/>
+              <a:t>.</a:t>
             </a:r>
           </a:p>
           <a:p>
@@ -6886,24 +10303,392 @@
               </a:lnSpc>
             </a:pPr>
             <a:r>
+              <a:rPr lang="en-US" sz="5400" dirty="0" smtClean="0"/>
+              <a:t>There are three cases: </a:t>
+            </a:r>
+            <a:endParaRPr lang="en-US" sz="5400" dirty="0" smtClean="0">
+              <a:solidFill>
+                <a:srgbClr val="3333FF"/>
+              </a:solidFill>
+            </a:endParaRPr>
+          </a:p>
+        </p:txBody>
+      </p:sp>
+    </p:spTree>
+  </p:cSld>
+  <p:clrMapOvr>
+    <a:masterClrMapping/>
+  </p:clrMapOvr>
+  <mc:AlternateContent xmlns:mc="http://schemas.openxmlformats.org/markup-compatibility/2006" xmlns:p14="http://schemas.microsoft.com/office/powerpoint/2010/main">
+    <mc:Choice Requires="p14">
+      <p:transition spd="slow" p14:dur="1200" advClick="0">
+        <p:fade thruBlk="1"/>
+      </p:transition>
+    </mc:Choice>
+    <mc:Fallback xmlns="">
+      <p:transition xmlns:p14="http://schemas.microsoft.com/office/powerpoint/2010/main" spd="slow" advClick="0">
+        <p:fade thruBlk="1"/>
+      </p:transition>
+    </mc:Fallback>
+  </mc:AlternateContent>
+  <p:timing>
+    <p:tnLst>
+      <p:par>
+        <p:cTn xmlns:p14="http://schemas.microsoft.com/office/powerpoint/2010/main" id="1" dur="indefinite" restart="never" nodeType="tmRoot">
+          <p:childTnLst>
+            <p:seq concurrent="1" nextAc="seek">
+              <p:cTn id="2" dur="indefinite" nodeType="mainSeq">
+                <p:childTnLst>
+                  <p:par>
+                    <p:cTn id="3" fill="hold">
+                      <p:stCondLst>
+                        <p:cond delay="indefinite"/>
+                      </p:stCondLst>
+                      <p:childTnLst>
+                        <p:par>
+                          <p:cTn id="4" fill="hold">
+                            <p:stCondLst>
+                              <p:cond delay="0"/>
+                            </p:stCondLst>
+                            <p:childTnLst>
+                              <p:par>
+                                <p:cTn id="5" presetID="10" presetClass="entr" presetSubtype="0" fill="hold" grpId="0" nodeType="clickEffect">
+                                  <p:stCondLst>
+                                    <p:cond delay="0"/>
+                                  </p:stCondLst>
+                                  <p:childTnLst>
+                                    <p:set>
+                                      <p:cBhvr>
+                                        <p:cTn id="6" dur="1" fill="hold">
+                                          <p:stCondLst>
+                                            <p:cond delay="0"/>
+                                          </p:stCondLst>
+                                        </p:cTn>
+                                        <p:tgtEl>
+                                          <p:spTgt spid="135171"/>
+                                        </p:tgtEl>
+                                        <p:attrNameLst>
+                                          <p:attrName>style.visibility</p:attrName>
+                                        </p:attrNameLst>
+                                      </p:cBhvr>
+                                      <p:to>
+                                        <p:strVal val="visible"/>
+                                      </p:to>
+                                    </p:set>
+                                    <p:animEffect transition="in" filter="fade">
+                                      <p:cBhvr>
+                                        <p:cTn id="7" dur="500"/>
+                                        <p:tgtEl>
+                                          <p:spTgt spid="135171"/>
+                                        </p:tgtEl>
+                                      </p:cBhvr>
+                                    </p:animEffect>
+                                  </p:childTnLst>
+                                </p:cTn>
+                              </p:par>
+                            </p:childTnLst>
+                          </p:cTn>
+                        </p:par>
+                      </p:childTnLst>
+                    </p:cTn>
+                  </p:par>
+                </p:childTnLst>
+              </p:cTn>
+              <p:prevCondLst>
+                <p:cond evt="onPrev" delay="0">
+                  <p:tgtEl>
+                    <p:sldTgt/>
+                  </p:tgtEl>
+                </p:cond>
+              </p:prevCondLst>
+              <p:nextCondLst>
+                <p:cond evt="onNext" delay="0">
+                  <p:tgtEl>
+                    <p:sldTgt/>
+                  </p:tgtEl>
+                </p:cond>
+              </p:nextCondLst>
+            </p:seq>
+          </p:childTnLst>
+        </p:cTn>
+      </p:par>
+    </p:tnLst>
+    <p:bldLst>
+      <p:bldP spid="135171" grpId="0"/>
+    </p:bldLst>
+  </p:timing>
+</p:sld>
+</file>
+
+<file path=ppt/slides/slide7.xml><?xml version="1.0" encoding="utf-8"?>
+<p:sld xmlns:a="http://schemas.openxmlformats.org/drawingml/2006/main" xmlns:r="http://schemas.openxmlformats.org/officeDocument/2006/relationships" xmlns:p="http://schemas.openxmlformats.org/presentationml/2006/main">
+  <p:cSld>
+    <p:spTree>
+      <p:nvGrpSpPr>
+        <p:cNvPr id="1" name=""/>
+        <p:cNvGrpSpPr/>
+        <p:nvPr/>
+      </p:nvGrpSpPr>
+      <p:grpSpPr>
+        <a:xfrm>
+          <a:off x="0" y="0"/>
+          <a:ext cx="0" cy="0"/>
+          <a:chOff x="0" y="0"/>
+          <a:chExt cx="0" cy="0"/>
+        </a:xfrm>
+      </p:grpSpPr>
+      <p:sp>
+        <p:nvSpPr>
+          <p:cNvPr id="6" name="Slide Number Placeholder 3"/>
+          <p:cNvSpPr>
+            <a:spLocks noGrp="1"/>
+          </p:cNvSpPr>
+          <p:nvPr>
+            <p:ph type="sldNum" sz="quarter" idx="11"/>
+          </p:nvPr>
+        </p:nvSpPr>
+        <p:spPr/>
+        <p:txBody>
+          <a:bodyPr/>
+          <a:lstStyle/>
+          <a:p>
+            <a:pPr>
+              <a:defRPr/>
+            </a:pPr>
+            <a:r>
+              <a:rPr lang="en-US" dirty="0" err="1" smtClean="0"/>
+              <a:t>ranvarbigger</a:t>
+            </a:r>
+            <a:r>
+              <a:rPr lang="en-US" dirty="0" smtClean="0"/>
+              <a:t>.</a:t>
+            </a:r>
+            <a:fld id="{DC9731CB-2F8A-470A-AADF-931B7CDAF7AD}" type="slidenum">
+              <a:rPr lang="en-US" smtClean="0"/>
+              <a:pPr>
+                <a:defRPr/>
+              </a:pPr>
+              <a:t>7</a:t>
+            </a:fld>
+            <a:endParaRPr lang="en-US" dirty="0"/>
+          </a:p>
+        </p:txBody>
+      </p:sp>
+      <p:sp>
+        <p:nvSpPr>
+          <p:cNvPr id="1028" name="Rectangle 2"/>
+          <p:cNvSpPr>
+            <a:spLocks noGrp="1" noChangeArrowheads="1"/>
+          </p:cNvSpPr>
+          <p:nvPr>
+            <p:ph type="title" idx="4294967295"/>
+          </p:nvPr>
+        </p:nvSpPr>
+        <p:spPr>
+          <a:xfrm>
+            <a:off x="1143000" y="228600"/>
+            <a:ext cx="7543800" cy="1143000"/>
+          </a:xfrm>
+        </p:spPr>
+        <p:txBody>
+          <a:bodyPr/>
+          <a:lstStyle/>
+          <a:p>
+            <a:pPr eaLnBrk="1" hangingPunct="1"/>
+            <a:r>
+              <a:rPr lang="en-US" dirty="0" smtClean="0"/>
+              <a:t>Analysis of </a:t>
+            </a:r>
+            <a:r>
+              <a:rPr lang="en-US" dirty="0" smtClean="0">
+                <a:solidFill>
+                  <a:srgbClr val="006600"/>
+                </a:solidFill>
+              </a:rPr>
+              <a:t>Team 2</a:t>
+            </a:r>
+            <a:r>
+              <a:rPr lang="en-US" dirty="0" smtClean="0"/>
+              <a:t> Strategy</a:t>
+            </a:r>
+          </a:p>
+        </p:txBody>
+      </p:sp>
+      <p:sp>
+        <p:nvSpPr>
+          <p:cNvPr id="135171" name="Rectangle 3"/>
+          <p:cNvSpPr>
+            <a:spLocks noGrp="1" noChangeArrowheads="1"/>
+          </p:cNvSpPr>
+          <p:nvPr>
+            <p:ph idx="4294967295"/>
+          </p:nvPr>
+        </p:nvSpPr>
+        <p:spPr>
+          <a:xfrm>
+            <a:off x="499538" y="1507062"/>
+            <a:ext cx="8153400" cy="4004737"/>
+          </a:xfrm>
+        </p:spPr>
+        <p:txBody>
+          <a:bodyPr/>
+          <a:lstStyle/>
+          <a:p>
+            <a:pPr eaLnBrk="1" hangingPunct="1">
+              <a:lnSpc>
+                <a:spcPct val="90000"/>
+              </a:lnSpc>
+            </a:pPr>
+            <a:r>
+              <a:rPr lang="en-US" sz="4800" dirty="0" smtClean="0"/>
+              <a:t>Case </a:t>
+            </a:r>
+            <a:r>
+              <a:rPr lang="en-US" sz="4800" dirty="0" smtClean="0">
+                <a:solidFill>
+                  <a:srgbClr val="9B2894"/>
+                </a:solidFill>
+              </a:rPr>
+              <a:t>M</a:t>
+            </a:r>
+            <a:r>
+              <a:rPr lang="en-US" sz="4800" dirty="0" smtClean="0"/>
+              <a:t>:  </a:t>
+            </a:r>
+            <a:r>
+              <a:rPr lang="en-US" sz="4800" dirty="0" smtClean="0">
+                <a:solidFill>
+                  <a:srgbClr val="3333FF"/>
+                </a:solidFill>
+              </a:rPr>
+              <a:t>low </a:t>
+            </a:r>
+            <a:r>
+              <a:rPr lang="en-US" sz="4800" b="1" dirty="0" smtClean="0">
+                <a:solidFill>
+                  <a:srgbClr val="3333FF"/>
+                </a:solidFill>
+                <a:latin typeface="Euclid Symbol" charset="2"/>
+                <a:cs typeface="Euclid Symbol" charset="2"/>
+                <a:sym typeface="Euclid Symbol" pitchFamily="18" charset="2"/>
+              </a:rPr>
+              <a:t>≤</a:t>
+            </a:r>
+            <a:r>
+              <a:rPr lang="en-US" sz="4800" dirty="0" smtClean="0">
+                <a:solidFill>
+                  <a:srgbClr val="3333FF"/>
+                </a:solidFill>
+              </a:rPr>
+              <a:t> </a:t>
+            </a:r>
+            <a:r>
+              <a:rPr lang="en-US" sz="4800" dirty="0" smtClean="0">
+                <a:solidFill>
+                  <a:srgbClr val="FF00FF"/>
+                </a:solidFill>
+              </a:rPr>
+              <a:t>Z</a:t>
+            </a:r>
+            <a:r>
+              <a:rPr lang="en-US" sz="4800" dirty="0" smtClean="0">
+                <a:solidFill>
+                  <a:srgbClr val="3333FF"/>
+                </a:solidFill>
+              </a:rPr>
+              <a:t> </a:t>
+            </a:r>
+            <a:r>
+              <a:rPr lang="en-US" sz="4800" b="1" dirty="0" smtClean="0">
+                <a:solidFill>
+                  <a:srgbClr val="3333FF"/>
+                </a:solidFill>
+                <a:latin typeface="Euclid Symbol" charset="2"/>
+                <a:cs typeface="Euclid Symbol" charset="2"/>
+                <a:sym typeface="Euclid Symbol" pitchFamily="18" charset="2"/>
+              </a:rPr>
+              <a:t>&lt;</a:t>
+            </a:r>
+            <a:r>
+              <a:rPr lang="en-US" sz="4800" dirty="0" smtClean="0">
+                <a:solidFill>
+                  <a:srgbClr val="3333FF"/>
+                </a:solidFill>
+              </a:rPr>
+              <a:t> high</a:t>
+            </a:r>
+            <a:r>
+              <a:rPr lang="en-US" sz="4800" dirty="0" smtClean="0"/>
+              <a:t> </a:t>
+            </a:r>
+          </a:p>
+          <a:p>
+            <a:pPr eaLnBrk="1" hangingPunct="1">
+              <a:lnSpc>
+                <a:spcPct val="90000"/>
+              </a:lnSpc>
+            </a:pPr>
+            <a:r>
+              <a:rPr lang="en-US" sz="4800" dirty="0" smtClean="0">
+                <a:solidFill>
+                  <a:srgbClr val="006600"/>
+                </a:solidFill>
+              </a:rPr>
+              <a:t>Team 2</a:t>
+            </a:r>
+            <a:r>
+              <a:rPr lang="en-US" sz="4800" dirty="0" smtClean="0"/>
+              <a:t> wins in this case, so</a:t>
+            </a:r>
+          </a:p>
+          <a:p>
+            <a:pPr eaLnBrk="1" hangingPunct="1">
+              <a:lnSpc>
+                <a:spcPct val="90000"/>
+              </a:lnSpc>
+            </a:pPr>
+            <a:r>
               <a:rPr lang="en-US" sz="4800" dirty="0" err="1" smtClean="0"/>
               <a:t>Pr</a:t>
             </a:r>
             <a:r>
               <a:rPr lang="en-US" sz="4800" dirty="0" smtClean="0"/>
-              <a:t>[Team </a:t>
+              <a:t>[</a:t>
+            </a:r>
+            <a:r>
+              <a:rPr lang="en-US" sz="4800" dirty="0" smtClean="0">
+                <a:solidFill>
+                  <a:srgbClr val="006600"/>
+                </a:solidFill>
+              </a:rPr>
+              <a:t>Team 2</a:t>
             </a:r>
             <a:r>
               <a:rPr lang="en-US" sz="4800" dirty="0" smtClean="0"/>
-              <a:t>2 wins | </a:t>
+              <a:t> wins | </a:t>
+            </a:r>
+            <a:r>
+              <a:rPr lang="en-US" sz="4800" dirty="0" smtClean="0">
+                <a:solidFill>
+                  <a:srgbClr val="9B2894"/>
+                </a:solidFill>
+              </a:rPr>
+              <a:t>M</a:t>
             </a:r>
             <a:r>
               <a:rPr lang="en-US" sz="4800" dirty="0" smtClean="0"/>
-              <a:t>M] </a:t>
+              <a:t>] </a:t>
+            </a:r>
+            <a:r>
+              <a:rPr lang="en-US" sz="4800" b="1" dirty="0" smtClean="0">
+                <a:latin typeface="Euclid Symbol" charset="2"/>
+                <a:cs typeface="Euclid Symbol" charset="2"/>
+              </a:rPr>
+              <a:t>=</a:t>
             </a:r>
             <a:r>
               <a:rPr lang="en-US" sz="4800" dirty="0" smtClean="0"/>
-              <a:t>= </a:t>
+              <a:t> </a:t>
             </a:r>
             <a:r>
               <a:rPr lang="en-US" sz="4800" dirty="0" smtClean="0">
@@ -6929,7 +10714,7 @@
             </a:r>
             <a:r>
               <a:rPr lang="en-US" sz="4800" dirty="0" smtClean="0"/>
-              <a:t> </a:t>
+              <a:t>      </a:t>
             </a:r>
             <a:r>
               <a:rPr lang="en-US" sz="4800" dirty="0" err="1" smtClean="0"/>
@@ -6937,7 +10722,19 @@
             </a:r>
             <a:r>
               <a:rPr lang="en-US" sz="4800" dirty="0" smtClean="0"/>
-              <a:t>[M] </a:t>
+              <a:t>[</a:t>
+            </a:r>
+            <a:r>
+              <a:rPr lang="en-US" sz="4800" dirty="0" smtClean="0">
+                <a:solidFill>
+                  <a:srgbClr val="9B2894"/>
+                </a:solidFill>
+              </a:rPr>
+              <a:t>M</a:t>
+            </a:r>
+            <a:r>
+              <a:rPr lang="en-US" sz="4800" dirty="0" smtClean="0"/>
+              <a:t>] </a:t>
             </a:r>
             <a:r>
               <a:rPr lang="en-US" sz="4800" b="1" dirty="0" smtClean="0">
@@ -6964,17 +10761,23 @@
           <p:cNvGraphicFramePr>
             <a:graphicFrameLocks noChangeAspect="1"/>
           </p:cNvGraphicFramePr>
-          <p:nvPr/>
+          <p:nvPr>
+            <p:extLst>
+              <p:ext uri="{D42A27DB-BD31-4B8C-83A1-F6EECF244321}">
+                <p14:modId xmlns:p14="http://schemas.microsoft.com/office/powerpoint/2010/main" val="1652885088"/>
+              </p:ext>
+            </p:extLst>
+          </p:nvPr>
         </p:nvGraphicFramePr>
         <p:xfrm>
-          <a:off x="4138613" y="3648196"/>
+          <a:off x="5290125" y="3571993"/>
           <a:ext cx="812800" cy="2063750"/>
         </p:xfrm>
         <a:graphic>
           <a:graphicData uri="http://schemas.openxmlformats.org/presentationml/2006/ole">
             <mc:AlternateContent xmlns:mc="http://schemas.openxmlformats.org/markup-compatibility/2006">
               <mc:Choice xmlns:v="urn:schemas-microsoft-com:vml" Requires="v">
-                <p:oleObj spid="_x0000_s1050" name="Equation" r:id="rId4" imgW="164880" imgH="419040" progId="Equation.DSMT4">
+                <p:oleObj spid="_x0000_s583689" name="Equation" r:id="rId4" imgW="164880" imgH="419040" progId="Equation.DSMT4">
                   <p:embed/>
                 </p:oleObj>
               </mc:Choice>
@@ -6983,7 +10786,7 @@
                   <p:embed/>
                   <p:pic>
                     <p:nvPicPr>
-                      <p:cNvPr id="0" name="Object 6"/>
+                      <p:cNvPr id="0" name=""/>
                       <p:cNvPicPr>
                         <a:picLocks noChangeAspect="1" noChangeArrowheads="1"/>
                       </p:cNvPicPr>
@@ -7004,7 +10807,7 @@
                     </p:blipFill>
                     <p:spPr bwMode="auto">
                       <a:xfrm>
-                        <a:off x="4138613" y="3648196"/>
+                        <a:off x="5290125" y="3571993"/>
                         <a:ext cx="812800" cy="2063750"/>
                       </a:xfrm>
                       <a:prstGeom prst="rect">
@@ -7029,13 +10832,27 @@
         </a:graphic>
       </p:graphicFrame>
     </p:spTree>
+    <p:extLst>
+      <p:ext uri="{BB962C8B-B14F-4D97-AF65-F5344CB8AC3E}">
+        <p14:creationId xmlns:p14="http://schemas.microsoft.com/office/powerpoint/2010/main" val="892739993"/>
+      </p:ext>
+    </p:extLst>
   </p:cSld>
   <p:clrMapOvr>
     <a:masterClrMapping/>
   </p:clrMapOvr>
-  <p:transition xmlns:p14="http://schemas.microsoft.com/office/powerpoint/2010/main" spd="med">
-    <p:fade thruBlk="1"/>
-  </p:transition>
+  <mc:AlternateContent xmlns:mc="http://schemas.openxmlformats.org/markup-compatibility/2006" xmlns:p14="http://schemas.microsoft.com/office/powerpoint/2010/main">
+    <mc:Choice Requires="p14">
+      <p:transition spd="slow" p14:dur="1200" advClick="0">
+        <p:fade thruBlk="1"/>
+      </p:transition>
+    </mc:Choice>
+    <mc:Fallback xmlns="">
+      <p:transition xmlns:p14="http://schemas.microsoft.com/office/powerpoint/2010/main" spd="slow" advClick="0">
+        <p:fade thruBlk="1"/>
+      </p:transition>
+    </mc:Fallback>
+  </mc:AlternateContent>
   <p:timing>
     <p:tnLst>
       <p:par>
@@ -7231,7 +11048,7 @@
                             </p:stCondLst>
                             <p:childTnLst>
                               <p:par>
-                                <p:cTn id="19" presetID="10" presetClass="entr" presetSubtype="0" fill="hold" nodeType="afterEffect">
+                                <p:cTn id="19" presetID="22" presetClass="entr" presetSubtype="8" fill="hold" nodeType="afterEffect">
                                   <p:stCondLst>
                                     <p:cond delay="0"/>
                                   </p:stCondLst>
@@ -7254,7 +11071,7 @@
                                         <p:strVal val="visible"/>
                                       </p:to>
                                     </p:set>
-                                    <p:animEffect transition="in" filter="fade">
+                                    <p:animEffect transition="in" filter="wipe(left)">
                                       <p:cBhvr>
                                         <p:cTn id="21" dur="500"/>
                                         <p:tgtEl>
@@ -7296,7 +11113,7 @@
 </p:sld>
 </file>
 
-<file path=ppt/slides/slide6.xml><?xml version="1.0" encoding="utf-8"?>
+<file path=ppt/slides/slide8.xml><?xml version="1.0" encoding="utf-8"?>
 <p:sld xmlns:a="http://schemas.openxmlformats.org/drawingml/2006/main" xmlns:r="http://schemas.openxmlformats.org/officeDocument/2006/relationships" xmlns:p="http://schemas.openxmlformats.org/presentationml/2006/main">
   <p:cSld>
     <p:spTree>
@@ -7332,19 +11149,19 @@
               <a:defRPr/>
             </a:pPr>
             <a:r>
-              <a:rPr lang="en-US" dirty="0" err="1"/>
-              <a:t>lec</a:t>
+              <a:rPr lang="en-US" dirty="0" err="1" smtClean="0"/>
+              <a:t>ranvarbigger</a:t>
             </a:r>
             <a:r>
               <a:rPr lang="en-US" dirty="0" smtClean="0"/>
-              <a:t> 12W.</a:t>
+              <a:t>.</a:t>
             </a:r>
             <a:fld id="{DE5972EA-EB66-4458-A91F-67F065CCE3C5}" type="slidenum">
               <a:rPr lang="en-US" smtClean="0"/>
               <a:pPr>
                 <a:defRPr/>
               </a:pPr>
-              <a:t>6</a:t>
+              <a:t>8</a:t>
             </a:fld>
             <a:endParaRPr lang="en-US" dirty="0"/>
           </a:p>
@@ -7372,8 +11189,20 @@
           <a:p>
             <a:pPr eaLnBrk="1" hangingPunct="1"/>
             <a:r>
-              <a:rPr lang="en-US" smtClean="0"/>
-              <a:t>Analysis of Team 2 Strategy</a:t>
+              <a:rPr lang="en-US" dirty="0" smtClean="0"/>
+              <a:t>Analysis of </a:t>
+            </a:r>
+            <a:r>
+              <a:rPr lang="en-US" dirty="0" smtClean="0">
+                <a:solidFill>
+                  <a:srgbClr val="006600"/>
+                </a:solidFill>
+              </a:rPr>
+              <a:t>Team 2</a:t>
+            </a:r>
+            <a:r>
+              <a:rPr lang="en-US" dirty="0" smtClean="0"/>
+              <a:t> Strategy</a:t>
             </a:r>
           </a:p>
         </p:txBody>
@@ -7390,8 +11219,8 @@
         </p:nvSpPr>
         <p:spPr>
           <a:xfrm>
-            <a:off x="274638" y="1446213"/>
-            <a:ext cx="8458200" cy="3810000"/>
+            <a:off x="494780" y="1446213"/>
+            <a:ext cx="8124295" cy="3904720"/>
           </a:xfrm>
         </p:spPr>
         <p:txBody>
@@ -7401,10 +11230,33 @@
             <a:pPr eaLnBrk="1" hangingPunct="1"/>
             <a:r>
               <a:rPr lang="en-US" sz="4800" dirty="0" smtClean="0"/>
-              <a:t>Case H: high </a:t>
+              <a:t>Case </a:t>
             </a:r>
             <a:r>
               <a:rPr lang="en-US" sz="4800" b="1" dirty="0" smtClean="0">
+                <a:solidFill>
+                  <a:srgbClr val="9B2894"/>
+                </a:solidFill>
+              </a:rPr>
+              <a:t>H</a:t>
+            </a:r>
+            <a:r>
+              <a:rPr lang="en-US" sz="4800" dirty="0" smtClean="0"/>
+              <a:t>:    </a:t>
+            </a:r>
+            <a:r>
+              <a:rPr lang="en-US" sz="4800" dirty="0" smtClean="0">
+                <a:solidFill>
+                  <a:srgbClr val="3333FF"/>
+                </a:solidFill>
+              </a:rPr>
+              <a:t>high </a:t>
+            </a:r>
+            <a:r>
+              <a:rPr lang="en-US" sz="4800" b="1" dirty="0" smtClean="0">
+                <a:solidFill>
+                  <a:srgbClr val="3333FF"/>
+                </a:solidFill>
                 <a:latin typeface="Euclid Symbol" charset="2"/>
                 <a:cs typeface="Euclid Symbol" charset="2"/>
                 <a:sym typeface="Euclid Symbol" pitchFamily="18" charset="2"/>
@@ -7418,18 +11270,25 @@
             <a:r>
               <a:rPr lang="en-US" sz="4800" dirty="0" smtClean="0">
                 <a:solidFill>
-                  <a:srgbClr val="3333FF"/>
+                  <a:srgbClr val="FF00FF"/>
                 </a:solidFill>
               </a:rPr>
               <a:t>Z</a:t>
             </a:r>
-            <a:endParaRPr lang="en-US" sz="4800" dirty="0" smtClean="0"/>
           </a:p>
           <a:p>
             <a:pPr eaLnBrk="1" hangingPunct="1"/>
             <a:r>
+              <a:rPr lang="en-US" sz="4400" dirty="0" smtClean="0">
+                <a:solidFill>
+                  <a:srgbClr val="006600"/>
+                </a:solidFill>
+              </a:rPr>
+              <a:t>Team 2</a:t>
+            </a:r>
+            <a:r>
               <a:rPr lang="en-US" sz="4400" dirty="0" smtClean="0"/>
-              <a:t>Team 2 will switch, so wins </a:t>
+              <a:t> will switch, so wins </a:t>
             </a:r>
             <a:r>
               <a:rPr lang="en-US" sz="4400" dirty="0" err="1" smtClean="0"/>
@@ -7437,7 +11296,19 @@
             </a:r>
             <a:r>
               <a:rPr lang="en-US" sz="4400" dirty="0" smtClean="0"/>
-              <a:t> low card gets exposed</a:t>
+              <a:t> </a:t>
+            </a:r>
+            <a:r>
+              <a:rPr lang="en-US" sz="4400" dirty="0" smtClean="0">
+                <a:solidFill>
+                  <a:srgbClr val="3333FF"/>
+                </a:solidFill>
+              </a:rPr>
+              <a:t>low</a:t>
+            </a:r>
+            <a:r>
+              <a:rPr lang="en-US" sz="4400" dirty="0" smtClean="0"/>
+              <a:t> card gets exposed</a:t>
             </a:r>
           </a:p>
           <a:p>
@@ -7459,15 +11330,31 @@
             </a:r>
             <a:r>
               <a:rPr lang="en-US" sz="4500" dirty="0" smtClean="0"/>
-              <a:t>[Team </a:t>
+              <a:t>[</a:t>
+            </a:r>
+            <a:r>
+              <a:rPr lang="en-US" sz="4500" dirty="0" smtClean="0">
+                <a:solidFill>
+                  <a:srgbClr val="006600"/>
+                </a:solidFill>
+              </a:rPr>
+              <a:t>Team 2</a:t>
             </a:r>
             <a:r>
               <a:rPr lang="en-US" sz="4500" dirty="0" smtClean="0"/>
-              <a:t>2 wins | </a:t>
+              <a:t> wins | </a:t>
+            </a:r>
+            <a:r>
+              <a:rPr lang="en-US" sz="4500" b="1" dirty="0" smtClean="0">
+                <a:solidFill>
+                  <a:srgbClr val="9B2894"/>
+                </a:solidFill>
+              </a:rPr>
+              <a:t>H</a:t>
             </a:r>
             <a:r>
               <a:rPr lang="en-US" sz="4500" dirty="0" smtClean="0"/>
-              <a:t>H]</a:t>
+              <a:t>]</a:t>
             </a:r>
             <a:r>
               <a:rPr lang="en-US" sz="4500" dirty="0" smtClean="0">
@@ -7478,9 +11365,13 @@
               <a:t> </a:t>
             </a:r>
             <a:r>
-              <a:rPr lang="en-US" sz="4500" dirty="0" smtClean="0"/>
+              <a:rPr lang="en-US" sz="4400" b="1" dirty="0">
+                <a:latin typeface="Euclid Symbol" charset="2"/>
+                <a:cs typeface="Euclid Symbol" charset="2"/>
+              </a:rPr>
               <a:t>=</a:t>
             </a:r>
+            <a:endParaRPr lang="en-US" sz="4500" dirty="0" smtClean="0"/>
           </a:p>
         </p:txBody>
       </p:sp>
@@ -7490,17 +11381,23 @@
           <p:cNvGraphicFramePr>
             <a:graphicFrameLocks noChangeAspect="1"/>
           </p:cNvGraphicFramePr>
-          <p:nvPr/>
+          <p:nvPr>
+            <p:extLst>
+              <p:ext uri="{D42A27DB-BD31-4B8C-83A1-F6EECF244321}">
+                <p14:modId xmlns:p14="http://schemas.microsoft.com/office/powerpoint/2010/main" val="3471098634"/>
+              </p:ext>
+            </p:extLst>
+          </p:nvPr>
         </p:nvGraphicFramePr>
         <p:xfrm>
-          <a:off x="6624638" y="3157538"/>
+          <a:off x="6988719" y="3250675"/>
           <a:ext cx="750887" cy="2063750"/>
         </p:xfrm>
         <a:graphic>
           <a:graphicData uri="http://schemas.openxmlformats.org/presentationml/2006/ole">
             <mc:AlternateContent xmlns:mc="http://schemas.openxmlformats.org/markup-compatibility/2006">
               <mc:Choice xmlns:v="urn:schemas-microsoft-com:vml" Requires="v">
-                <p:oleObj spid="_x0000_s2074" name="Equation" r:id="rId4" imgW="152280" imgH="419040" progId="Equation.DSMT4">
+                <p:oleObj spid="_x0000_s2084" name="Equation" r:id="rId4" imgW="152280" imgH="419040" progId="Equation.DSMT4">
                   <p:embed/>
                 </p:oleObj>
               </mc:Choice>
@@ -7530,7 +11427,7 @@
                     </p:blipFill>
                     <p:spPr bwMode="auto">
                       <a:xfrm>
-                        <a:off x="6624638" y="3157538"/>
+                        <a:off x="6988719" y="3250675"/>
                         <a:ext cx="750887" cy="2063750"/>
                       </a:xfrm>
                       <a:prstGeom prst="rect">
@@ -7559,7 +11456,7 @@
   <p:clrMapOvr>
     <a:masterClrMapping/>
   </p:clrMapOvr>
-  <p:transition xmlns:p14="http://schemas.microsoft.com/office/powerpoint/2010/main">
+  <p:transition xmlns:p14="http://schemas.microsoft.com/office/powerpoint/2010/main" spd="slow" advClick="0">
     <p:fade/>
   </p:transition>
   <p:timing>
@@ -7761,7 +11658,7 @@
 </p:sld>
 </file>
 
-<file path=ppt/slides/slide7.xml><?xml version="1.0" encoding="utf-8"?>
+<file path=ppt/slides/slide9.xml><?xml version="1.0" encoding="utf-8"?>
 <p:sld xmlns:a="http://schemas.openxmlformats.org/drawingml/2006/main" xmlns:r="http://schemas.openxmlformats.org/officeDocument/2006/relationships" xmlns:p="http://schemas.openxmlformats.org/presentationml/2006/main">
   <p:cSld>
     <p:spTree>
@@ -7797,19 +11694,19 @@
               <a:defRPr/>
             </a:pPr>
             <a:r>
-              <a:rPr lang="en-US" dirty="0" err="1"/>
-              <a:t>lec</a:t>
+              <a:rPr lang="en-US" dirty="0" err="1" smtClean="0"/>
+              <a:t>ranvarbigger</a:t>
             </a:r>
             <a:r>
               <a:rPr lang="en-US" dirty="0" smtClean="0"/>
-              <a:t> 12W.</a:t>
+              <a:t>.</a:t>
             </a:r>
             <a:fld id="{C8E1B2AC-ADC5-4B51-80CC-A3F4D8DD7E35}" type="slidenum">
               <a:rPr lang="en-US" smtClean="0"/>
               <a:pPr>
                 <a:defRPr/>
               </a:pPr>
-              <a:t>7</a:t>
+              <a:t>9</a:t>
             </a:fld>
             <a:endParaRPr lang="en-US" dirty="0"/>
           </a:p>
@@ -7827,8 +11724,8 @@
         </p:nvSpPr>
         <p:spPr>
           <a:xfrm>
-            <a:off x="279400" y="1600200"/>
-            <a:ext cx="8610600" cy="3429000"/>
+            <a:off x="499542" y="1447794"/>
+            <a:ext cx="7755459" cy="3505206"/>
           </a:xfrm>
         </p:spPr>
         <p:txBody>
@@ -7838,12 +11735,24 @@
             <a:pPr eaLnBrk="1" hangingPunct="1"/>
             <a:r>
               <a:rPr lang="en-US" sz="4800" dirty="0" smtClean="0"/>
-              <a:t>Case L: </a:t>
+              <a:t>Case </a:t>
+            </a:r>
+            <a:r>
+              <a:rPr lang="en-US" sz="4800" b="1" dirty="0" smtClean="0">
+                <a:solidFill>
+                  <a:srgbClr val="9B2894"/>
+                </a:solidFill>
+              </a:rPr>
+              <a:t>L</a:t>
+            </a:r>
+            <a:r>
+              <a:rPr lang="en-US" sz="4800" dirty="0" smtClean="0"/>
+              <a:t>:      </a:t>
             </a:r>
             <a:r>
               <a:rPr lang="en-US" sz="4800" dirty="0" smtClean="0">
                 <a:solidFill>
-                  <a:srgbClr val="3333FF"/>
+                  <a:srgbClr val="FF00FF"/>
                 </a:solidFill>
               </a:rPr>
               <a:t>Z</a:t>
@@ -7858,6 +11767,9 @@
             </a:r>
             <a:r>
               <a:rPr lang="en-US" sz="4800" b="1" dirty="0" smtClean="0">
+                <a:solidFill>
+                  <a:srgbClr val="0000FF"/>
+                </a:solidFill>
                 <a:latin typeface="Euclid Symbol" charset="2"/>
                 <a:cs typeface="Euclid Symbol" charset="2"/>
                 <a:sym typeface="Euclid Symbol" pitchFamily="18" charset="2"/>
@@ -7865,15 +11777,27 @@
               <a:t>&lt;</a:t>
             </a:r>
             <a:r>
-              <a:rPr lang="en-US" sz="4800" dirty="0" smtClean="0"/>
+              <a:rPr lang="en-US" sz="4800" dirty="0" smtClean="0">
+                <a:solidFill>
+                  <a:srgbClr val="0000FF"/>
+                </a:solidFill>
+              </a:rPr>
               <a:t> low</a:t>
             </a:r>
           </a:p>
           <a:p>
             <a:pPr eaLnBrk="1" hangingPunct="1"/>
             <a:r>
+              <a:rPr lang="en-US" sz="4400" dirty="0" smtClean="0">
+                <a:solidFill>
+                  <a:srgbClr val="006600"/>
+                </a:solidFill>
+              </a:rPr>
+              <a:t>Team 2</a:t>
+            </a:r>
+            <a:r>
               <a:rPr lang="en-US" sz="4400" dirty="0" smtClean="0"/>
-              <a:t>Team 2 will stick, so wins </a:t>
+              <a:t> will stick, so wins </a:t>
             </a:r>
             <a:r>
               <a:rPr lang="en-US" sz="4400" dirty="0" err="1" smtClean="0"/>
@@ -7881,7 +11805,19 @@
             </a:r>
             <a:r>
               <a:rPr lang="en-US" sz="4400" dirty="0" smtClean="0"/>
-              <a:t> high card gets exposed</a:t>
+              <a:t> </a:t>
+            </a:r>
+            <a:r>
+              <a:rPr lang="en-US" sz="4400" dirty="0" smtClean="0">
+                <a:solidFill>
+                  <a:srgbClr val="0000FF"/>
+                </a:solidFill>
+              </a:rPr>
+              <a:t>high</a:t>
+            </a:r>
+            <a:r>
+              <a:rPr lang="en-US" sz="4400" dirty="0" smtClean="0"/>
+              <a:t> card gets exposed</a:t>
             </a:r>
           </a:p>
           <a:p>
@@ -7903,15 +11839,31 @@
             </a:r>
             <a:r>
               <a:rPr lang="en-US" sz="4500" dirty="0" smtClean="0"/>
-              <a:t>[Team </a:t>
+              <a:t>[</a:t>
+            </a:r>
+            <a:r>
+              <a:rPr lang="en-US" sz="4500" dirty="0" smtClean="0">
+                <a:solidFill>
+                  <a:srgbClr val="006600"/>
+                </a:solidFill>
+              </a:rPr>
+              <a:t>Team 2</a:t>
             </a:r>
             <a:r>
               <a:rPr lang="en-US" sz="4500" dirty="0" smtClean="0"/>
-              <a:t>2 wins | </a:t>
+              <a:t> wins | </a:t>
+            </a:r>
+            <a:r>
+              <a:rPr lang="en-US" sz="4500" b="1" dirty="0" smtClean="0">
+                <a:solidFill>
+                  <a:srgbClr val="9B2894"/>
+                </a:solidFill>
+              </a:rPr>
+              <a:t>L</a:t>
             </a:r>
             <a:r>
               <a:rPr lang="en-US" sz="4500" dirty="0" smtClean="0"/>
-              <a:t>L]</a:t>
+              <a:t>]</a:t>
             </a:r>
             <a:r>
               <a:rPr lang="en-US" sz="4500" dirty="0" smtClean="0">
@@ -7922,9 +11874,13 @@
               <a:t> </a:t>
             </a:r>
             <a:r>
-              <a:rPr lang="en-US" sz="4500" dirty="0" smtClean="0"/>
+              <a:rPr lang="en-US" sz="4400" b="1" dirty="0">
+                <a:latin typeface="Euclid Symbol" charset="2"/>
+                <a:cs typeface="Euclid Symbol" charset="2"/>
+              </a:rPr>
               <a:t>=</a:t>
             </a:r>
+            <a:endParaRPr lang="en-US" sz="4500" dirty="0" smtClean="0"/>
           </a:p>
         </p:txBody>
       </p:sp>
@@ -7934,17 +11890,23 @@
           <p:cNvGraphicFramePr>
             <a:graphicFrameLocks noChangeAspect="1"/>
           </p:cNvGraphicFramePr>
-          <p:nvPr/>
+          <p:nvPr>
+            <p:extLst>
+              <p:ext uri="{D42A27DB-BD31-4B8C-83A1-F6EECF244321}">
+                <p14:modId xmlns:p14="http://schemas.microsoft.com/office/powerpoint/2010/main" val="183913399"/>
+              </p:ext>
+            </p:extLst>
+          </p:nvPr>
         </p:nvGraphicFramePr>
         <p:xfrm>
-          <a:off x="6592888" y="3322638"/>
+          <a:off x="6863832" y="3280303"/>
           <a:ext cx="750887" cy="2063750"/>
         </p:xfrm>
         <a:graphic>
           <a:graphicData uri="http://schemas.openxmlformats.org/presentationml/2006/ole">
             <mc:AlternateContent xmlns:mc="http://schemas.openxmlformats.org/markup-compatibility/2006">
               <mc:Choice xmlns:v="urn:schemas-microsoft-com:vml" Requires="v">
-                <p:oleObj spid="_x0000_s3099" name="Equation" r:id="rId4" imgW="152280" imgH="419040" progId="Equation.DSMT4">
+                <p:oleObj spid="_x0000_s3109" name="Equation" r:id="rId4" imgW="152280" imgH="419040" progId="Equation.DSMT4">
                   <p:embed/>
                 </p:oleObj>
               </mc:Choice>
@@ -7974,7 +11936,7 @@
                     </p:blipFill>
                     <p:spPr bwMode="auto">
                       <a:xfrm>
-                        <a:off x="6592888" y="3322638"/>
+                        <a:off x="6863832" y="3280303"/>
                         <a:ext cx="750887" cy="2063750"/>
                       </a:xfrm>
                       <a:prstGeom prst="rect">
@@ -8048,7 +12010,7 @@
               <a:defRPr/>
             </a:pPr>
             <a:r>
-              <a:rPr kumimoji="0" lang="en-US" sz="4000" b="1" i="0" u="none" strike="noStrike" kern="0" cap="none" spc="0" normalizeH="0" baseline="0" noProof="0" smtClean="0">
+              <a:rPr kumimoji="0" lang="en-US" sz="4000" b="1" i="0" u="none" strike="noStrike" kern="0" cap="none" spc="0" normalizeH="0" baseline="0" noProof="0" dirty="0" smtClean="0">
                 <a:ln>
                   <a:noFill/>
                 </a:ln>
@@ -8062,7 +12024,41 @@
                 <a:ea typeface="+mj-ea"/>
                 <a:cs typeface="+mj-cs"/>
               </a:rPr>
-              <a:t>Analysis of Team 2 Strategy</a:t>
+              <a:t>Analysis of </a:t>
+            </a:r>
+            <a:r>
+              <a:rPr kumimoji="0" lang="en-US" sz="4000" b="1" i="0" u="none" strike="noStrike" kern="0" cap="none" spc="0" normalizeH="0" baseline="0" noProof="0" dirty="0" smtClean="0">
+                <a:ln>
+                  <a:noFill/>
+                </a:ln>
+                <a:solidFill>
+                  <a:srgbClr val="006600"/>
+                </a:solidFill>
+                <a:effectLst/>
+                <a:uLnTx/>
+                <a:uFillTx/>
+                <a:latin typeface="+mj-lt"/>
+                <a:ea typeface="+mj-ea"/>
+                <a:cs typeface="+mj-cs"/>
+              </a:rPr>
+              <a:t>Team 2</a:t>
+            </a:r>
+            <a:r>
+              <a:rPr kumimoji="0" lang="en-US" sz="4000" b="1" i="0" u="none" strike="noStrike" kern="0" cap="none" spc="0" normalizeH="0" baseline="0" noProof="0" dirty="0" smtClean="0">
+                <a:ln>
+                  <a:noFill/>
+                </a:ln>
+                <a:solidFill>
+                  <a:schemeClr val="tx2"/>
+                </a:solidFill>
+                <a:effectLst/>
+                <a:uLnTx/>
+                <a:uFillTx/>
+                <a:latin typeface="+mj-lt"/>
+                <a:ea typeface="+mj-ea"/>
+                <a:cs typeface="+mj-cs"/>
+              </a:rPr>
+              <a:t> Strategy</a:t>
             </a:r>
           </a:p>
         </p:txBody>
@@ -8072,7 +12068,7 @@
   <p:clrMapOvr>
     <a:masterClrMapping/>
   </p:clrMapOvr>
-  <p:transition xmlns:p14="http://schemas.microsoft.com/office/powerpoint/2010/main">
+  <p:transition xmlns:p14="http://schemas.microsoft.com/office/powerpoint/2010/main" spd="slow" advClick="0">
     <p:fade/>
   </p:transition>
   <p:timing>
@@ -8237,1243 +12233,6 @@
                                         <p:cTn id="16" dur="500"/>
                                         <p:tgtEl>
                                           <p:spTgt spid="24583"/>
-                                        </p:tgtEl>
-                                      </p:cBhvr>
-                                    </p:animEffect>
-                                  </p:childTnLst>
-                                </p:cTn>
-                              </p:par>
-                            </p:childTnLst>
-                          </p:cTn>
-                        </p:par>
-                      </p:childTnLst>
-                    </p:cTn>
-                  </p:par>
-                </p:childTnLst>
-              </p:cTn>
-              <p:prevCondLst>
-                <p:cond evt="onPrev" delay="0">
-                  <p:tgtEl>
-                    <p:sldTgt/>
-                  </p:tgtEl>
-                </p:cond>
-              </p:prevCondLst>
-              <p:nextCondLst>
-                <p:cond evt="onNext" delay="0">
-                  <p:tgtEl>
-                    <p:sldTgt/>
-                  </p:tgtEl>
-                </p:cond>
-              </p:nextCondLst>
-            </p:seq>
-          </p:childTnLst>
-        </p:cTn>
-      </p:par>
-    </p:tnLst>
-  </p:timing>
-</p:sld>
-</file>
-
-<file path=ppt/slides/slide8.xml><?xml version="1.0" encoding="utf-8"?>
-<p:sld xmlns:a="http://schemas.openxmlformats.org/drawingml/2006/main" xmlns:r="http://schemas.openxmlformats.org/officeDocument/2006/relationships" xmlns:p="http://schemas.openxmlformats.org/presentationml/2006/main">
-  <p:cSld>
-    <p:spTree>
-      <p:nvGrpSpPr>
-        <p:cNvPr id="1" name=""/>
-        <p:cNvGrpSpPr/>
-        <p:nvPr/>
-      </p:nvGrpSpPr>
-      <p:grpSpPr>
-        <a:xfrm>
-          <a:off x="0" y="0"/>
-          <a:ext cx="0" cy="0"/>
-          <a:chOff x="0" y="0"/>
-          <a:chExt cx="0" cy="0"/>
-        </a:xfrm>
-      </p:grpSpPr>
-      <p:sp>
-        <p:nvSpPr>
-          <p:cNvPr id="138243" name="Rectangle 3"/>
-          <p:cNvSpPr>
-            <a:spLocks noGrp="1" noChangeArrowheads="1"/>
-          </p:cNvSpPr>
-          <p:nvPr>
-            <p:ph idx="4294967295"/>
-          </p:nvPr>
-        </p:nvSpPr>
-        <p:spPr>
-          <a:xfrm>
-            <a:off x="126998" y="1219200"/>
-            <a:ext cx="8841153" cy="4515338"/>
-          </a:xfrm>
-        </p:spPr>
-        <p:txBody>
-          <a:bodyPr/>
-          <a:lstStyle/>
-          <a:p>
-            <a:pPr eaLnBrk="1" hangingPunct="1">
-              <a:buFontTx/>
-              <a:buNone/>
-            </a:pPr>
-            <a:r>
-              <a:rPr lang="en-US" sz="4800" dirty="0" smtClean="0">
-                <a:latin typeface="Comic Sans MS"/>
-                <a:cs typeface="Comic Sans MS"/>
-              </a:rPr>
-              <a:t>So </a:t>
-            </a:r>
-            <a:r>
-              <a:rPr lang="en-US" sz="4800" b="1" dirty="0" smtClean="0">
-                <a:latin typeface="Euclid Symbol" charset="2"/>
-                <a:cs typeface="Euclid Symbol" charset="2"/>
-                <a:sym typeface="Euclid Symbol" pitchFamily="18" charset="2"/>
-              </a:rPr>
-              <a:t>≥</a:t>
-            </a:r>
-            <a:r>
-              <a:rPr lang="en-US" sz="4800" dirty="0" smtClean="0">
-                <a:latin typeface="Comic Sans MS"/>
-                <a:cs typeface="Comic Sans MS"/>
-                <a:sym typeface="Euclid Symbol" pitchFamily="18" charset="2"/>
-              </a:rPr>
-              <a:t> </a:t>
-            </a:r>
-            <a:r>
-              <a:rPr lang="en-US" sz="4800" dirty="0" smtClean="0">
-                <a:solidFill>
-                  <a:srgbClr val="0000CC"/>
-                </a:solidFill>
-                <a:latin typeface="Comic Sans MS"/>
-                <a:cs typeface="Comic Sans MS"/>
-              </a:rPr>
-              <a:t>1/7</a:t>
-            </a:r>
-            <a:r>
-              <a:rPr lang="en-US" sz="4800" dirty="0" smtClean="0">
-                <a:latin typeface="Comic Sans MS"/>
-                <a:cs typeface="Comic Sans MS"/>
-              </a:rPr>
-              <a:t> of time, sure win.</a:t>
-            </a:r>
-          </a:p>
-          <a:p>
-            <a:pPr eaLnBrk="1" hangingPunct="1">
-              <a:buFontTx/>
-              <a:buNone/>
-            </a:pPr>
-            <a:r>
-              <a:rPr lang="en-US" sz="4800" dirty="0" smtClean="0">
-                <a:latin typeface="Comic Sans MS"/>
-                <a:cs typeface="Comic Sans MS"/>
-              </a:rPr>
-              <a:t>Rest of time, win </a:t>
-            </a:r>
-            <a:r>
-              <a:rPr lang="en-US" sz="4800" dirty="0" smtClean="0">
-                <a:solidFill>
-                  <a:srgbClr val="006600"/>
-                </a:solidFill>
-                <a:latin typeface="Comic Sans MS"/>
-                <a:cs typeface="Comic Sans MS"/>
-              </a:rPr>
-              <a:t>1/2</a:t>
-            </a:r>
-            <a:r>
-              <a:rPr lang="en-US" sz="4800" dirty="0" smtClean="0">
-                <a:solidFill>
-                  <a:srgbClr val="000000"/>
-                </a:solidFill>
-                <a:latin typeface="Comic Sans MS"/>
-                <a:cs typeface="Comic Sans MS"/>
-              </a:rPr>
-              <a:t>.</a:t>
-            </a:r>
-          </a:p>
-          <a:p>
-            <a:pPr eaLnBrk="1" hangingPunct="1">
-              <a:buFontTx/>
-              <a:buNone/>
-            </a:pPr>
-            <a:r>
-              <a:rPr lang="en-US" sz="4800" dirty="0" smtClean="0">
-                <a:solidFill>
-                  <a:schemeClr val="accent1">
-                    <a:lumMod val="10000"/>
-                  </a:schemeClr>
-                </a:solidFill>
-                <a:latin typeface="Comic Sans MS"/>
-                <a:cs typeface="Comic Sans MS"/>
-              </a:rPr>
-              <a:t>by</a:t>
-            </a:r>
-            <a:r>
-              <a:rPr lang="en-US" sz="4800" dirty="0" smtClean="0">
-                <a:solidFill>
-                  <a:srgbClr val="0000FF"/>
-                </a:solidFill>
-                <a:latin typeface="Comic Sans MS"/>
-                <a:cs typeface="Comic Sans MS"/>
-              </a:rPr>
-              <a:t> </a:t>
-            </a:r>
-            <a:r>
-              <a:rPr lang="en-US" sz="4800" dirty="0" smtClean="0">
-                <a:solidFill>
-                  <a:srgbClr val="9B2894"/>
-                </a:solidFill>
-                <a:latin typeface="Comic Sans MS"/>
-                <a:cs typeface="Comic Sans MS"/>
-              </a:rPr>
-              <a:t>Law of Total Probability</a:t>
-            </a:r>
-            <a:endParaRPr lang="en-US" sz="4400" dirty="0" smtClean="0">
-              <a:solidFill>
-                <a:srgbClr val="9B2894"/>
-              </a:solidFill>
-              <a:latin typeface="Comic Sans MS"/>
-              <a:cs typeface="Comic Sans MS"/>
-            </a:endParaRPr>
-          </a:p>
-        </p:txBody>
-      </p:sp>
-      <p:pic>
-        <p:nvPicPr>
-          <p:cNvPr id="4098" name="Object 9"/>
-          <p:cNvPicPr>
-            <a:picLocks noChangeAspect="1" noChangeArrowheads="1"/>
-          </p:cNvPicPr>
-          <p:nvPr/>
-        </p:nvPicPr>
-        <p:blipFill>
-          <a:blip r:embed="rId3"/>
-          <a:srcRect/>
-          <a:stretch>
-            <a:fillRect/>
-          </a:stretch>
-        </p:blipFill>
-        <p:spPr bwMode="auto">
-          <a:xfrm>
-            <a:off x="3022600" y="3073400"/>
-            <a:ext cx="914400" cy="220663"/>
-          </a:xfrm>
-          <a:prstGeom prst="rect">
-            <a:avLst/>
-          </a:prstGeom>
-          <a:noFill/>
-        </p:spPr>
-      </p:pic>
-      <p:sp>
-        <p:nvSpPr>
-          <p:cNvPr id="10" name="Rectangle 2"/>
-          <p:cNvSpPr txBox="1">
-            <a:spLocks noChangeArrowheads="1"/>
-          </p:cNvSpPr>
-          <p:nvPr/>
-        </p:nvSpPr>
-        <p:spPr bwMode="auto">
-          <a:xfrm>
-            <a:off x="1143000" y="228600"/>
-            <a:ext cx="7543800" cy="1143000"/>
-          </a:xfrm>
-          <a:prstGeom prst="rect">
-            <a:avLst/>
-          </a:prstGeom>
-          <a:noFill/>
-          <a:ln w="9525">
-            <a:noFill/>
-            <a:miter lim="800000"/>
-            <a:headEnd/>
-            <a:tailEnd/>
-          </a:ln>
-        </p:spPr>
-        <p:txBody>
-          <a:bodyPr vert="horz" wrap="square" lIns="91440" tIns="45720" rIns="91440" bIns="45720" numCol="1" anchor="ctr" anchorCtr="0" compatLnSpc="1">
-            <a:prstTxWarp prst="textNoShape">
-              <a:avLst/>
-            </a:prstTxWarp>
-          </a:bodyPr>
-          <a:lstStyle/>
-          <a:p>
-            <a:pPr marL="0" marR="0" lvl="0" indent="0" algn="ctr" defTabSz="914400" rtl="0" eaLnBrk="1" fontAlgn="base" latinLnBrk="0" hangingPunct="1">
-              <a:lnSpc>
-                <a:spcPct val="100000"/>
-              </a:lnSpc>
-              <a:spcBef>
-                <a:spcPct val="0"/>
-              </a:spcBef>
-              <a:spcAft>
-                <a:spcPct val="0"/>
-              </a:spcAft>
-              <a:buClrTx/>
-              <a:buSzTx/>
-              <a:buFontTx/>
-              <a:buNone/>
-              <a:tabLst/>
-              <a:defRPr/>
-            </a:pPr>
-            <a:r>
-              <a:rPr kumimoji="0" lang="en-US" sz="4000" b="1" i="0" u="none" strike="noStrike" kern="0" cap="none" spc="0" normalizeH="0" baseline="0" noProof="0" smtClean="0">
-                <a:ln>
-                  <a:noFill/>
-                </a:ln>
-                <a:solidFill>
-                  <a:schemeClr val="tx2"/>
-                </a:solidFill>
-                <a:effectLst/>
-                <a:uLnTx/>
-                <a:uFillTx/>
-                <a:latin typeface="+mj-lt"/>
-                <a:ea typeface="+mj-ea"/>
-                <a:cs typeface="+mj-cs"/>
-              </a:rPr>
-              <a:t>Analysis of Team 2 Strategy</a:t>
-            </a:r>
-          </a:p>
-        </p:txBody>
-      </p:sp>
-      <p:sp>
-        <p:nvSpPr>
-          <p:cNvPr id="7" name="Slide Number Placeholder 6"/>
-          <p:cNvSpPr>
-            <a:spLocks noGrp="1" noChangeArrowheads="1"/>
-          </p:cNvSpPr>
-          <p:nvPr>
-            <p:ph type="sldNum" sz="quarter" idx="4294967295"/>
-          </p:nvPr>
-        </p:nvSpPr>
-        <p:spPr bwMode="auto">
-          <a:xfrm>
-            <a:off x="7554913" y="6577965"/>
-            <a:ext cx="1527175" cy="244475"/>
-          </a:xfrm>
-          <a:prstGeom prst="rect">
-            <a:avLst/>
-          </a:prstGeom>
-          <a:noFill/>
-          <a:ln w="9525">
-            <a:noFill/>
-            <a:miter lim="800000"/>
-            <a:headEnd/>
-            <a:tailEnd/>
-          </a:ln>
-          <a:effectLst/>
-        </p:spPr>
-        <p:txBody>
-          <a:bodyPr vert="horz" wrap="square" lIns="91440" tIns="45720" rIns="91440" bIns="45720" numCol="1" anchor="t" anchorCtr="0" compatLnSpc="1">
-            <a:prstTxWarp prst="textNoShape">
-              <a:avLst/>
-            </a:prstTxWarp>
-          </a:bodyPr>
-          <a:lstStyle>
-            <a:lvl1pPr algn="r">
-              <a:defRPr sz="1200">
-                <a:latin typeface="+mn-lt"/>
-              </a:defRPr>
-            </a:lvl1pPr>
-          </a:lstStyle>
-          <a:p>
-            <a:pPr>
-              <a:defRPr/>
-            </a:pPr>
-            <a:r>
-              <a:rPr lang="en-US" dirty="0" err="1" smtClean="0"/>
-              <a:t>lec</a:t>
-            </a:r>
-            <a:r>
-              <a:rPr lang="en-US" dirty="0" smtClean="0"/>
-              <a:t> 12W.</a:t>
-            </a:r>
-            <a:fld id="{7886A709-CED2-48A3-8616-B2655C008ECB}" type="slidenum">
-              <a:rPr lang="en-US" smtClean="0"/>
-              <a:pPr>
-                <a:defRPr/>
-              </a:pPr>
-              <a:t>8</a:t>
-            </a:fld>
-            <a:endParaRPr lang="en-US" dirty="0"/>
-          </a:p>
-        </p:txBody>
-      </p:sp>
-    </p:spTree>
-  </p:cSld>
-  <p:clrMapOvr>
-    <a:masterClrMapping/>
-  </p:clrMapOvr>
-  <mc:AlternateContent xmlns:mc="http://schemas.openxmlformats.org/markup-compatibility/2006" xmlns:p14="http://schemas.microsoft.com/office/powerpoint/2010/main">
-    <mc:Choice Requires="p14">
-      <p:transition spd="med" p14:dur="700">
-        <p:fade/>
-      </p:transition>
-    </mc:Choice>
-    <mc:Fallback xmlns="">
-      <p:transition xmlns:p14="http://schemas.microsoft.com/office/powerpoint/2010/main" spd="med">
-        <p:fade/>
-      </p:transition>
-    </mc:Fallback>
-  </mc:AlternateContent>
-  <p:timing>
-    <p:tnLst>
-      <p:par>
-        <p:cTn xmlns:p14="http://schemas.microsoft.com/office/powerpoint/2010/main" id="1" dur="indefinite" restart="never" nodeType="tmRoot">
-          <p:childTnLst>
-            <p:seq concurrent="1" nextAc="seek">
-              <p:cTn id="2" dur="indefinite" nodeType="mainSeq">
-                <p:childTnLst>
-                  <p:par>
-                    <p:cTn id="3" fill="hold">
-                      <p:stCondLst>
-                        <p:cond delay="indefinite"/>
-                      </p:stCondLst>
-                      <p:childTnLst>
-                        <p:par>
-                          <p:cTn id="4" fill="hold">
-                            <p:stCondLst>
-                              <p:cond delay="0"/>
-                            </p:stCondLst>
-                            <p:childTnLst>
-                              <p:par>
-                                <p:cTn id="5" presetID="10" presetClass="entr" presetSubtype="0" fill="hold" nodeType="clickEffect">
-                                  <p:stCondLst>
-                                    <p:cond delay="0"/>
-                                  </p:stCondLst>
-                                  <p:childTnLst>
-                                    <p:set>
-                                      <p:cBhvr>
-                                        <p:cTn id="6" dur="1" fill="hold">
-                                          <p:stCondLst>
-                                            <p:cond delay="0"/>
-                                          </p:stCondLst>
-                                        </p:cTn>
-                                        <p:tgtEl>
-                                          <p:spTgt spid="138243">
-                                            <p:txEl>
-                                              <p:pRg st="1" end="1"/>
-                                            </p:txEl>
-                                          </p:spTgt>
-                                        </p:tgtEl>
-                                        <p:attrNameLst>
-                                          <p:attrName>style.visibility</p:attrName>
-                                        </p:attrNameLst>
-                                      </p:cBhvr>
-                                      <p:to>
-                                        <p:strVal val="visible"/>
-                                      </p:to>
-                                    </p:set>
-                                    <p:animEffect transition="in" filter="fade">
-                                      <p:cBhvr>
-                                        <p:cTn id="7" dur="500"/>
-                                        <p:tgtEl>
-                                          <p:spTgt spid="138243">
-                                            <p:txEl>
-                                              <p:pRg st="1" end="1"/>
-                                            </p:txEl>
-                                          </p:spTgt>
-                                        </p:tgtEl>
-                                      </p:cBhvr>
-                                    </p:animEffect>
-                                  </p:childTnLst>
-                                </p:cTn>
-                              </p:par>
-                            </p:childTnLst>
-                          </p:cTn>
-                        </p:par>
-                      </p:childTnLst>
-                    </p:cTn>
-                  </p:par>
-                  <p:par>
-                    <p:cTn id="8" fill="hold">
-                      <p:stCondLst>
-                        <p:cond delay="indefinite"/>
-                      </p:stCondLst>
-                      <p:childTnLst>
-                        <p:par>
-                          <p:cTn id="9" fill="hold">
-                            <p:stCondLst>
-                              <p:cond delay="0"/>
-                            </p:stCondLst>
-                            <p:childTnLst>
-                              <p:par>
-                                <p:cTn id="10" presetID="10" presetClass="entr" presetSubtype="0" fill="hold" nodeType="clickEffect">
-                                  <p:stCondLst>
-                                    <p:cond delay="0"/>
-                                  </p:stCondLst>
-                                  <p:childTnLst>
-                                    <p:set>
-                                      <p:cBhvr>
-                                        <p:cTn id="11" dur="1" fill="hold">
-                                          <p:stCondLst>
-                                            <p:cond delay="0"/>
-                                          </p:stCondLst>
-                                        </p:cTn>
-                                        <p:tgtEl>
-                                          <p:spTgt spid="138243">
-                                            <p:txEl>
-                                              <p:pRg st="2" end="2"/>
-                                            </p:txEl>
-                                          </p:spTgt>
-                                        </p:tgtEl>
-                                        <p:attrNameLst>
-                                          <p:attrName>style.visibility</p:attrName>
-                                        </p:attrNameLst>
-                                      </p:cBhvr>
-                                      <p:to>
-                                        <p:strVal val="visible"/>
-                                      </p:to>
-                                    </p:set>
-                                    <p:animEffect transition="in" filter="fade">
-                                      <p:cBhvr>
-                                        <p:cTn id="12" dur="500"/>
-                                        <p:tgtEl>
-                                          <p:spTgt spid="138243">
-                                            <p:txEl>
-                                              <p:pRg st="2" end="2"/>
-                                            </p:txEl>
-                                          </p:spTgt>
-                                        </p:tgtEl>
-                                      </p:cBhvr>
-                                    </p:animEffect>
-                                  </p:childTnLst>
-                                </p:cTn>
-                              </p:par>
-                            </p:childTnLst>
-                          </p:cTn>
-                        </p:par>
-                      </p:childTnLst>
-                    </p:cTn>
-                  </p:par>
-                </p:childTnLst>
-              </p:cTn>
-              <p:prevCondLst>
-                <p:cond evt="onPrev" delay="0">
-                  <p:tgtEl>
-                    <p:sldTgt/>
-                  </p:tgtEl>
-                </p:cond>
-              </p:prevCondLst>
-              <p:nextCondLst>
-                <p:cond evt="onNext" delay="0">
-                  <p:tgtEl>
-                    <p:sldTgt/>
-                  </p:tgtEl>
-                </p:cond>
-              </p:nextCondLst>
-            </p:seq>
-          </p:childTnLst>
-        </p:cTn>
-      </p:par>
-    </p:tnLst>
-  </p:timing>
-</p:sld>
-</file>
-
-<file path=ppt/slides/slide9.xml><?xml version="1.0" encoding="utf-8"?>
-<p:sld xmlns:a="http://schemas.openxmlformats.org/drawingml/2006/main" xmlns:r="http://schemas.openxmlformats.org/officeDocument/2006/relationships" xmlns:p="http://schemas.openxmlformats.org/presentationml/2006/main">
-  <p:cSld>
-    <p:spTree>
-      <p:nvGrpSpPr>
-        <p:cNvPr id="1" name=""/>
-        <p:cNvGrpSpPr/>
-        <p:nvPr/>
-      </p:nvGrpSpPr>
-      <p:grpSpPr>
-        <a:xfrm>
-          <a:off x="0" y="0"/>
-          <a:ext cx="0" cy="0"/>
-          <a:chOff x="0" y="0"/>
-          <a:chExt cx="0" cy="0"/>
-        </a:xfrm>
-      </p:grpSpPr>
-      <p:sp>
-        <p:nvSpPr>
-          <p:cNvPr id="138243" name="Rectangle 3"/>
-          <p:cNvSpPr>
-            <a:spLocks noGrp="1" noChangeArrowheads="1"/>
-          </p:cNvSpPr>
-          <p:nvPr>
-            <p:ph idx="4294967295"/>
-          </p:nvPr>
-        </p:nvSpPr>
-        <p:spPr>
-          <a:xfrm>
-            <a:off x="126998" y="1219200"/>
-            <a:ext cx="8841153" cy="4515338"/>
-          </a:xfrm>
-        </p:spPr>
-        <p:txBody>
-          <a:bodyPr/>
-          <a:lstStyle/>
-          <a:p>
-            <a:pPr eaLnBrk="1" hangingPunct="1">
-              <a:buFontTx/>
-              <a:buNone/>
-            </a:pPr>
-            <a:r>
-              <a:rPr lang="en-US" sz="4800" dirty="0" smtClean="0">
-                <a:latin typeface="Comic Sans MS"/>
-                <a:cs typeface="Comic Sans MS"/>
-              </a:rPr>
-              <a:t>So </a:t>
-            </a:r>
-            <a:r>
-              <a:rPr lang="en-US" sz="4800" b="1" dirty="0" smtClean="0">
-                <a:latin typeface="Euclid Symbol" charset="2"/>
-                <a:cs typeface="Euclid Symbol" charset="2"/>
-                <a:sym typeface="Euclid Symbol" pitchFamily="18" charset="2"/>
-              </a:rPr>
-              <a:t>≥</a:t>
-            </a:r>
-            <a:r>
-              <a:rPr lang="en-US" sz="4800" dirty="0" smtClean="0">
-                <a:cs typeface="Comic Sans MS"/>
-                <a:sym typeface="Euclid Symbol" pitchFamily="18" charset="2"/>
-              </a:rPr>
-              <a:t> </a:t>
-            </a:r>
-            <a:r>
-              <a:rPr lang="en-US" sz="4800" dirty="0" smtClean="0">
-                <a:solidFill>
-                  <a:srgbClr val="0000CC"/>
-                </a:solidFill>
-                <a:latin typeface="Comic Sans MS"/>
-                <a:cs typeface="Comic Sans MS"/>
-              </a:rPr>
-              <a:t>1/7</a:t>
-            </a:r>
-            <a:r>
-              <a:rPr lang="en-US" sz="4800" dirty="0" smtClean="0">
-                <a:latin typeface="Comic Sans MS"/>
-                <a:cs typeface="Comic Sans MS"/>
-              </a:rPr>
-              <a:t> of time, sure win.</a:t>
-            </a:r>
-          </a:p>
-          <a:p>
-            <a:pPr eaLnBrk="1" hangingPunct="1">
-              <a:buFontTx/>
-              <a:buNone/>
-            </a:pPr>
-            <a:r>
-              <a:rPr lang="en-US" sz="4800" dirty="0" smtClean="0">
-                <a:latin typeface="Comic Sans MS"/>
-                <a:cs typeface="Comic Sans MS"/>
-              </a:rPr>
-              <a:t>Rest of time, win </a:t>
-            </a:r>
-            <a:r>
-              <a:rPr lang="en-US" sz="4800" dirty="0" smtClean="0">
-                <a:solidFill>
-                  <a:srgbClr val="006600"/>
-                </a:solidFill>
-                <a:latin typeface="Comic Sans MS"/>
-                <a:cs typeface="Comic Sans MS"/>
-              </a:rPr>
-              <a:t>1/2</a:t>
-            </a:r>
-            <a:r>
-              <a:rPr lang="en-US" sz="4800" dirty="0" smtClean="0">
-                <a:solidFill>
-                  <a:srgbClr val="000000"/>
-                </a:solidFill>
-                <a:latin typeface="Comic Sans MS"/>
-                <a:cs typeface="Comic Sans MS"/>
-              </a:rPr>
-              <a:t>.</a:t>
-            </a:r>
-          </a:p>
-          <a:p>
-            <a:pPr eaLnBrk="1" hangingPunct="1">
-              <a:buFontTx/>
-              <a:buNone/>
-            </a:pPr>
-            <a:r>
-              <a:rPr lang="en-US" sz="4800" dirty="0" err="1" smtClean="0">
-                <a:solidFill>
-                  <a:srgbClr val="0000FF"/>
-                </a:solidFill>
-                <a:latin typeface="Comic Sans MS"/>
-                <a:cs typeface="Comic Sans MS"/>
-              </a:rPr>
-              <a:t>Pr</a:t>
-            </a:r>
-            <a:r>
-              <a:rPr lang="en-US" sz="4800" dirty="0" smtClean="0">
-                <a:solidFill>
-                  <a:srgbClr val="0000FF"/>
-                </a:solidFill>
-                <a:latin typeface="Comic Sans MS"/>
-                <a:cs typeface="Comic Sans MS"/>
-              </a:rPr>
-              <a:t>[Team </a:t>
-            </a:r>
-            <a:r>
-              <a:rPr lang="en-US" sz="4800" dirty="0" smtClean="0">
-                <a:solidFill>
-                  <a:srgbClr val="0000FF"/>
-                </a:solidFill>
-                <a:latin typeface="Comic Sans MS"/>
-                <a:cs typeface="Comic Sans MS"/>
-              </a:rPr>
-              <a:t>2 </a:t>
-            </a:r>
-            <a:r>
-              <a:rPr lang="en-US" sz="4800" dirty="0" smtClean="0">
-                <a:solidFill>
-                  <a:srgbClr val="0000FF"/>
-                </a:solidFill>
-                <a:latin typeface="Comic Sans MS"/>
-                <a:cs typeface="Comic Sans MS"/>
-              </a:rPr>
-              <a:t>wins] </a:t>
-            </a:r>
-            <a:r>
-              <a:rPr lang="en-US" sz="4800" b="1" dirty="0" smtClean="0">
-                <a:latin typeface="Euclid Symbol" charset="2"/>
-                <a:cs typeface="Euclid Symbol" charset="2"/>
-                <a:sym typeface="Euclid Symbol" pitchFamily="18" charset="2"/>
-              </a:rPr>
-              <a:t>=</a:t>
-            </a:r>
-          </a:p>
-          <a:p>
-            <a:pPr eaLnBrk="1" hangingPunct="1">
-              <a:buFontTx/>
-              <a:buNone/>
-            </a:pPr>
-            <a:r>
-              <a:rPr lang="en-US" sz="4400" dirty="0" err="1" smtClean="0">
-                <a:solidFill>
-                  <a:srgbClr val="0000FF"/>
-                </a:solidFill>
-                <a:latin typeface="Comic Sans MS"/>
-                <a:cs typeface="Comic Sans MS"/>
-              </a:rPr>
-              <a:t>Pr</a:t>
-            </a:r>
-            <a:r>
-              <a:rPr lang="en-US" sz="4400" dirty="0" smtClean="0">
-                <a:solidFill>
-                  <a:srgbClr val="0000FF"/>
-                </a:solidFill>
-                <a:latin typeface="Comic Sans MS"/>
-                <a:cs typeface="Comic Sans MS"/>
-              </a:rPr>
-              <a:t>[</a:t>
-            </a:r>
-            <a:r>
-              <a:rPr lang="en-US" sz="4400" dirty="0" err="1" smtClean="0">
-                <a:solidFill>
-                  <a:srgbClr val="0000FF"/>
-                </a:solidFill>
-                <a:latin typeface="Comic Sans MS"/>
-                <a:cs typeface="Comic Sans MS"/>
-              </a:rPr>
-              <a:t>win</a:t>
-            </a:r>
-            <a:r>
-              <a:rPr lang="en-US" sz="4400" dirty="0" err="1" smtClean="0">
-                <a:solidFill>
-                  <a:srgbClr val="0000FF"/>
-                </a:solidFill>
-                <a:latin typeface="Comic Sans MS"/>
-                <a:cs typeface="Comic Sans MS"/>
-              </a:rPr>
-              <a:t>|Z</a:t>
-            </a:r>
-            <a:r>
-              <a:rPr lang="en-US" sz="4400" dirty="0" smtClean="0">
-                <a:solidFill>
-                  <a:srgbClr val="0000FF"/>
-                </a:solidFill>
-                <a:latin typeface="Comic Sans MS"/>
-                <a:cs typeface="Comic Sans MS"/>
-              </a:rPr>
-              <a:t> </a:t>
-            </a:r>
-            <a:r>
-              <a:rPr lang="en-US" sz="4400" dirty="0" smtClean="0">
-                <a:solidFill>
-                  <a:srgbClr val="0000FF"/>
-                </a:solidFill>
-                <a:latin typeface="Comic Sans MS"/>
-                <a:cs typeface="Comic Sans MS"/>
-              </a:rPr>
-              <a:t>good]⋅</a:t>
-            </a:r>
-            <a:r>
-              <a:rPr lang="en-US" sz="4400" dirty="0" err="1" smtClean="0">
-                <a:solidFill>
-                  <a:srgbClr val="0000FF"/>
-                </a:solidFill>
-                <a:latin typeface="Comic Sans MS"/>
-                <a:cs typeface="Comic Sans MS"/>
-              </a:rPr>
-              <a:t>Pr</a:t>
-            </a:r>
-            <a:r>
-              <a:rPr lang="en-US" sz="4400" dirty="0" smtClean="0">
-                <a:solidFill>
-                  <a:srgbClr val="0000FF"/>
-                </a:solidFill>
-                <a:latin typeface="Comic Sans MS"/>
-                <a:cs typeface="Comic Sans MS"/>
-              </a:rPr>
-              <a:t>[Z good] </a:t>
-            </a:r>
-            <a:r>
-              <a:rPr lang="en-US" sz="4400" dirty="0" smtClean="0">
-                <a:solidFill>
-                  <a:srgbClr val="0000FF"/>
-                </a:solidFill>
-                <a:latin typeface="Comic Sans MS"/>
-                <a:cs typeface="Comic Sans MS"/>
-              </a:rPr>
-              <a:t>+</a:t>
-            </a:r>
-          </a:p>
-          <a:p>
-            <a:pPr eaLnBrk="1" hangingPunct="1"/>
-            <a:r>
-              <a:rPr lang="en-US" sz="4400" dirty="0" smtClean="0">
-                <a:solidFill>
-                  <a:srgbClr val="0000FF"/>
-                </a:solidFill>
-                <a:latin typeface="Comic Sans MS"/>
-                <a:cs typeface="Comic Sans MS"/>
-              </a:rPr>
-              <a:t> </a:t>
-            </a:r>
-            <a:r>
-              <a:rPr lang="en-US" sz="4400" dirty="0" err="1" smtClean="0">
-                <a:solidFill>
-                  <a:srgbClr val="0000FF"/>
-                </a:solidFill>
-                <a:latin typeface="Comic Sans MS"/>
-                <a:cs typeface="Comic Sans MS"/>
-              </a:rPr>
-              <a:t>Pr</a:t>
-            </a:r>
-            <a:r>
-              <a:rPr lang="en-US" sz="4400" dirty="0" smtClean="0">
-                <a:solidFill>
-                  <a:srgbClr val="0000FF"/>
-                </a:solidFill>
-                <a:latin typeface="Comic Sans MS"/>
-                <a:cs typeface="Comic Sans MS"/>
-              </a:rPr>
-              <a:t>[</a:t>
-            </a:r>
-            <a:r>
-              <a:rPr lang="en-US" sz="4400" dirty="0" err="1" smtClean="0">
-                <a:solidFill>
-                  <a:srgbClr val="0000FF"/>
-                </a:solidFill>
-                <a:latin typeface="Comic Sans MS"/>
-                <a:cs typeface="Comic Sans MS"/>
-              </a:rPr>
-              <a:t>win</a:t>
-            </a:r>
-            <a:r>
-              <a:rPr lang="en-US" sz="4400" dirty="0" err="1" smtClean="0">
-                <a:solidFill>
-                  <a:srgbClr val="0000FF"/>
-                </a:solidFill>
-                <a:latin typeface="Comic Sans MS"/>
-                <a:cs typeface="Comic Sans MS"/>
-              </a:rPr>
-              <a:t>|Z</a:t>
-            </a:r>
-            <a:r>
-              <a:rPr lang="en-US" sz="4400" dirty="0" smtClean="0">
-                <a:solidFill>
-                  <a:srgbClr val="0000FF"/>
-                </a:solidFill>
-                <a:latin typeface="Comic Sans MS"/>
-                <a:cs typeface="Comic Sans MS"/>
-              </a:rPr>
-              <a:t> no </a:t>
-            </a:r>
-            <a:r>
-              <a:rPr lang="en-US" sz="4400" dirty="0" smtClean="0">
-                <a:solidFill>
-                  <a:srgbClr val="0000FF"/>
-                </a:solidFill>
-                <a:latin typeface="Comic Sans MS"/>
-                <a:cs typeface="Comic Sans MS"/>
-              </a:rPr>
-              <a:t>good]⋅</a:t>
-            </a:r>
-            <a:r>
-              <a:rPr lang="en-US" sz="4400" dirty="0" err="1" smtClean="0">
-                <a:solidFill>
-                  <a:srgbClr val="0000FF"/>
-                </a:solidFill>
-                <a:latin typeface="Comic Sans MS"/>
-                <a:cs typeface="Comic Sans MS"/>
-              </a:rPr>
-              <a:t>Pr</a:t>
-            </a:r>
-            <a:r>
-              <a:rPr lang="en-US" sz="4400" dirty="0" smtClean="0">
-                <a:solidFill>
-                  <a:srgbClr val="0000FF"/>
-                </a:solidFill>
-                <a:latin typeface="Comic Sans MS"/>
-                <a:cs typeface="Comic Sans MS"/>
-              </a:rPr>
-              <a:t>[Z </a:t>
-            </a:r>
-            <a:r>
-              <a:rPr lang="en-US" sz="4400" dirty="0" smtClean="0">
-                <a:solidFill>
-                  <a:srgbClr val="0000FF"/>
-                </a:solidFill>
-                <a:latin typeface="Comic Sans MS"/>
-                <a:cs typeface="Comic Sans MS"/>
-              </a:rPr>
-              <a:t>no </a:t>
-            </a:r>
-            <a:r>
-              <a:rPr lang="en-US" sz="4400" dirty="0" smtClean="0">
-                <a:solidFill>
-                  <a:srgbClr val="0000FF"/>
-                </a:solidFill>
-                <a:latin typeface="Comic Sans MS"/>
-                <a:cs typeface="Comic Sans MS"/>
-              </a:rPr>
-              <a:t>good]</a:t>
-            </a:r>
-            <a:endParaRPr lang="en-US" sz="4400" dirty="0" smtClean="0">
-              <a:solidFill>
-                <a:srgbClr val="0000FF"/>
-              </a:solidFill>
-              <a:latin typeface="Comic Sans MS"/>
-              <a:cs typeface="Comic Sans MS"/>
-            </a:endParaRPr>
-          </a:p>
-        </p:txBody>
-      </p:sp>
-      <p:graphicFrame>
-        <p:nvGraphicFramePr>
-          <p:cNvPr id="4098" name="Object 9"/>
-          <p:cNvGraphicFramePr>
-            <a:graphicFrameLocks noChangeAspect="1"/>
-          </p:cNvGraphicFramePr>
-          <p:nvPr/>
-        </p:nvGraphicFramePr>
-        <p:xfrm>
-          <a:off x="3022600" y="3073400"/>
-          <a:ext cx="914400" cy="220663"/>
-        </p:xfrm>
-        <a:graphic>
-          <a:graphicData uri="http://schemas.openxmlformats.org/presentationml/2006/ole">
-            <mc:AlternateContent xmlns:mc="http://schemas.openxmlformats.org/markup-compatibility/2006">
-              <mc:Choice xmlns:v="urn:schemas-microsoft-com:vml" Requires="v">
-                <p:oleObj spid="_x0000_s502811" name="Equation" r:id="rId4" imgW="914400" imgH="220320" progId="Equation.DSMT4">
-                  <p:embed/>
-                </p:oleObj>
-              </mc:Choice>
-              <mc:Fallback>
-                <p:oleObj name="Equation" r:id="rId4" imgW="914400" imgH="220320" progId="Equation.DSMT4">
-                  <p:embed/>
-                  <p:pic>
-                    <p:nvPicPr>
-                      <p:cNvPr id="0" name="Object 9"/>
-                      <p:cNvPicPr>
-                        <a:picLocks noChangeAspect="1" noChangeArrowheads="1"/>
-                      </p:cNvPicPr>
-                      <p:nvPr/>
-                    </p:nvPicPr>
-                    <p:blipFill>
-                      <a:blip r:embed="rId5">
-                        <a:extLst>
-                          <a:ext uri="{28A0092B-C50C-407E-A947-70E740481C1C}">
-                            <a14:useLocalDpi xmlns:a14="http://schemas.microsoft.com/office/drawing/2010/main" val="0"/>
-                          </a:ext>
-                        </a:extLst>
-                      </a:blip>
-                      <a:srcRect/>
-                      <a:stretch>
-                        <a:fillRect/>
-                      </a:stretch>
-                    </p:blipFill>
-                    <p:spPr bwMode="auto">
-                      <a:xfrm>
-                        <a:off x="3022600" y="3073400"/>
-                        <a:ext cx="914400" cy="220663"/>
-                      </a:xfrm>
-                      <a:prstGeom prst="rect">
-                        <a:avLst/>
-                      </a:prstGeom>
-                      <a:noFill/>
-                      <a:extLst>
-                        <a:ext uri="{909E8E84-426E-40dd-AFC4-6F175D3DCCD1}">
-                          <a14:hiddenFill xmlns:a14="http://schemas.microsoft.com/office/drawing/2010/main">
-                            <a:solidFill>
-                              <a:srgbClr val="FFFFFF"/>
-                            </a:solidFill>
-                          </a14:hiddenFill>
-                        </a:ext>
-                      </a:extLst>
-                    </p:spPr>
-                  </p:pic>
-                </p:oleObj>
-              </mc:Fallback>
-            </mc:AlternateContent>
-          </a:graphicData>
-        </a:graphic>
-      </p:graphicFrame>
-      <p:sp>
-        <p:nvSpPr>
-          <p:cNvPr id="10" name="Rectangle 2"/>
-          <p:cNvSpPr txBox="1">
-            <a:spLocks noChangeArrowheads="1"/>
-          </p:cNvSpPr>
-          <p:nvPr/>
-        </p:nvSpPr>
-        <p:spPr bwMode="auto">
-          <a:xfrm>
-            <a:off x="1143000" y="228600"/>
-            <a:ext cx="7543800" cy="1143000"/>
-          </a:xfrm>
-          <a:prstGeom prst="rect">
-            <a:avLst/>
-          </a:prstGeom>
-          <a:noFill/>
-          <a:ln w="9525">
-            <a:noFill/>
-            <a:miter lim="800000"/>
-            <a:headEnd/>
-            <a:tailEnd/>
-          </a:ln>
-        </p:spPr>
-        <p:txBody>
-          <a:bodyPr vert="horz" wrap="square" lIns="91440" tIns="45720" rIns="91440" bIns="45720" numCol="1" anchor="ctr" anchorCtr="0" compatLnSpc="1">
-            <a:prstTxWarp prst="textNoShape">
-              <a:avLst/>
-            </a:prstTxWarp>
-          </a:bodyPr>
-          <a:lstStyle/>
-          <a:p>
-            <a:pPr marL="0" marR="0" lvl="0" indent="0" algn="ctr" defTabSz="914400" rtl="0" eaLnBrk="1" fontAlgn="base" latinLnBrk="0" hangingPunct="1">
-              <a:lnSpc>
-                <a:spcPct val="100000"/>
-              </a:lnSpc>
-              <a:spcBef>
-                <a:spcPct val="0"/>
-              </a:spcBef>
-              <a:spcAft>
-                <a:spcPct val="0"/>
-              </a:spcAft>
-              <a:buClrTx/>
-              <a:buSzTx/>
-              <a:buFontTx/>
-              <a:buNone/>
-              <a:tabLst/>
-              <a:defRPr/>
-            </a:pPr>
-            <a:r>
-              <a:rPr kumimoji="0" lang="en-US" sz="4000" b="1" i="0" u="none" strike="noStrike" kern="0" cap="none" spc="0" normalizeH="0" baseline="0" noProof="0" smtClean="0">
-                <a:ln>
-                  <a:noFill/>
-                </a:ln>
-                <a:solidFill>
-                  <a:schemeClr val="tx2"/>
-                </a:solidFill>
-                <a:effectLst/>
-                <a:uLnTx/>
-                <a:uFillTx/>
-                <a:latin typeface="+mj-lt"/>
-                <a:ea typeface="+mj-ea"/>
-                <a:cs typeface="+mj-cs"/>
-              </a:rPr>
-              <a:t>Analysis of Team 2 Strategy</a:t>
-            </a:r>
-          </a:p>
-        </p:txBody>
-      </p:sp>
-      <p:sp>
-        <p:nvSpPr>
-          <p:cNvPr id="7" name="Slide Number Placeholder 6"/>
-          <p:cNvSpPr>
-            <a:spLocks noGrp="1" noChangeArrowheads="1"/>
-          </p:cNvSpPr>
-          <p:nvPr>
-            <p:ph type="sldNum" sz="quarter" idx="4294967295"/>
-          </p:nvPr>
-        </p:nvSpPr>
-        <p:spPr bwMode="auto">
-          <a:xfrm>
-            <a:off x="7554913" y="6577965"/>
-            <a:ext cx="1527175" cy="244475"/>
-          </a:xfrm>
-          <a:prstGeom prst="rect">
-            <a:avLst/>
-          </a:prstGeom>
-          <a:noFill/>
-          <a:ln w="9525">
-            <a:noFill/>
-            <a:miter lim="800000"/>
-            <a:headEnd/>
-            <a:tailEnd/>
-          </a:ln>
-          <a:effectLst/>
-        </p:spPr>
-        <p:txBody>
-          <a:bodyPr vert="horz" wrap="square" lIns="91440" tIns="45720" rIns="91440" bIns="45720" numCol="1" anchor="t" anchorCtr="0" compatLnSpc="1">
-            <a:prstTxWarp prst="textNoShape">
-              <a:avLst/>
-            </a:prstTxWarp>
-          </a:bodyPr>
-          <a:lstStyle>
-            <a:lvl1pPr algn="r">
-              <a:defRPr sz="1200">
-                <a:latin typeface="+mn-lt"/>
-              </a:defRPr>
-            </a:lvl1pPr>
-          </a:lstStyle>
-          <a:p>
-            <a:pPr>
-              <a:defRPr/>
-            </a:pPr>
-            <a:r>
-              <a:rPr lang="en-US" dirty="0" err="1" smtClean="0"/>
-              <a:t>lec</a:t>
-            </a:r>
-            <a:r>
-              <a:rPr lang="en-US" dirty="0" smtClean="0"/>
-              <a:t> 12W.</a:t>
-            </a:r>
-            <a:fld id="{7886A709-CED2-48A3-8616-B2655C008ECB}" type="slidenum">
-              <a:rPr lang="en-US" smtClean="0"/>
-              <a:pPr>
-                <a:defRPr/>
-              </a:pPr>
-              <a:t>9</a:t>
-            </a:fld>
-            <a:endParaRPr lang="en-US" dirty="0"/>
-          </a:p>
-        </p:txBody>
-      </p:sp>
-    </p:spTree>
-  </p:cSld>
-  <p:clrMapOvr>
-    <a:masterClrMapping/>
-  </p:clrMapOvr>
-  <p:transition xmlns:p14="http://schemas.microsoft.com/office/powerpoint/2010/main" spd="slow">
-    <p:fade/>
-  </p:transition>
-  <p:timing>
-    <p:tnLst>
-      <p:par>
-        <p:cTn xmlns:p14="http://schemas.microsoft.com/office/powerpoint/2010/main" id="1" dur="indefinite" restart="never" nodeType="tmRoot">
-          <p:childTnLst>
-            <p:seq concurrent="1" nextAc="seek">
-              <p:cTn id="2" dur="indefinite" nodeType="mainSeq">
-                <p:childTnLst>
-                  <p:par>
-                    <p:cTn id="3" fill="hold">
-                      <p:stCondLst>
-                        <p:cond delay="indefinite"/>
-                        <p:cond evt="onBegin" delay="0">
-                          <p:tn val="2"/>
-                        </p:cond>
-                      </p:stCondLst>
-                      <p:childTnLst>
-                        <p:par>
-                          <p:cTn id="4" fill="hold">
-                            <p:stCondLst>
-                              <p:cond delay="0"/>
-                            </p:stCondLst>
-                            <p:childTnLst>
-                              <p:par>
-                                <p:cTn id="5" presetID="22" presetClass="entr" presetSubtype="8" fill="hold" nodeType="withEffect">
-                                  <p:stCondLst>
-                                    <p:cond delay="0"/>
-                                  </p:stCondLst>
-                                  <p:childTnLst>
-                                    <p:set>
-                                      <p:cBhvr>
-                                        <p:cTn id="6" dur="1" fill="hold">
-                                          <p:stCondLst>
-                                            <p:cond delay="0"/>
-                                          </p:stCondLst>
-                                        </p:cTn>
-                                        <p:tgtEl>
-                                          <p:spTgt spid="138243">
-                                            <p:txEl>
-                                              <p:pRg st="3" end="3"/>
-                                            </p:txEl>
-                                          </p:spTgt>
-                                        </p:tgtEl>
-                                        <p:attrNameLst>
-                                          <p:attrName>style.visibility</p:attrName>
-                                        </p:attrNameLst>
-                                      </p:cBhvr>
-                                      <p:to>
-                                        <p:strVal val="visible"/>
-                                      </p:to>
-                                    </p:set>
-                                    <p:animEffect transition="in" filter="wipe(left)">
-                                      <p:cBhvr>
-                                        <p:cTn id="7" dur="1000"/>
-                                        <p:tgtEl>
-                                          <p:spTgt spid="138243">
-                                            <p:txEl>
-                                              <p:pRg st="3" end="3"/>
-                                            </p:txEl>
-                                          </p:spTgt>
-                                        </p:tgtEl>
-                                      </p:cBhvr>
-                                    </p:animEffect>
-                                  </p:childTnLst>
-                                </p:cTn>
-                              </p:par>
-                            </p:childTnLst>
-                          </p:cTn>
-                        </p:par>
-                        <p:par>
-                          <p:cTn id="8" fill="hold">
-                            <p:stCondLst>
-                              <p:cond delay="1000"/>
-                            </p:stCondLst>
-                            <p:childTnLst>
-                              <p:par>
-                                <p:cTn id="9" presetID="22" presetClass="entr" presetSubtype="8" fill="hold" nodeType="afterEffect">
-                                  <p:stCondLst>
-                                    <p:cond delay="0"/>
-                                  </p:stCondLst>
-                                  <p:childTnLst>
-                                    <p:set>
-                                      <p:cBhvr>
-                                        <p:cTn id="10" dur="1" fill="hold">
-                                          <p:stCondLst>
-                                            <p:cond delay="0"/>
-                                          </p:stCondLst>
-                                        </p:cTn>
-                                        <p:tgtEl>
-                                          <p:spTgt spid="138243">
-                                            <p:txEl>
-                                              <p:pRg st="4" end="4"/>
-                                            </p:txEl>
-                                          </p:spTgt>
-                                        </p:tgtEl>
-                                        <p:attrNameLst>
-                                          <p:attrName>style.visibility</p:attrName>
-                                        </p:attrNameLst>
-                                      </p:cBhvr>
-                                      <p:to>
-                                        <p:strVal val="visible"/>
-                                      </p:to>
-                                    </p:set>
-                                    <p:animEffect transition="in" filter="wipe(left)">
-                                      <p:cBhvr>
-                                        <p:cTn id="11" dur="1000"/>
-                                        <p:tgtEl>
-                                          <p:spTgt spid="138243">
-                                            <p:txEl>
-                                              <p:pRg st="4" end="4"/>
-                                            </p:txEl>
-                                          </p:spTgt>
                                         </p:tgtEl>
                                       </p:cBhvr>
                                     </p:animEffect>

--- a/spring13/slides13/ranvar-bigger-number.pptx
+++ b/spring13/slides13/ranvar-bigger-number.pptx
@@ -5,10 +5,10 @@
     <p:sldMasterId id="2147483648" r:id="rId1"/>
   </p:sldMasterIdLst>
   <p:notesMasterIdLst>
-    <p:notesMasterId r:id="rId20"/>
+    <p:notesMasterId r:id="rId21"/>
   </p:notesMasterIdLst>
   <p:handoutMasterIdLst>
-    <p:handoutMasterId r:id="rId21"/>
+    <p:handoutMasterId r:id="rId22"/>
   </p:handoutMasterIdLst>
   <p:sldIdLst>
     <p:sldId id="257" r:id="rId2"/>
@@ -24,11 +24,12 @@
     <p:sldId id="367" r:id="rId12"/>
     <p:sldId id="374" r:id="rId13"/>
     <p:sldId id="375" r:id="rId14"/>
-    <p:sldId id="265" r:id="rId15"/>
-    <p:sldId id="376" r:id="rId16"/>
-    <p:sldId id="267" r:id="rId17"/>
-    <p:sldId id="370" r:id="rId18"/>
-    <p:sldId id="371" r:id="rId19"/>
+    <p:sldId id="377" r:id="rId15"/>
+    <p:sldId id="265" r:id="rId16"/>
+    <p:sldId id="376" r:id="rId17"/>
+    <p:sldId id="267" r:id="rId18"/>
+    <p:sldId id="370" r:id="rId19"/>
+    <p:sldId id="371" r:id="rId20"/>
   </p:sldIdLst>
   <p:sldSz cx="9144000" cy="6858000" type="screen4x3"/>
   <p:notesSz cx="9601200" cy="7315200"/>
@@ -1397,7 +1398,7 @@
       </p:grpSpPr>
       <p:sp>
         <p:nvSpPr>
-          <p:cNvPr id="54274" name="Rectangle 7"/>
+          <p:cNvPr id="53250" name="Rectangle 7"/>
           <p:cNvSpPr>
             <a:spLocks noGrp="1" noChangeArrowheads="1"/>
           </p:cNvSpPr>
@@ -1412,7 +1413,7 @@
           <a:bodyPr/>
           <a:lstStyle/>
           <a:p>
-            <a:fld id="{16FA44C9-DEE3-4123-B243-27C2B35E23EF}" type="slidenum">
+            <a:fld id="{4608C89F-0EC1-4547-8A57-DE125A4D0833}" type="slidenum">
               <a:rPr lang="en-US" smtClean="0"/>
               <a:pPr/>
               <a:t>14</a:t>
@@ -1423,7 +1424,7 @@
       </p:sp>
       <p:sp>
         <p:nvSpPr>
-          <p:cNvPr id="54275" name="Rectangle 2"/>
+          <p:cNvPr id="53251" name="Rectangle 2"/>
           <p:cNvSpPr>
             <a:spLocks noGrp="1" noRot="1" noChangeAspect="1" noChangeArrowheads="1" noTextEdit="1"/>
           </p:cNvSpPr>
@@ -1441,7 +1442,7 @@
       </p:sp>
       <p:sp>
         <p:nvSpPr>
-          <p:cNvPr id="54276" name="Rectangle 3"/>
+          <p:cNvPr id="53252" name="Rectangle 3"/>
           <p:cNvSpPr>
             <a:spLocks noGrp="1" noChangeArrowheads="1"/>
           </p:cNvSpPr>
@@ -1457,7 +1458,6 @@
           <a:bodyPr/>
           <a:lstStyle/>
           <a:p>
-            <a:pPr eaLnBrk="1" hangingPunct="1"/>
             <a:endParaRPr lang="en-US" smtClean="0"/>
           </a:p>
         </p:txBody>
@@ -1581,7 +1581,7 @@
       </p:grpSpPr>
       <p:sp>
         <p:nvSpPr>
-          <p:cNvPr id="55298" name="Rectangle 7"/>
+          <p:cNvPr id="54274" name="Rectangle 7"/>
           <p:cNvSpPr>
             <a:spLocks noGrp="1" noChangeArrowheads="1"/>
           </p:cNvSpPr>
@@ -1596,7 +1596,7 @@
           <a:bodyPr/>
           <a:lstStyle/>
           <a:p>
-            <a:fld id="{CCF6D73D-881C-4C15-8768-B3D24FF458CB}" type="slidenum">
+            <a:fld id="{16FA44C9-DEE3-4123-B243-27C2B35E23EF}" type="slidenum">
               <a:rPr lang="en-US" smtClean="0"/>
               <a:pPr/>
               <a:t>16</a:t>
@@ -1607,7 +1607,7 @@
       </p:sp>
       <p:sp>
         <p:nvSpPr>
-          <p:cNvPr id="55299" name="Rectangle 2"/>
+          <p:cNvPr id="54275" name="Rectangle 2"/>
           <p:cNvSpPr>
             <a:spLocks noGrp="1" noRot="1" noChangeAspect="1" noChangeArrowheads="1" noTextEdit="1"/>
           </p:cNvSpPr>
@@ -1625,7 +1625,7 @@
       </p:sp>
       <p:sp>
         <p:nvSpPr>
-          <p:cNvPr id="55300" name="Rectangle 3"/>
+          <p:cNvPr id="54276" name="Rectangle 3"/>
           <p:cNvSpPr>
             <a:spLocks noGrp="1" noChangeArrowheads="1"/>
           </p:cNvSpPr>
@@ -1765,6 +1765,98 @@
       </p:grpSpPr>
       <p:sp>
         <p:nvSpPr>
+          <p:cNvPr id="55298" name="Rectangle 7"/>
+          <p:cNvSpPr>
+            <a:spLocks noGrp="1" noChangeArrowheads="1"/>
+          </p:cNvSpPr>
+          <p:nvPr>
+            <p:ph type="sldNum" sz="quarter" idx="5"/>
+          </p:nvPr>
+        </p:nvSpPr>
+        <p:spPr>
+          <a:noFill/>
+        </p:spPr>
+        <p:txBody>
+          <a:bodyPr/>
+          <a:lstStyle/>
+          <a:p>
+            <a:fld id="{CCF6D73D-881C-4C15-8768-B3D24FF458CB}" type="slidenum">
+              <a:rPr lang="en-US" smtClean="0"/>
+              <a:pPr/>
+              <a:t>18</a:t>
+            </a:fld>
+            <a:endParaRPr lang="en-US" smtClean="0"/>
+          </a:p>
+        </p:txBody>
+      </p:sp>
+      <p:sp>
+        <p:nvSpPr>
+          <p:cNvPr id="55299" name="Rectangle 2"/>
+          <p:cNvSpPr>
+            <a:spLocks noGrp="1" noRot="1" noChangeAspect="1" noChangeArrowheads="1" noTextEdit="1"/>
+          </p:cNvSpPr>
+          <p:nvPr>
+            <p:ph type="sldImg"/>
+          </p:nvPr>
+        </p:nvSpPr>
+        <p:spPr>
+          <a:xfrm>
+            <a:off x="2973388" y="549275"/>
+            <a:ext cx="3659187" cy="2743200"/>
+          </a:xfrm>
+          <a:ln/>
+        </p:spPr>
+      </p:sp>
+      <p:sp>
+        <p:nvSpPr>
+          <p:cNvPr id="55300" name="Rectangle 3"/>
+          <p:cNvSpPr>
+            <a:spLocks noGrp="1" noChangeArrowheads="1"/>
+          </p:cNvSpPr>
+          <p:nvPr>
+            <p:ph type="body" idx="1"/>
+          </p:nvPr>
+        </p:nvSpPr>
+        <p:spPr>
+          <a:noFill/>
+          <a:ln/>
+        </p:spPr>
+        <p:txBody>
+          <a:bodyPr/>
+          <a:lstStyle/>
+          <a:p>
+            <a:pPr eaLnBrk="1" hangingPunct="1"/>
+            <a:endParaRPr lang="en-US" smtClean="0"/>
+          </a:p>
+        </p:txBody>
+      </p:sp>
+    </p:spTree>
+  </p:cSld>
+  <p:clrMapOvr>
+    <a:masterClrMapping/>
+  </p:clrMapOvr>
+</p:notes>
+</file>
+
+<file path=ppt/notesSlides/notesSlide19.xml><?xml version="1.0" encoding="utf-8"?>
+<p:notes xmlns:a="http://schemas.openxmlformats.org/drawingml/2006/main" xmlns:r="http://schemas.openxmlformats.org/officeDocument/2006/relationships" xmlns:p="http://schemas.openxmlformats.org/presentationml/2006/main">
+  <p:cSld>
+    <p:spTree>
+      <p:nvGrpSpPr>
+        <p:cNvPr id="1" name=""/>
+        <p:cNvGrpSpPr/>
+        <p:nvPr/>
+      </p:nvGrpSpPr>
+      <p:grpSpPr>
+        <a:xfrm>
+          <a:off x="0" y="0"/>
+          <a:ext cx="0" cy="0"/>
+          <a:chOff x="0" y="0"/>
+          <a:chExt cx="0" cy="0"/>
+        </a:xfrm>
+      </p:grpSpPr>
+      <p:sp>
+        <p:nvSpPr>
           <p:cNvPr id="56322" name="Rectangle 7"/>
           <p:cNvSpPr>
             <a:spLocks noGrp="1" noChangeArrowheads="1"/>
@@ -1783,7 +1875,7 @@
             <a:fld id="{9CF3396C-60EE-461A-A552-CDEB6E7090F5}" type="slidenum">
               <a:rPr lang="en-US" smtClean="0"/>
               <a:pPr/>
-              <a:t>18</a:t>
+              <a:t>19</a:t>
             </a:fld>
             <a:endParaRPr lang="en-US" smtClean="0"/>
           </a:p>
@@ -3359,7 +3451,37 @@
                 <a:uFillTx/>
                 <a:latin typeface="Comic Sans MS" pitchFamily="66" charset="0"/>
               </a:rPr>
-              <a:t>Albert R Meyer           May 9, 2013</a:t>
+              <a:t>Albert R Meyer           </a:t>
+            </a:r>
+            <a:r>
+              <a:rPr kumimoji="0" lang="en-US" sz="1200" b="0" i="0" u="none" strike="noStrike" kern="1200" cap="none" spc="0" normalizeH="0" baseline="0" noProof="0" smtClean="0">
+                <a:ln>
+                  <a:noFill/>
+                </a:ln>
+                <a:solidFill>
+                  <a:schemeClr val="tx1"/>
+                </a:solidFill>
+                <a:effectLst/>
+                <a:uLnTx/>
+                <a:uFillTx/>
+                <a:latin typeface="Comic Sans MS" pitchFamily="66" charset="0"/>
+              </a:rPr>
+              <a:t>May 6, </a:t>
+            </a:r>
+            <a:r>
+              <a:rPr kumimoji="0" lang="en-US" sz="1200" b="0" i="0" u="none" strike="noStrike" kern="1200" cap="none" spc="0" normalizeH="0" baseline="0" noProof="0" dirty="0" smtClean="0">
+                <a:ln>
+                  <a:noFill/>
+                </a:ln>
+                <a:solidFill>
+                  <a:schemeClr val="tx1"/>
+                </a:solidFill>
+                <a:effectLst/>
+                <a:uLnTx/>
+                <a:uFillTx/>
+                <a:latin typeface="Comic Sans MS" pitchFamily="66" charset="0"/>
+              </a:rPr>
+              <a:t>2013</a:t>
             </a:r>
             <a:endParaRPr kumimoji="0" lang="en-US" sz="1200" b="0" i="0" u="none" strike="noStrike" kern="1200" cap="none" spc="0" normalizeH="0" baseline="0" noProof="0" dirty="0">
               <a:ln>
@@ -4781,7 +4903,7 @@
           <a:graphicData uri="http://schemas.openxmlformats.org/presentationml/2006/ole">
             <mc:AlternateContent xmlns:mc="http://schemas.openxmlformats.org/markup-compatibility/2006">
               <mc:Choice xmlns:v="urn:schemas-microsoft-com:vml" Requires="v">
-                <p:oleObj spid="_x0000_s502826" name="Equation" r:id="rId4" imgW="914400" imgH="220320" progId="Equation.DSMT4">
+                <p:oleObj spid="_x0000_s502833" name="Equation" r:id="rId4" imgW="914400" imgH="220320" progId="Equation.DSMT4">
                   <p:embed/>
                 </p:oleObj>
               </mc:Choice>
@@ -5360,7 +5482,7 @@
           <a:graphicData uri="http://schemas.openxmlformats.org/presentationml/2006/ole">
             <mc:AlternateContent xmlns:mc="http://schemas.openxmlformats.org/markup-compatibility/2006">
               <mc:Choice xmlns:v="urn:schemas-microsoft-com:vml" Requires="v">
-                <p:oleObj spid="_x0000_s584712" name="Equation" r:id="rId4" imgW="914400" imgH="220320" progId="Equation.DSMT4">
+                <p:oleObj spid="_x0000_s584727" name="Equation" r:id="rId4" imgW="914400" imgH="220320" progId="Equation.DSMT4">
                   <p:embed/>
                 </p:oleObj>
               </mc:Choice>
@@ -5602,7 +5724,7 @@
           <a:graphicData uri="http://schemas.openxmlformats.org/presentationml/2006/ole">
             <mc:AlternateContent xmlns:mc="http://schemas.openxmlformats.org/markup-compatibility/2006">
               <mc:Choice xmlns:v="urn:schemas-microsoft-com:vml" Requires="v">
-                <p:oleObj spid="_x0000_s584713" name="Equation" r:id="rId6" imgW="177800" imgH="355600" progId="Equation.DSMT4">
+                <p:oleObj spid="_x0000_s584728" name="Equation" r:id="rId6" imgW="177800" imgH="355600" progId="Equation.DSMT4">
                   <p:embed/>
                 </p:oleObj>
               </mc:Choice>
@@ -5659,7 +5781,7 @@
           <a:graphicData uri="http://schemas.openxmlformats.org/presentationml/2006/ole">
             <mc:AlternateContent xmlns:mc="http://schemas.openxmlformats.org/markup-compatibility/2006">
               <mc:Choice xmlns:v="urn:schemas-microsoft-com:vml" Requires="v">
-                <p:oleObj spid="_x0000_s584714" name="Equation" r:id="rId8" imgW="177800" imgH="355600" progId="Equation.DSMT4">
+                <p:oleObj spid="_x0000_s584729" name="Equation" r:id="rId8" imgW="177800" imgH="355600" progId="Equation.DSMT4">
                   <p:embed/>
                 </p:oleObj>
               </mc:Choice>
@@ -5951,7 +6073,7 @@
 </file>
 
 <file path=ppt/slides/slide13.xml><?xml version="1.0" encoding="utf-8"?>
-<p:sld xmlns:a="http://schemas.openxmlformats.org/drawingml/2006/main" xmlns:r="http://schemas.openxmlformats.org/officeDocument/2006/relationships" xmlns:p="http://schemas.openxmlformats.org/presentationml/2006/main">
+<p:sld xmlns:a="http://schemas.openxmlformats.org/drawingml/2006/main" xmlns:r="http://schemas.openxmlformats.org/officeDocument/2006/relationships" xmlns:p="http://schemas.openxmlformats.org/presentationml/2006/main" show="0">
   <p:cSld>
     <p:spTree>
       <p:nvGrpSpPr>
@@ -6136,7 +6258,7 @@
           <a:graphicData uri="http://schemas.openxmlformats.org/presentationml/2006/ole">
             <mc:AlternateContent xmlns:mc="http://schemas.openxmlformats.org/markup-compatibility/2006">
               <mc:Choice xmlns:v="urn:schemas-microsoft-com:vml" Requires="v">
-                <p:oleObj spid="_x0000_s585736" name="Equation" r:id="rId4" imgW="914400" imgH="220320" progId="Equation.DSMT4">
+                <p:oleObj spid="_x0000_s585747" name="Equation" r:id="rId4" imgW="914400" imgH="220320" progId="Equation.DSMT4">
                   <p:embed/>
                 </p:oleObj>
               </mc:Choice>
@@ -6372,7 +6494,7 @@
           <a:graphicData uri="http://schemas.openxmlformats.org/presentationml/2006/ole">
             <mc:AlternateContent xmlns:mc="http://schemas.openxmlformats.org/markup-compatibility/2006">
               <mc:Choice xmlns:v="urn:schemas-microsoft-com:vml" Requires="v">
-                <p:oleObj spid="_x0000_s585737" name="Equation" r:id="rId6" imgW="1447560" imgH="482400" progId="Equation.DSMT4">
+                <p:oleObj spid="_x0000_s585748" name="Equation" r:id="rId6" imgW="1447560" imgH="482400" progId="Equation.DSMT4">
                   <p:embed/>
                 </p:oleObj>
               </mc:Choice>
@@ -6481,13 +6603,13 @@
   <p:clrMapOvr>
     <a:masterClrMapping/>
   </p:clrMapOvr>
-  <mc:AlternateContent xmlns:mc="http://schemas.openxmlformats.org/markup-compatibility/2006" xmlns:p14="http://schemas.microsoft.com/office/powerpoint/2010/main">
-    <mc:Choice Requires="p14">
+  <mc:AlternateContent xmlns:mc="http://schemas.openxmlformats.org/markup-compatibility/2006">
+    <mc:Choice xmlns:p14="http://schemas.microsoft.com/office/powerpoint/2010/main" Requires="p14">
       <p:transition spd="med" p14:dur="600" advClick="0">
         <p:fade/>
       </p:transition>
     </mc:Choice>
-    <mc:Fallback xmlns="">
+    <mc:Fallback>
       <p:transition xmlns:p14="http://schemas.microsoft.com/office/powerpoint/2010/main" spd="med" advClick="0">
         <p:fade/>
       </p:transition>
@@ -6726,44 +6848,7 @@
       </p:grpSpPr>
       <p:sp>
         <p:nvSpPr>
-          <p:cNvPr id="6" name="Slide Number Placeholder 3"/>
-          <p:cNvSpPr>
-            <a:spLocks noGrp="1"/>
-          </p:cNvSpPr>
-          <p:nvPr>
-            <p:ph type="sldNum" sz="quarter" idx="11"/>
-          </p:nvPr>
-        </p:nvSpPr>
-        <p:spPr/>
-        <p:txBody>
-          <a:bodyPr/>
-          <a:lstStyle/>
-          <a:p>
-            <a:pPr>
-              <a:defRPr/>
-            </a:pPr>
-            <a:r>
-              <a:rPr lang="en-US" dirty="0" err="1" smtClean="0"/>
-              <a:t>ranvarbigger</a:t>
-            </a:r>
-            <a:r>
-              <a:rPr lang="en-US" dirty="0" smtClean="0"/>
-              <a:t>.</a:t>
-            </a:r>
-            <a:fld id="{601D9D26-416F-483A-A5D6-37381C6E500B}" type="slidenum">
-              <a:rPr lang="en-US" smtClean="0"/>
-              <a:pPr>
-                <a:defRPr/>
-              </a:pPr>
-              <a:t>14</a:t>
-            </a:fld>
-            <a:endParaRPr lang="en-US" dirty="0"/>
-          </a:p>
-        </p:txBody>
-      </p:sp>
-      <p:sp>
-        <p:nvSpPr>
-          <p:cNvPr id="26627" name="Rectangle 3"/>
+          <p:cNvPr id="138243" name="Rectangle 3"/>
           <p:cNvSpPr>
             <a:spLocks noGrp="1" noChangeArrowheads="1"/>
           </p:cNvSpPr>
@@ -6773,44 +6858,220 @@
         </p:nvSpPr>
         <p:spPr>
           <a:xfrm>
-            <a:off x="681552" y="1642543"/>
-            <a:ext cx="7725833" cy="3564467"/>
+            <a:off x="541867" y="1219199"/>
+            <a:ext cx="8051796" cy="4792133"/>
           </a:xfrm>
         </p:spPr>
         <p:txBody>
           <a:bodyPr/>
           <a:lstStyle/>
           <a:p>
-            <a:pPr eaLnBrk="1" hangingPunct="1"/>
-            <a:r>
-              <a:rPr lang="en-US" sz="6000" dirty="0" smtClean="0"/>
+            <a:pPr eaLnBrk="1" hangingPunct="1">
+              <a:buFontTx/>
+              <a:buNone/>
+            </a:pPr>
+            <a:r>
+              <a:rPr lang="en-US" sz="4800" dirty="0" smtClean="0">
+                <a:latin typeface="Comic Sans MS"/>
+                <a:cs typeface="Comic Sans MS"/>
+              </a:rPr>
               <a:t>So </a:t>
             </a:r>
             <a:r>
-              <a:rPr lang="en-US" sz="6000" dirty="0" smtClean="0">
+              <a:rPr lang="en-US" sz="4800" b="1" dirty="0" smtClean="0">
+                <a:latin typeface="Euclid Symbol" charset="2"/>
+                <a:cs typeface="Euclid Symbol" charset="2"/>
+                <a:sym typeface="Euclid Symbol" pitchFamily="18" charset="2"/>
+              </a:rPr>
+              <a:t>≥</a:t>
+            </a:r>
+            <a:r>
+              <a:rPr lang="en-US" sz="4800" dirty="0" smtClean="0">
+                <a:cs typeface="Comic Sans MS"/>
+                <a:sym typeface="Euclid Symbol" pitchFamily="18" charset="2"/>
+              </a:rPr>
+              <a:t> </a:t>
+            </a:r>
+            <a:r>
+              <a:rPr lang="en-US" sz="4800" dirty="0" smtClean="0">
+                <a:solidFill>
+                  <a:srgbClr val="0000CC"/>
+                </a:solidFill>
+                <a:latin typeface="Comic Sans MS"/>
+                <a:cs typeface="Comic Sans MS"/>
+              </a:rPr>
+              <a:t>1/7</a:t>
+            </a:r>
+            <a:r>
+              <a:rPr lang="en-US" sz="4800" dirty="0" smtClean="0">
+                <a:latin typeface="Comic Sans MS"/>
+                <a:cs typeface="Comic Sans MS"/>
+              </a:rPr>
+              <a:t> of time, sure win.</a:t>
+            </a:r>
+          </a:p>
+          <a:p>
+            <a:pPr eaLnBrk="1" hangingPunct="1">
+              <a:buFontTx/>
+              <a:buNone/>
+            </a:pPr>
+            <a:r>
+              <a:rPr lang="en-US" sz="4800" dirty="0" smtClean="0">
+                <a:latin typeface="Comic Sans MS"/>
+                <a:cs typeface="Comic Sans MS"/>
+              </a:rPr>
+              <a:t>Rest of time, win </a:t>
+            </a:r>
+            <a:r>
+              <a:rPr lang="en-US" sz="4800" dirty="0" smtClean="0">
                 <a:solidFill>
                   <a:srgbClr val="006600"/>
                 </a:solidFill>
+                <a:latin typeface="Comic Sans MS"/>
+                <a:cs typeface="Comic Sans MS"/>
+              </a:rPr>
+              <a:t>1/2</a:t>
+            </a:r>
+            <a:r>
+              <a:rPr lang="en-US" sz="4800" dirty="0" smtClean="0">
+                <a:solidFill>
+                  <a:srgbClr val="000000"/>
+                </a:solidFill>
+                <a:latin typeface="Comic Sans MS"/>
+                <a:cs typeface="Comic Sans MS"/>
+              </a:rPr>
+              <a:t>.</a:t>
+            </a:r>
+          </a:p>
+          <a:p>
+            <a:pPr eaLnBrk="1" hangingPunct="1">
+              <a:buFontTx/>
+              <a:buNone/>
+            </a:pPr>
+            <a:r>
+              <a:rPr lang="en-US" sz="5400" dirty="0" err="1" smtClean="0">
+                <a:solidFill>
+                  <a:srgbClr val="0000FF"/>
+                </a:solidFill>
+                <a:latin typeface="Comic Sans MS"/>
+                <a:cs typeface="Comic Sans MS"/>
+              </a:rPr>
+              <a:t>Pr</a:t>
+            </a:r>
+            <a:r>
+              <a:rPr lang="en-US" sz="5400" dirty="0" smtClean="0">
+                <a:solidFill>
+                  <a:srgbClr val="0000FF"/>
+                </a:solidFill>
+                <a:latin typeface="Comic Sans MS"/>
+                <a:cs typeface="Comic Sans MS"/>
+              </a:rPr>
+              <a:t>[</a:t>
+            </a:r>
+            <a:r>
+              <a:rPr lang="en-US" sz="5400" dirty="0" smtClean="0">
+                <a:solidFill>
+                  <a:srgbClr val="006600"/>
+                </a:solidFill>
+                <a:latin typeface="Comic Sans MS"/>
+                <a:cs typeface="Comic Sans MS"/>
               </a:rPr>
               <a:t>Team 2</a:t>
             </a:r>
             <a:r>
-              <a:rPr lang="en-US" sz="6000" dirty="0" smtClean="0"/>
-              <a:t> has the </a:t>
-            </a:r>
-          </a:p>
-          <a:p>
-            <a:pPr eaLnBrk="1" hangingPunct="1"/>
-            <a:r>
-              <a:rPr lang="en-US" sz="6000" dirty="0" smtClean="0"/>
-              <a:t>advantage</a:t>
+              <a:rPr lang="en-US" sz="5400" dirty="0" smtClean="0">
+                <a:solidFill>
+                  <a:srgbClr val="0000FF"/>
+                </a:solidFill>
+                <a:latin typeface="Comic Sans MS"/>
+                <a:cs typeface="Comic Sans MS"/>
+              </a:rPr>
+              <a:t> wins] </a:t>
+            </a:r>
+            <a:r>
+              <a:rPr lang="en-US" sz="5400" b="1" dirty="0" smtClean="0">
+                <a:latin typeface="Euclid Symbol" charset="2"/>
+                <a:cs typeface="Euclid Symbol" charset="2"/>
+                <a:sym typeface="Euclid Symbol" pitchFamily="18" charset="2"/>
+              </a:rPr>
+              <a:t>≥</a:t>
             </a:r>
           </a:p>
         </p:txBody>
       </p:sp>
+      <p:graphicFrame>
+        <p:nvGraphicFramePr>
+          <p:cNvPr id="4098" name="Object 9"/>
+          <p:cNvGraphicFramePr>
+            <a:graphicFrameLocks noChangeAspect="1"/>
+          </p:cNvGraphicFramePr>
+          <p:nvPr/>
+        </p:nvGraphicFramePr>
+        <p:xfrm>
+          <a:off x="3022600" y="3073400"/>
+          <a:ext cx="914400" cy="220663"/>
+        </p:xfrm>
+        <a:graphic>
+          <a:graphicData uri="http://schemas.openxmlformats.org/presentationml/2006/ole">
+            <mc:AlternateContent xmlns:mc="http://schemas.openxmlformats.org/markup-compatibility/2006">
+              <mc:Choice xmlns:v="urn:schemas-microsoft-com:vml" Requires="v">
+                <p:oleObj spid="_x0000_s1033" name="Equation" r:id="rId4" imgW="914400" imgH="220320" progId="Equation.DSMT4">
+                  <p:embed/>
+                </p:oleObj>
+              </mc:Choice>
+              <mc:Fallback>
+                <p:oleObj name="Equation" r:id="rId4" imgW="914400" imgH="220320" progId="Equation.DSMT4">
+                  <p:embed/>
+                  <p:pic>
+                    <p:nvPicPr>
+                      <p:cNvPr id="0" name=""/>
+                      <p:cNvPicPr>
+                        <a:picLocks noChangeAspect="1" noChangeArrowheads="1"/>
+                      </p:cNvPicPr>
+                      <p:nvPr/>
+                    </p:nvPicPr>
+                    <p:blipFill>
+                      <a:blip r:embed="rId5">
+                        <a:extLst>
+                          <a:ext uri="{28A0092B-C50C-407E-A947-70E740481C1C}">
+                            <a14:useLocalDpi xmlns:a14="http://schemas.microsoft.com/office/drawing/2010/main" val="0"/>
+                          </a:ext>
+                        </a:extLst>
+                      </a:blip>
+                      <a:srcRect/>
+                      <a:stretch>
+                        <a:fillRect/>
+                      </a:stretch>
+                    </p:blipFill>
+                    <p:spPr bwMode="auto">
+                      <a:xfrm>
+                        <a:off x="3022600" y="3073400"/>
+                        <a:ext cx="914400" cy="220663"/>
+                      </a:xfrm>
+                      <a:prstGeom prst="rect">
+                        <a:avLst/>
+                      </a:prstGeom>
+                      <a:noFill/>
+                      <a:extLst>
+                        <a:ext uri="{909E8E84-426E-40dd-AFC4-6F175D3DCCD1}">
+                          <a14:hiddenFill xmlns:a14="http://schemas.microsoft.com/office/drawing/2010/main">
+                            <a:solidFill>
+                              <a:srgbClr val="FFFFFF"/>
+                            </a:solidFill>
+                          </a14:hiddenFill>
+                        </a:ext>
+                      </a:extLst>
+                    </p:spPr>
+                  </p:pic>
+                </p:oleObj>
+              </mc:Fallback>
+            </mc:AlternateContent>
+          </a:graphicData>
+        </a:graphic>
+      </p:graphicFrame>
       <p:sp>
         <p:nvSpPr>
-          <p:cNvPr id="7" name="Rectangle 2"/>
+          <p:cNvPr id="10" name="Rectangle 2"/>
           <p:cNvSpPr txBox="1">
             <a:spLocks noChangeArrowheads="1"/>
           </p:cNvSpPr>
@@ -6818,7 +7079,7 @@
         </p:nvSpPr>
         <p:spPr bwMode="auto">
           <a:xfrm>
-            <a:off x="1143000" y="152400"/>
+            <a:off x="1143000" y="228600"/>
             <a:ext cx="7543800" cy="1143000"/>
           </a:xfrm>
           <a:prstGeom prst="rect">
@@ -6833,17 +7094,41 @@
           </a:ln>
         </p:spPr>
         <p:txBody>
-          <a:bodyPr anchor="ctr"/>
+          <a:bodyPr vert="horz" wrap="square" lIns="91440" tIns="45720" rIns="91440" bIns="45720" numCol="1" anchor="ctr" anchorCtr="0" compatLnSpc="1">
+            <a:prstTxWarp prst="textNoShape">
+              <a:avLst/>
+            </a:prstTxWarp>
+          </a:bodyPr>
           <a:lstStyle/>
           <a:p>
-            <a:pPr algn="ctr" eaLnBrk="0" hangingPunct="0">
+            <a:pPr marL="0" marR="0" lvl="0" indent="0" algn="ctr" defTabSz="914400" rtl="0" eaLnBrk="1" fontAlgn="base" latinLnBrk="0" hangingPunct="1">
+              <a:lnSpc>
+                <a:spcPct val="100000"/>
+              </a:lnSpc>
+              <a:spcBef>
+                <a:spcPct val="0"/>
+              </a:spcBef>
+              <a:spcAft>
+                <a:spcPct val="0"/>
+              </a:spcAft>
+              <a:buClrTx/>
+              <a:buSzTx/>
+              <a:buFontTx/>
+              <a:buNone/>
+              <a:tabLst/>
               <a:defRPr/>
             </a:pPr>
             <a:r>
-              <a:rPr lang="en-US" sz="4000" b="1" kern="0" dirty="0">
+              <a:rPr kumimoji="0" lang="en-US" sz="4000" b="1" i="0" u="none" strike="noStrike" kern="0" cap="none" spc="0" normalizeH="0" baseline="0" noProof="0" dirty="0" smtClean="0">
+                <a:ln>
+                  <a:noFill/>
+                </a:ln>
                 <a:solidFill>
                   <a:schemeClr val="tx2"/>
                 </a:solidFill>
+                <a:effectLst/>
+                <a:uLnTx/>
+                <a:uFillTx/>
                 <a:latin typeface="+mj-lt"/>
                 <a:ea typeface="+mj-ea"/>
                 <a:cs typeface="+mj-cs"/>
@@ -6851,10 +7136,16 @@
               <a:t>Analysis of </a:t>
             </a:r>
             <a:r>
-              <a:rPr lang="en-US" sz="4000" b="1" kern="0" dirty="0">
+              <a:rPr kumimoji="0" lang="en-US" sz="4000" b="1" i="0" u="none" strike="noStrike" kern="0" cap="none" spc="0" normalizeH="0" baseline="0" noProof="0" dirty="0" smtClean="0">
+                <a:ln>
+                  <a:noFill/>
+                </a:ln>
                 <a:solidFill>
                   <a:srgbClr val="006600"/>
                 </a:solidFill>
+                <a:effectLst/>
+                <a:uLnTx/>
+                <a:uFillTx/>
                 <a:latin typeface="+mj-lt"/>
                 <a:ea typeface="+mj-ea"/>
                 <a:cs typeface="+mj-cs"/>
@@ -6862,10 +7153,16 @@
               <a:t>Team 2</a:t>
             </a:r>
             <a:r>
-              <a:rPr lang="en-US" sz="4000" b="1" kern="0" dirty="0">
+              <a:rPr kumimoji="0" lang="en-US" sz="4000" b="1" i="0" u="none" strike="noStrike" kern="0" cap="none" spc="0" normalizeH="0" baseline="0" noProof="0" dirty="0" smtClean="0">
+                <a:ln>
+                  <a:noFill/>
+                </a:ln>
                 <a:solidFill>
                   <a:schemeClr val="tx2"/>
                 </a:solidFill>
+                <a:effectLst/>
+                <a:uLnTx/>
+                <a:uFillTx/>
                 <a:latin typeface="+mj-lt"/>
                 <a:ea typeface="+mj-ea"/>
                 <a:cs typeface="+mj-cs"/>
@@ -6875,20 +7172,416 @@
           </a:p>
         </p:txBody>
       </p:sp>
+      <p:sp>
+        <p:nvSpPr>
+          <p:cNvPr id="7" name="Slide Number Placeholder 6"/>
+          <p:cNvSpPr>
+            <a:spLocks noGrp="1" noChangeArrowheads="1"/>
+          </p:cNvSpPr>
+          <p:nvPr>
+            <p:ph type="sldNum" sz="quarter" idx="4294967295"/>
+          </p:nvPr>
+        </p:nvSpPr>
+        <p:spPr bwMode="auto">
+          <a:xfrm>
+            <a:off x="7554913" y="6577965"/>
+            <a:ext cx="1527175" cy="244475"/>
+          </a:xfrm>
+          <a:prstGeom prst="rect">
+            <a:avLst/>
+          </a:prstGeom>
+          <a:noFill/>
+          <a:ln w="9525">
+            <a:noFill/>
+            <a:miter lim="800000"/>
+            <a:headEnd/>
+            <a:tailEnd/>
+          </a:ln>
+          <a:effectLst/>
+        </p:spPr>
+        <p:txBody>
+          <a:bodyPr vert="horz" wrap="square" lIns="91440" tIns="45720" rIns="91440" bIns="45720" numCol="1" anchor="t" anchorCtr="0" compatLnSpc="1">
+            <a:prstTxWarp prst="textNoShape">
+              <a:avLst/>
+            </a:prstTxWarp>
+          </a:bodyPr>
+          <a:lstStyle>
+            <a:lvl1pPr algn="r">
+              <a:defRPr sz="1200">
+                <a:latin typeface="+mn-lt"/>
+              </a:defRPr>
+            </a:lvl1pPr>
+          </a:lstStyle>
+          <a:p>
+            <a:pPr>
+              <a:defRPr/>
+            </a:pPr>
+            <a:r>
+              <a:rPr lang="en-US" dirty="0" err="1" smtClean="0"/>
+              <a:t>ranvarbigger</a:t>
+            </a:r>
+            <a:r>
+              <a:rPr lang="en-US" dirty="0" smtClean="0"/>
+              <a:t>.</a:t>
+            </a:r>
+            <a:fld id="{7886A709-CED2-48A3-8616-B2655C008ECB}" type="slidenum">
+              <a:rPr lang="en-US" smtClean="0"/>
+              <a:pPr>
+                <a:defRPr/>
+              </a:pPr>
+              <a:t>14</a:t>
+            </a:fld>
+            <a:endParaRPr lang="en-US" dirty="0"/>
+          </a:p>
+        </p:txBody>
+      </p:sp>
+      <p:graphicFrame>
+        <p:nvGraphicFramePr>
+          <p:cNvPr id="9" name="Object 10"/>
+          <p:cNvGraphicFramePr>
+            <a:graphicFrameLocks noChangeAspect="1"/>
+          </p:cNvGraphicFramePr>
+          <p:nvPr>
+            <p:extLst>
+              <p:ext uri="{D42A27DB-BD31-4B8C-83A1-F6EECF244321}">
+                <p14:modId xmlns:p14="http://schemas.microsoft.com/office/powerpoint/2010/main" val="2756235574"/>
+              </p:ext>
+            </p:extLst>
+          </p:nvPr>
+        </p:nvGraphicFramePr>
+        <p:xfrm>
+          <a:off x="1082674" y="3763963"/>
+          <a:ext cx="6950075" cy="2606675"/>
+        </p:xfrm>
+        <a:graphic>
+          <a:graphicData uri="http://schemas.openxmlformats.org/presentationml/2006/ole">
+            <mc:AlternateContent xmlns:mc="http://schemas.openxmlformats.org/markup-compatibility/2006">
+              <mc:Choice xmlns:v="urn:schemas-microsoft-com:vml" Requires="v">
+                <p:oleObj spid="_x0000_s1034" name="Equation" r:id="rId6" imgW="1422400" imgH="533400" progId="Equation.DSMT4">
+                  <p:embed/>
+                </p:oleObj>
+              </mc:Choice>
+              <mc:Fallback>
+                <p:oleObj name="Equation" r:id="rId6" imgW="1422400" imgH="533400" progId="Equation.DSMT4">
+                  <p:embed/>
+                  <p:pic>
+                    <p:nvPicPr>
+                      <p:cNvPr id="0" name=""/>
+                      <p:cNvPicPr>
+                        <a:picLocks noChangeAspect="1" noChangeArrowheads="1"/>
+                      </p:cNvPicPr>
+                      <p:nvPr/>
+                    </p:nvPicPr>
+                    <p:blipFill>
+                      <a:blip r:embed="rId7"/>
+                      <a:srcRect/>
+                      <a:stretch>
+                        <a:fillRect/>
+                      </a:stretch>
+                    </p:blipFill>
+                    <p:spPr bwMode="auto">
+                      <a:xfrm>
+                        <a:off x="1082674" y="3763963"/>
+                        <a:ext cx="6950075" cy="2606675"/>
+                      </a:xfrm>
+                      <a:prstGeom prst="rect">
+                        <a:avLst/>
+                      </a:prstGeom>
+                      <a:noFill/>
+                      <a:extLst>
+                        <a:ext uri="{909E8E84-426E-40dd-AFC4-6F175D3DCCD1}">
+                          <a14:hiddenFill xmlns:a14="http://schemas.microsoft.com/office/drawing/2010/main">
+                            <a:solidFill>
+                              <a:srgbClr val="FFFFFF"/>
+                            </a:solidFill>
+                          </a14:hiddenFill>
+                        </a:ext>
+                      </a:extLst>
+                    </p:spPr>
+                  </p:pic>
+                </p:oleObj>
+              </mc:Fallback>
+            </mc:AlternateContent>
+          </a:graphicData>
+        </a:graphic>
+      </p:graphicFrame>
+      <p:sp>
+        <p:nvSpPr>
+          <p:cNvPr id="12" name="Rectangle 11"/>
+          <p:cNvSpPr/>
+          <p:nvPr/>
+        </p:nvSpPr>
+        <p:spPr>
+          <a:xfrm>
+            <a:off x="7099295" y="3936999"/>
+            <a:ext cx="990600" cy="2209800"/>
+          </a:xfrm>
+          <a:prstGeom prst="rect">
+            <a:avLst/>
+          </a:prstGeom>
+          <a:noFill/>
+          <a:ln w="38100">
+            <a:solidFill>
+              <a:srgbClr val="FF00FF"/>
+            </a:solidFill>
+            <a:prstDash val="sysDash"/>
+          </a:ln>
+        </p:spPr>
+        <p:style>
+          <a:lnRef idx="1">
+            <a:schemeClr val="accent1"/>
+          </a:lnRef>
+          <a:fillRef idx="3">
+            <a:schemeClr val="accent1"/>
+          </a:fillRef>
+          <a:effectRef idx="2">
+            <a:schemeClr val="accent1"/>
+          </a:effectRef>
+          <a:fontRef idx="minor">
+            <a:schemeClr val="lt1"/>
+          </a:fontRef>
+        </p:style>
+        <p:txBody>
+          <a:bodyPr rtlCol="0" anchor="ctr"/>
+          <a:lstStyle/>
+          <a:p>
+            <a:pPr algn="ctr"/>
+            <a:endParaRPr lang="en-US"/>
+          </a:p>
+        </p:txBody>
+      </p:sp>
     </p:spTree>
+    <p:extLst>
+      <p:ext uri="{BB962C8B-B14F-4D97-AF65-F5344CB8AC3E}">
+        <p14:creationId xmlns:p14="http://schemas.microsoft.com/office/powerpoint/2010/main" val="590895714"/>
+      </p:ext>
+    </p:extLst>
   </p:cSld>
   <p:clrMapOvr>
     <a:masterClrMapping/>
   </p:clrMapOvr>
-  <p:transition xmlns:p14="http://schemas.microsoft.com/office/powerpoint/2010/main" spd="slow" advClick="0">
-    <p:fade/>
-  </p:transition>
+  <mc:AlternateContent xmlns:mc="http://schemas.openxmlformats.org/markup-compatibility/2006" xmlns:p14="http://schemas.microsoft.com/office/powerpoint/2010/main">
+    <mc:Choice Requires="p14">
+      <p:transition spd="med" p14:dur="600" advClick="0">
+        <p:fade/>
+      </p:transition>
+    </mc:Choice>
+    <mc:Fallback xmlns="">
+      <p:transition xmlns:p14="http://schemas.microsoft.com/office/powerpoint/2010/main" spd="med" advClick="0">
+        <p:fade/>
+      </p:transition>
+    </mc:Fallback>
+  </mc:AlternateContent>
   <p:timing>
     <p:tnLst>
       <p:par>
-        <p:cTn xmlns:p14="http://schemas.microsoft.com/office/powerpoint/2010/main" id="1" dur="indefinite" restart="never" nodeType="tmRoot"/>
+        <p:cTn xmlns:p14="http://schemas.microsoft.com/office/powerpoint/2010/main" id="1" dur="indefinite" restart="never" nodeType="tmRoot">
+          <p:childTnLst>
+            <p:seq concurrent="1" nextAc="seek">
+              <p:cTn id="2" dur="indefinite" nodeType="mainSeq">
+                <p:childTnLst>
+                  <p:par>
+                    <p:cTn id="3" fill="hold">
+                      <p:stCondLst>
+                        <p:cond delay="indefinite"/>
+                        <p:cond evt="onBegin" delay="0">
+                          <p:tn val="2"/>
+                        </p:cond>
+                      </p:stCondLst>
+                      <p:childTnLst>
+                        <p:par>
+                          <p:cTn id="4" fill="hold">
+                            <p:stCondLst>
+                              <p:cond delay="0"/>
+                            </p:stCondLst>
+                            <p:childTnLst>
+                              <p:par>
+                                <p:cTn id="5" presetID="22" presetClass="entr" presetSubtype="8" fill="hold" nodeType="withEffect">
+                                  <p:stCondLst>
+                                    <p:cond delay="0"/>
+                                  </p:stCondLst>
+                                  <p:childTnLst>
+                                    <p:set>
+                                      <p:cBhvr>
+                                        <p:cTn id="6" dur="1" fill="hold">
+                                          <p:stCondLst>
+                                            <p:cond delay="0"/>
+                                          </p:stCondLst>
+                                        </p:cTn>
+                                        <p:tgtEl>
+                                          <p:spTgt spid="9"/>
+                                        </p:tgtEl>
+                                        <p:attrNameLst>
+                                          <p:attrName>style.visibility</p:attrName>
+                                        </p:attrNameLst>
+                                      </p:cBhvr>
+                                      <p:to>
+                                        <p:strVal val="visible"/>
+                                      </p:to>
+                                    </p:set>
+                                    <p:animEffect transition="in" filter="wipe(left)">
+                                      <p:cBhvr>
+                                        <p:cTn id="7" dur="1000"/>
+                                        <p:tgtEl>
+                                          <p:spTgt spid="9"/>
+                                        </p:tgtEl>
+                                      </p:cBhvr>
+                                    </p:animEffect>
+                                  </p:childTnLst>
+                                </p:cTn>
+                              </p:par>
+                            </p:childTnLst>
+                          </p:cTn>
+                        </p:par>
+                      </p:childTnLst>
+                    </p:cTn>
+                  </p:par>
+                  <p:par>
+                    <p:cTn id="8" fill="hold">
+                      <p:stCondLst>
+                        <p:cond delay="indefinite"/>
+                      </p:stCondLst>
+                      <p:childTnLst>
+                        <p:par>
+                          <p:cTn id="9" fill="hold">
+                            <p:stCondLst>
+                              <p:cond delay="0"/>
+                            </p:stCondLst>
+                            <p:childTnLst>
+                              <p:par>
+                                <p:cTn id="10" presetID="35" presetClass="entr" presetSubtype="0" fill="hold" grpId="0" nodeType="clickEffect">
+                                  <p:stCondLst>
+                                    <p:cond delay="0"/>
+                                  </p:stCondLst>
+                                  <p:childTnLst>
+                                    <p:set>
+                                      <p:cBhvr>
+                                        <p:cTn id="11" dur="1" fill="hold">
+                                          <p:stCondLst>
+                                            <p:cond delay="0"/>
+                                          </p:stCondLst>
+                                        </p:cTn>
+                                        <p:tgtEl>
+                                          <p:spTgt spid="12"/>
+                                        </p:tgtEl>
+                                        <p:attrNameLst>
+                                          <p:attrName>style.visibility</p:attrName>
+                                        </p:attrNameLst>
+                                      </p:cBhvr>
+                                      <p:to>
+                                        <p:strVal val="visible"/>
+                                      </p:to>
+                                    </p:set>
+                                    <p:animEffect transition="in" filter="fade">
+                                      <p:cBhvr>
+                                        <p:cTn id="12" dur="1000"/>
+                                        <p:tgtEl>
+                                          <p:spTgt spid="12"/>
+                                        </p:tgtEl>
+                                      </p:cBhvr>
+                                    </p:animEffect>
+                                    <p:anim calcmode="lin" valueType="num">
+                                      <p:cBhvr>
+                                        <p:cTn id="13" dur="1000" fill="hold"/>
+                                        <p:tgtEl>
+                                          <p:spTgt spid="12"/>
+                                        </p:tgtEl>
+                                        <p:attrNameLst>
+                                          <p:attrName>style.rotation</p:attrName>
+                                        </p:attrNameLst>
+                                      </p:cBhvr>
+                                      <p:tavLst>
+                                        <p:tav tm="0">
+                                          <p:val>
+                                            <p:fltVal val="720"/>
+                                          </p:val>
+                                        </p:tav>
+                                        <p:tav tm="100000">
+                                          <p:val>
+                                            <p:fltVal val="0"/>
+                                          </p:val>
+                                        </p:tav>
+                                      </p:tavLst>
+                                    </p:anim>
+                                    <p:anim calcmode="lin" valueType="num">
+                                      <p:cBhvr>
+                                        <p:cTn id="14" dur="1000" fill="hold"/>
+                                        <p:tgtEl>
+                                          <p:spTgt spid="12"/>
+                                        </p:tgtEl>
+                                        <p:attrNameLst>
+                                          <p:attrName>ppt_h</p:attrName>
+                                        </p:attrNameLst>
+                                      </p:cBhvr>
+                                      <p:tavLst>
+                                        <p:tav tm="0">
+                                          <p:val>
+                                            <p:fltVal val="0"/>
+                                          </p:val>
+                                        </p:tav>
+                                        <p:tav tm="100000">
+                                          <p:val>
+                                            <p:strVal val="#ppt_h"/>
+                                          </p:val>
+                                        </p:tav>
+                                      </p:tavLst>
+                                    </p:anim>
+                                    <p:anim calcmode="lin" valueType="num">
+                                      <p:cBhvr>
+                                        <p:cTn id="15" dur="1000" fill="hold"/>
+                                        <p:tgtEl>
+                                          <p:spTgt spid="12"/>
+                                        </p:tgtEl>
+                                        <p:attrNameLst>
+                                          <p:attrName>ppt_w</p:attrName>
+                                        </p:attrNameLst>
+                                      </p:cBhvr>
+                                      <p:tavLst>
+                                        <p:tav tm="0">
+                                          <p:val>
+                                            <p:fltVal val="0"/>
+                                          </p:val>
+                                        </p:tav>
+                                        <p:tav tm="100000">
+                                          <p:val>
+                                            <p:strVal val="#ppt_w"/>
+                                          </p:val>
+                                        </p:tav>
+                                      </p:tavLst>
+                                    </p:anim>
+                                  </p:childTnLst>
+                                </p:cTn>
+                              </p:par>
+                            </p:childTnLst>
+                          </p:cTn>
+                        </p:par>
+                      </p:childTnLst>
+                    </p:cTn>
+                  </p:par>
+                </p:childTnLst>
+              </p:cTn>
+              <p:prevCondLst>
+                <p:cond evt="onPrev" delay="0">
+                  <p:tgtEl>
+                    <p:sldTgt/>
+                  </p:tgtEl>
+                </p:cond>
+              </p:prevCondLst>
+              <p:nextCondLst>
+                <p:cond evt="onNext" delay="0">
+                  <p:tgtEl>
+                    <p:sldTgt/>
+                  </p:tgtEl>
+                </p:cond>
+              </p:nextCondLst>
+            </p:seq>
+          </p:childTnLst>
+        </p:cTn>
       </p:par>
     </p:tnLst>
+    <p:bldLst>
+      <p:bldP spid="12" grpId="0" animBg="1"/>
+    </p:bldLst>
   </p:timing>
 </p:sld>
 </file>
@@ -6989,42 +7682,7 @@
             <a:pPr eaLnBrk="1" hangingPunct="1"/>
             <a:r>
               <a:rPr lang="en-US" sz="6000" dirty="0" smtClean="0"/>
-              <a:t>advantage, </a:t>
-            </a:r>
-            <a:r>
-              <a:rPr lang="en-US" sz="6000" dirty="0" smtClean="0">
-                <a:solidFill>
-                  <a:srgbClr val="9B2894"/>
-                </a:solidFill>
-              </a:rPr>
-              <a:t>no matter</a:t>
-            </a:r>
-          </a:p>
-          <a:p>
-            <a:pPr eaLnBrk="1" hangingPunct="1"/>
-            <a:r>
-              <a:rPr lang="en-US" sz="6000" dirty="0" smtClean="0">
-                <a:solidFill>
-                  <a:srgbClr val="9B2894"/>
-                </a:solidFill>
-              </a:rPr>
-              <a:t>what</a:t>
-            </a:r>
-            <a:r>
-              <a:rPr lang="en-US" sz="6000" dirty="0" smtClean="0"/>
-              <a:t> </a:t>
-            </a:r>
-            <a:r>
-              <a:rPr lang="en-US" sz="6000" dirty="0" smtClean="0">
-                <a:solidFill>
-                  <a:srgbClr val="3333FF"/>
-                </a:solidFill>
-              </a:rPr>
-              <a:t>Team 1</a:t>
-            </a:r>
-            <a:r>
-              <a:rPr lang="en-US" sz="6000" dirty="0" smtClean="0"/>
-              <a:t> does!</a:t>
+              <a:t>advantage</a:t>
             </a:r>
           </a:p>
         </p:txBody>
@@ -7097,11 +7755,6 @@
         </p:txBody>
       </p:sp>
     </p:spTree>
-    <p:extLst>
-      <p:ext uri="{BB962C8B-B14F-4D97-AF65-F5344CB8AC3E}">
-        <p14:creationId xmlns:p14="http://schemas.microsoft.com/office/powerpoint/2010/main" val="632983482"/>
-      </p:ext>
-    </p:extLst>
   </p:cSld>
   <p:clrMapOvr>
     <a:masterClrMapping/>
@@ -7138,6 +7791,232 @@
       </p:grpSpPr>
       <p:sp>
         <p:nvSpPr>
+          <p:cNvPr id="6" name="Slide Number Placeholder 3"/>
+          <p:cNvSpPr>
+            <a:spLocks noGrp="1"/>
+          </p:cNvSpPr>
+          <p:nvPr>
+            <p:ph type="sldNum" sz="quarter" idx="11"/>
+          </p:nvPr>
+        </p:nvSpPr>
+        <p:spPr/>
+        <p:txBody>
+          <a:bodyPr/>
+          <a:lstStyle/>
+          <a:p>
+            <a:pPr>
+              <a:defRPr/>
+            </a:pPr>
+            <a:r>
+              <a:rPr lang="en-US" dirty="0" err="1" smtClean="0"/>
+              <a:t>ranvarbigger</a:t>
+            </a:r>
+            <a:r>
+              <a:rPr lang="en-US" dirty="0" smtClean="0"/>
+              <a:t>.</a:t>
+            </a:r>
+            <a:fld id="{601D9D26-416F-483A-A5D6-37381C6E500B}" type="slidenum">
+              <a:rPr lang="en-US" smtClean="0"/>
+              <a:pPr>
+                <a:defRPr/>
+              </a:pPr>
+              <a:t>16</a:t>
+            </a:fld>
+            <a:endParaRPr lang="en-US" dirty="0"/>
+          </a:p>
+        </p:txBody>
+      </p:sp>
+      <p:sp>
+        <p:nvSpPr>
+          <p:cNvPr id="26627" name="Rectangle 3"/>
+          <p:cNvSpPr>
+            <a:spLocks noGrp="1" noChangeArrowheads="1"/>
+          </p:cNvSpPr>
+          <p:nvPr>
+            <p:ph idx="4294967295"/>
+          </p:nvPr>
+        </p:nvSpPr>
+        <p:spPr>
+          <a:xfrm>
+            <a:off x="681552" y="1642543"/>
+            <a:ext cx="7725833" cy="3564467"/>
+          </a:xfrm>
+        </p:spPr>
+        <p:txBody>
+          <a:bodyPr/>
+          <a:lstStyle/>
+          <a:p>
+            <a:pPr eaLnBrk="1" hangingPunct="1"/>
+            <a:r>
+              <a:rPr lang="en-US" sz="6000" dirty="0" smtClean="0"/>
+              <a:t>So </a:t>
+            </a:r>
+            <a:r>
+              <a:rPr lang="en-US" sz="6000" dirty="0" smtClean="0">
+                <a:solidFill>
+                  <a:srgbClr val="006600"/>
+                </a:solidFill>
+              </a:rPr>
+              <a:t>Team 2</a:t>
+            </a:r>
+            <a:r>
+              <a:rPr lang="en-US" sz="6000" dirty="0" smtClean="0"/>
+              <a:t> has the </a:t>
+            </a:r>
+          </a:p>
+          <a:p>
+            <a:pPr eaLnBrk="1" hangingPunct="1"/>
+            <a:r>
+              <a:rPr lang="en-US" sz="6000" dirty="0" smtClean="0"/>
+              <a:t>advantage, </a:t>
+            </a:r>
+            <a:r>
+              <a:rPr lang="en-US" sz="6000" dirty="0" smtClean="0">
+                <a:solidFill>
+                  <a:srgbClr val="9B2894"/>
+                </a:solidFill>
+              </a:rPr>
+              <a:t>no matter</a:t>
+            </a:r>
+          </a:p>
+          <a:p>
+            <a:pPr eaLnBrk="1" hangingPunct="1"/>
+            <a:r>
+              <a:rPr lang="en-US" sz="6000" dirty="0" smtClean="0">
+                <a:solidFill>
+                  <a:srgbClr val="9B2894"/>
+                </a:solidFill>
+              </a:rPr>
+              <a:t>what</a:t>
+            </a:r>
+            <a:r>
+              <a:rPr lang="en-US" sz="6000" dirty="0" smtClean="0"/>
+              <a:t> </a:t>
+            </a:r>
+            <a:r>
+              <a:rPr lang="en-US" sz="6000" dirty="0" smtClean="0">
+                <a:solidFill>
+                  <a:srgbClr val="3333FF"/>
+                </a:solidFill>
+              </a:rPr>
+              <a:t>Team 1</a:t>
+            </a:r>
+            <a:r>
+              <a:rPr lang="en-US" sz="6000" dirty="0" smtClean="0"/>
+              <a:t> does!</a:t>
+            </a:r>
+          </a:p>
+        </p:txBody>
+      </p:sp>
+      <p:sp>
+        <p:nvSpPr>
+          <p:cNvPr id="7" name="Rectangle 2"/>
+          <p:cNvSpPr txBox="1">
+            <a:spLocks noChangeArrowheads="1"/>
+          </p:cNvSpPr>
+          <p:nvPr/>
+        </p:nvSpPr>
+        <p:spPr bwMode="auto">
+          <a:xfrm>
+            <a:off x="1143000" y="152400"/>
+            <a:ext cx="7543800" cy="1143000"/>
+          </a:xfrm>
+          <a:prstGeom prst="rect">
+            <a:avLst/>
+          </a:prstGeom>
+          <a:noFill/>
+          <a:ln w="9525">
+            <a:noFill/>
+            <a:miter lim="800000"/>
+            <a:headEnd/>
+            <a:tailEnd/>
+          </a:ln>
+        </p:spPr>
+        <p:txBody>
+          <a:bodyPr anchor="ctr"/>
+          <a:lstStyle/>
+          <a:p>
+            <a:pPr algn="ctr" eaLnBrk="0" hangingPunct="0">
+              <a:defRPr/>
+            </a:pPr>
+            <a:r>
+              <a:rPr lang="en-US" sz="4000" b="1" kern="0" dirty="0">
+                <a:solidFill>
+                  <a:schemeClr val="tx2"/>
+                </a:solidFill>
+                <a:latin typeface="+mj-lt"/>
+                <a:ea typeface="+mj-ea"/>
+                <a:cs typeface="+mj-cs"/>
+              </a:rPr>
+              <a:t>Analysis of </a:t>
+            </a:r>
+            <a:r>
+              <a:rPr lang="en-US" sz="4000" b="1" kern="0" dirty="0">
+                <a:solidFill>
+                  <a:srgbClr val="006600"/>
+                </a:solidFill>
+                <a:latin typeface="+mj-lt"/>
+                <a:ea typeface="+mj-ea"/>
+                <a:cs typeface="+mj-cs"/>
+              </a:rPr>
+              <a:t>Team 2</a:t>
+            </a:r>
+            <a:r>
+              <a:rPr lang="en-US" sz="4000" b="1" kern="0" dirty="0">
+                <a:solidFill>
+                  <a:schemeClr val="tx2"/>
+                </a:solidFill>
+                <a:latin typeface="+mj-lt"/>
+                <a:ea typeface="+mj-ea"/>
+                <a:cs typeface="+mj-cs"/>
+              </a:rPr>
+              <a:t> Strategy</a:t>
+            </a:r>
+          </a:p>
+        </p:txBody>
+      </p:sp>
+    </p:spTree>
+    <p:extLst>
+      <p:ext uri="{BB962C8B-B14F-4D97-AF65-F5344CB8AC3E}">
+        <p14:creationId xmlns:p14="http://schemas.microsoft.com/office/powerpoint/2010/main" val="632983482"/>
+      </p:ext>
+    </p:extLst>
+  </p:cSld>
+  <p:clrMapOvr>
+    <a:masterClrMapping/>
+  </p:clrMapOvr>
+  <p:transition xmlns:p14="http://schemas.microsoft.com/office/powerpoint/2010/main" spd="slow" advClick="0">
+    <p:fade/>
+  </p:transition>
+  <p:timing>
+    <p:tnLst>
+      <p:par>
+        <p:cTn xmlns:p14="http://schemas.microsoft.com/office/powerpoint/2010/main" id="1" dur="indefinite" restart="never" nodeType="tmRoot"/>
+      </p:par>
+    </p:tnLst>
+  </p:timing>
+</p:sld>
+</file>
+
+<file path=ppt/slides/slide17.xml><?xml version="1.0" encoding="utf-8"?>
+<p:sld xmlns:a="http://schemas.openxmlformats.org/drawingml/2006/main" xmlns:r="http://schemas.openxmlformats.org/officeDocument/2006/relationships" xmlns:p="http://schemas.openxmlformats.org/presentationml/2006/main">
+  <p:cSld>
+    <p:spTree>
+      <p:nvGrpSpPr>
+        <p:cNvPr id="1" name=""/>
+        <p:cNvGrpSpPr/>
+        <p:nvPr/>
+      </p:nvGrpSpPr>
+      <p:grpSpPr>
+        <a:xfrm>
+          <a:off x="0" y="0"/>
+          <a:ext cx="0" cy="0"/>
+          <a:chOff x="0" y="0"/>
+          <a:chExt cx="0" cy="0"/>
+        </a:xfrm>
+      </p:grpSpPr>
+      <p:sp>
+        <p:nvSpPr>
           <p:cNvPr id="8" name="Slide Number Placeholder 3"/>
           <p:cNvSpPr>
             <a:spLocks noGrp="1"/>
@@ -7167,7 +8046,7 @@
               <a:pPr>
                 <a:defRPr/>
               </a:pPr>
-              <a:t>16</a:t>
+              <a:t>17</a:t>
             </a:fld>
             <a:endParaRPr lang="en-US" dirty="0"/>
           </a:p>
@@ -7393,7 +8272,7 @@
           <a:graphicData uri="http://schemas.openxmlformats.org/presentationml/2006/ole">
             <mc:AlternateContent xmlns:mc="http://schemas.openxmlformats.org/markup-compatibility/2006">
               <mc:Choice xmlns:v="urn:schemas-microsoft-com:vml" Requires="v">
-                <p:oleObj spid="_x0000_s5155" name="Equation" r:id="rId4" imgW="190440" imgH="431640" progId="Equation.DSMT4">
+                <p:oleObj spid="_x0000_s5162" name="Equation" r:id="rId4" imgW="190440" imgH="431640" progId="Equation.DSMT4">
                   <p:embed/>
                 </p:oleObj>
               </mc:Choice>
@@ -7666,7 +8545,7 @@
 </p:sld>
 </file>
 
-<file path=ppt/slides/slide17.xml><?xml version="1.0" encoding="utf-8"?>
+<file path=ppt/slides/slide18.xml><?xml version="1.0" encoding="utf-8"?>
 <p:sld xmlns:a="http://schemas.openxmlformats.org/drawingml/2006/main" xmlns:r="http://schemas.openxmlformats.org/officeDocument/2006/relationships" xmlns:p="http://schemas.openxmlformats.org/presentationml/2006/main">
   <p:cSld>
     <p:spTree>
@@ -7714,7 +8593,7 @@
               <a:pPr>
                 <a:defRPr/>
               </a:pPr>
-              <a:t>17</a:t>
+              <a:t>18</a:t>
             </a:fld>
             <a:endParaRPr lang="en-US" dirty="0"/>
           </a:p>
@@ -7939,7 +8818,7 @@
           <a:graphicData uri="http://schemas.openxmlformats.org/presentationml/2006/ole">
             <mc:AlternateContent xmlns:mc="http://schemas.openxmlformats.org/markup-compatibility/2006">
               <mc:Choice xmlns:v="urn:schemas-microsoft-com:vml" Requires="v">
-                <p:oleObj spid="_x0000_s582670" name="Equation" r:id="rId4" imgW="190440" imgH="431640" progId="Equation.DSMT4">
+                <p:oleObj spid="_x0000_s582677" name="Equation" r:id="rId4" imgW="190440" imgH="431640" progId="Equation.DSMT4">
                   <p:embed/>
                 </p:oleObj>
               </mc:Choice>
@@ -8008,7 +8887,7 @@
 </p:sld>
 </file>
 
-<file path=ppt/slides/slide18.xml><?xml version="1.0" encoding="utf-8"?>
+<file path=ppt/slides/slide19.xml><?xml version="1.0" encoding="utf-8"?>
 <p:sld xmlns:a="http://schemas.openxmlformats.org/drawingml/2006/main" xmlns:r="http://schemas.openxmlformats.org/officeDocument/2006/relationships" xmlns:p="http://schemas.openxmlformats.org/presentationml/2006/main">
   <p:cSld>
     <p:spTree>
@@ -8056,7 +8935,7 @@
               <a:pPr>
                 <a:defRPr/>
               </a:pPr>
-              <a:t>18</a:t>
+              <a:t>19</a:t>
             </a:fld>
             <a:endParaRPr lang="en-US" dirty="0"/>
           </a:p>
@@ -9774,7 +10653,7 @@
           <a:p>
             <a:pPr algn="ctr" eaLnBrk="1" hangingPunct="1"/>
             <a:r>
-              <a:rPr lang="en-US" dirty="0" smtClean="0">
+              <a:rPr lang="en-US" sz="4400" dirty="0" smtClean="0">
                 <a:solidFill>
                   <a:srgbClr val="FF6600"/>
                 </a:solidFill>
@@ -9782,7 +10661,7 @@
               <a:t> </a:t>
             </a:r>
             <a:r>
-              <a:rPr lang="en-US" dirty="0" smtClean="0">
+              <a:rPr lang="en-US" sz="4400" dirty="0" smtClean="0">
                 <a:solidFill>
                   <a:srgbClr val="FF00FF"/>
                 </a:solidFill>
@@ -9790,11 +10669,11 @@
               <a:t>Z</a:t>
             </a:r>
             <a:r>
-              <a:rPr lang="en-US" dirty="0" smtClean="0"/>
+              <a:rPr lang="en-US" sz="4400" dirty="0" smtClean="0"/>
               <a:t>  is a </a:t>
             </a:r>
             <a:r>
-              <a:rPr lang="en-US" dirty="0" smtClean="0">
+              <a:rPr lang="en-US" sz="4400" dirty="0" smtClean="0">
                 <a:solidFill>
                   <a:srgbClr val="FF00FF"/>
                 </a:solidFill>
@@ -9802,20 +10681,20 @@
               <a:t>random</a:t>
             </a:r>
             <a:r>
-              <a:rPr lang="en-US" dirty="0" smtClean="0"/>
+              <a:rPr lang="en-US" sz="4400" dirty="0" smtClean="0"/>
               <a:t> integer </a:t>
             </a:r>
             <a:r>
+              <a:rPr lang="en-US" sz="4800" dirty="0" smtClean="0">
+                <a:solidFill>
+                  <a:srgbClr val="3333FF"/>
+                </a:solidFill>
+                <a:latin typeface="CambriaMath"/>
+              </a:rPr>
+              <a:t>∊</a:t>
+            </a:r>
+            <a:r>
               <a:rPr lang="en-US" sz="4400" dirty="0" smtClean="0">
-                <a:solidFill>
-                  <a:srgbClr val="3333FF"/>
-                </a:solidFill>
-                <a:latin typeface="CambriaMath"/>
-              </a:rPr>
-              <a:t>∊</a:t>
-            </a:r>
-            <a:r>
-              <a:rPr lang="en-US" dirty="0" smtClean="0">
                 <a:solidFill>
                   <a:srgbClr val="3333FF"/>
                 </a:solidFill>
@@ -10777,7 +11656,7 @@
           <a:graphicData uri="http://schemas.openxmlformats.org/presentationml/2006/ole">
             <mc:AlternateContent xmlns:mc="http://schemas.openxmlformats.org/markup-compatibility/2006">
               <mc:Choice xmlns:v="urn:schemas-microsoft-com:vml" Requires="v">
-                <p:oleObj spid="_x0000_s583689" name="Equation" r:id="rId4" imgW="164880" imgH="419040" progId="Equation.DSMT4">
+                <p:oleObj spid="_x0000_s583696" name="Equation" r:id="rId4" imgW="164880" imgH="419040" progId="Equation.DSMT4">
                   <p:embed/>
                 </p:oleObj>
               </mc:Choice>
@@ -11397,7 +12276,7 @@
           <a:graphicData uri="http://schemas.openxmlformats.org/presentationml/2006/ole">
             <mc:AlternateContent xmlns:mc="http://schemas.openxmlformats.org/markup-compatibility/2006">
               <mc:Choice xmlns:v="urn:schemas-microsoft-com:vml" Requires="v">
-                <p:oleObj spid="_x0000_s2084" name="Equation" r:id="rId4" imgW="152280" imgH="419040" progId="Equation.DSMT4">
+                <p:oleObj spid="_x0000_s2091" name="Equation" r:id="rId4" imgW="152280" imgH="419040" progId="Equation.DSMT4">
                   <p:embed/>
                 </p:oleObj>
               </mc:Choice>
@@ -11906,7 +12785,7 @@
           <a:graphicData uri="http://schemas.openxmlformats.org/presentationml/2006/ole">
             <mc:AlternateContent xmlns:mc="http://schemas.openxmlformats.org/markup-compatibility/2006">
               <mc:Choice xmlns:v="urn:schemas-microsoft-com:vml" Requires="v">
-                <p:oleObj spid="_x0000_s3109" name="Equation" r:id="rId4" imgW="152280" imgH="419040" progId="Equation.DSMT4">
+                <p:oleObj spid="_x0000_s3116" name="Equation" r:id="rId4" imgW="152280" imgH="419040" progId="Equation.DSMT4">
                   <p:embed/>
                 </p:oleObj>
               </mc:Choice>
